--- a/cv resnet.pptx
+++ b/cv resnet.pptx
@@ -5,7 +5,7 @@
     <p:sldMasterId id="2147483659" r:id="rId1"/>
   </p:sldMasterIdLst>
   <p:notesMasterIdLst>
-    <p:notesMasterId r:id="rId8"/>
+    <p:notesMasterId r:id="rId21"/>
   </p:notesMasterIdLst>
   <p:sldIdLst>
     <p:sldId id="260" r:id="rId2"/>
@@ -14,13 +14,26 @@
     <p:sldId id="266" r:id="rId5"/>
     <p:sldId id="263" r:id="rId6"/>
     <p:sldId id="267" r:id="rId7"/>
+    <p:sldId id="257" r:id="rId8"/>
+    <p:sldId id="268" r:id="rId9"/>
+    <p:sldId id="258" r:id="rId10"/>
+    <p:sldId id="259" r:id="rId11"/>
+    <p:sldId id="269" r:id="rId12"/>
+    <p:sldId id="270" r:id="rId13"/>
+    <p:sldId id="264" r:id="rId14"/>
+    <p:sldId id="271" r:id="rId15"/>
+    <p:sldId id="265" r:id="rId16"/>
+    <p:sldId id="272" r:id="rId17"/>
+    <p:sldId id="273" r:id="rId18"/>
+    <p:sldId id="274" r:id="rId19"/>
+    <p:sldId id="275" r:id="rId20"/>
   </p:sldIdLst>
   <p:sldSz cx="9144000" cy="5143500" type="screen16x9"/>
   <p:notesSz cx="6858000" cy="9144000"/>
   <p:embeddedFontLst>
     <p:embeddedFont>
-      <p:font typeface="NanumGothicExtraBold" panose="02000300000000000000" pitchFamily="2" charset="-127"/>
-      <p:bold r:id="rId9"/>
+      <p:font typeface="NanumGothicExtraBold" panose="020D0904000000000000" pitchFamily="50" charset="-127"/>
+      <p:bold r:id="rId22"/>
     </p:embeddedFont>
   </p:embeddedFontLst>
   <p:defaultTextStyle>
@@ -269,6 +282,460 @@
     </p:ext>
   </p:extLst>
 </p:presentation>
+</file>
+
+<file path=ppt/revisionInfo.xml><?xml version="1.0" encoding="utf-8"?>
+<p1510:revInfo xmlns:a="http://schemas.openxmlformats.org/drawingml/2006/main" xmlns:r="http://schemas.openxmlformats.org/officeDocument/2006/relationships" xmlns:p1510="http://schemas.microsoft.com/office/powerpoint/2015/10/main">
+  <p1510:revLst>
+    <p1510:client id="{AE792502-4851-4242-BB4E-94BDBF92D3ED}" v="4" dt="2024-11-12T09:03:58.290"/>
+  </p1510:revLst>
+</p1510:revInfo>
+</file>
+
+<file path=ppt/changesInfos/changesInfo1.xml><?xml version="1.0" encoding="utf-8"?>
+<pc:chgInfo xmlns:a="http://schemas.openxmlformats.org/drawingml/2006/main" xmlns:r="http://schemas.openxmlformats.org/officeDocument/2006/relationships" xmlns:ac="http://schemas.microsoft.com/office/drawing/2013/main/command" xmlns:pc="http://schemas.microsoft.com/office/powerpoint/2013/main/command">
+  <pc:docChgLst>
+    <pc:chgData name="김대현" userId="7e0cdd83-4095-47fd-b885-60cdf5e65eca" providerId="ADAL" clId="{AE792502-4851-4242-BB4E-94BDBF92D3ED}"/>
+    <pc:docChg chg="undo custSel addSld delSld modSld">
+      <pc:chgData name="김대현" userId="7e0cdd83-4095-47fd-b885-60cdf5e65eca" providerId="ADAL" clId="{AE792502-4851-4242-BB4E-94BDBF92D3ED}" dt="2024-11-12T09:03:58.281" v="19"/>
+      <pc:docMkLst>
+        <pc:docMk/>
+      </pc:docMkLst>
+      <pc:sldChg chg="add">
+        <pc:chgData name="김대현" userId="7e0cdd83-4095-47fd-b885-60cdf5e65eca" providerId="ADAL" clId="{AE792502-4851-4242-BB4E-94BDBF92D3ED}" dt="2024-11-12T09:03:58.281" v="19"/>
+        <pc:sldMkLst>
+          <pc:docMk/>
+          <pc:sldMk cId="2254854624" sldId="257"/>
+        </pc:sldMkLst>
+      </pc:sldChg>
+      <pc:sldChg chg="add del">
+        <pc:chgData name="김대현" userId="7e0cdd83-4095-47fd-b885-60cdf5e65eca" providerId="ADAL" clId="{AE792502-4851-4242-BB4E-94BDBF92D3ED}" dt="2024-11-12T09:03:56.060" v="18"/>
+        <pc:sldMkLst>
+          <pc:docMk/>
+          <pc:sldMk cId="3585846582" sldId="257"/>
+        </pc:sldMkLst>
+      </pc:sldChg>
+      <pc:sldChg chg="delSp modSp add del mod setBg delDesignElem">
+        <pc:chgData name="김대현" userId="7e0cdd83-4095-47fd-b885-60cdf5e65eca" providerId="ADAL" clId="{AE792502-4851-4242-BB4E-94BDBF92D3ED}" dt="2024-11-12T09:03:49.202" v="14" actId="2696"/>
+        <pc:sldMkLst>
+          <pc:docMk/>
+          <pc:sldMk cId="4043737824" sldId="257"/>
+        </pc:sldMkLst>
+        <pc:spChg chg="mod">
+          <ac:chgData name="김대현" userId="7e0cdd83-4095-47fd-b885-60cdf5e65eca" providerId="ADAL" clId="{AE792502-4851-4242-BB4E-94BDBF92D3ED}" dt="2024-11-12T09:02:44.431" v="13" actId="20577"/>
+          <ac:spMkLst>
+            <pc:docMk/>
+            <pc:sldMk cId="4043737824" sldId="257"/>
+            <ac:spMk id="3" creationId="{A8E9CFF2-3777-4FF4-A759-8491175B0B7C}"/>
+          </ac:spMkLst>
+        </pc:spChg>
+        <pc:spChg chg="del">
+          <ac:chgData name="김대현" userId="7e0cdd83-4095-47fd-b885-60cdf5e65eca" providerId="ADAL" clId="{AE792502-4851-4242-BB4E-94BDBF92D3ED}" dt="2024-11-12T09:02:40.248" v="1"/>
+          <ac:spMkLst>
+            <pc:docMk/>
+            <pc:sldMk cId="4043737824" sldId="257"/>
+            <ac:spMk id="22" creationId="{A9286AD2-18A9-4868-A4E3-7A2097A20810}"/>
+          </ac:spMkLst>
+        </pc:spChg>
+        <pc:cxnChg chg="del">
+          <ac:chgData name="김대현" userId="7e0cdd83-4095-47fd-b885-60cdf5e65eca" providerId="ADAL" clId="{AE792502-4851-4242-BB4E-94BDBF92D3ED}" dt="2024-11-12T09:02:40.248" v="1"/>
+          <ac:cxnSpMkLst>
+            <pc:docMk/>
+            <pc:sldMk cId="4043737824" sldId="257"/>
+            <ac:cxnSpMk id="24" creationId="{E7A7CD63-7EC3-44F3-95D0-595C4019FF24}"/>
+          </ac:cxnSpMkLst>
+        </pc:cxnChg>
+      </pc:sldChg>
+      <pc:sldChg chg="add">
+        <pc:chgData name="김대현" userId="7e0cdd83-4095-47fd-b885-60cdf5e65eca" providerId="ADAL" clId="{AE792502-4851-4242-BB4E-94BDBF92D3ED}" dt="2024-11-12T09:03:58.281" v="19"/>
+        <pc:sldMkLst>
+          <pc:docMk/>
+          <pc:sldMk cId="777424427" sldId="258"/>
+        </pc:sldMkLst>
+      </pc:sldChg>
+      <pc:sldChg chg="add del">
+        <pc:chgData name="김대현" userId="7e0cdd83-4095-47fd-b885-60cdf5e65eca" providerId="ADAL" clId="{AE792502-4851-4242-BB4E-94BDBF92D3ED}" dt="2024-11-12T09:03:56.060" v="18"/>
+        <pc:sldMkLst>
+          <pc:docMk/>
+          <pc:sldMk cId="1360433377" sldId="258"/>
+        </pc:sldMkLst>
+      </pc:sldChg>
+      <pc:sldChg chg="modSp add del mod">
+        <pc:chgData name="김대현" userId="7e0cdd83-4095-47fd-b885-60cdf5e65eca" providerId="ADAL" clId="{AE792502-4851-4242-BB4E-94BDBF92D3ED}" dt="2024-11-12T09:03:49.202" v="14" actId="2696"/>
+        <pc:sldMkLst>
+          <pc:docMk/>
+          <pc:sldMk cId="2494221334" sldId="258"/>
+        </pc:sldMkLst>
+        <pc:spChg chg="mod">
+          <ac:chgData name="김대현" userId="7e0cdd83-4095-47fd-b885-60cdf5e65eca" providerId="ADAL" clId="{AE792502-4851-4242-BB4E-94BDBF92D3ED}" dt="2024-11-12T09:02:40.311" v="4" actId="27636"/>
+          <ac:spMkLst>
+            <pc:docMk/>
+            <pc:sldMk cId="2494221334" sldId="258"/>
+            <ac:spMk id="4" creationId="{61AF2A4A-9250-1FE5-C0BE-4DCF3AFD91BE}"/>
+          </ac:spMkLst>
+        </pc:spChg>
+        <pc:spChg chg="mod">
+          <ac:chgData name="김대현" userId="7e0cdd83-4095-47fd-b885-60cdf5e65eca" providerId="ADAL" clId="{AE792502-4851-4242-BB4E-94BDBF92D3ED}" dt="2024-11-12T09:02:40.311" v="3" actId="27636"/>
+          <ac:spMkLst>
+            <pc:docMk/>
+            <pc:sldMk cId="2494221334" sldId="258"/>
+            <ac:spMk id="5" creationId="{B42FB8AD-EE63-0EF1-20E4-C9EBF4422896}"/>
+          </ac:spMkLst>
+        </pc:spChg>
+      </pc:sldChg>
+      <pc:sldChg chg="add del">
+        <pc:chgData name="김대현" userId="7e0cdd83-4095-47fd-b885-60cdf5e65eca" providerId="ADAL" clId="{AE792502-4851-4242-BB4E-94BDBF92D3ED}" dt="2024-11-12T09:03:56.060" v="18"/>
+        <pc:sldMkLst>
+          <pc:docMk/>
+          <pc:sldMk cId="1543911074" sldId="259"/>
+        </pc:sldMkLst>
+      </pc:sldChg>
+      <pc:sldChg chg="modSp add del mod">
+        <pc:chgData name="김대현" userId="7e0cdd83-4095-47fd-b885-60cdf5e65eca" providerId="ADAL" clId="{AE792502-4851-4242-BB4E-94BDBF92D3ED}" dt="2024-11-12T09:03:49.202" v="14" actId="2696"/>
+        <pc:sldMkLst>
+          <pc:docMk/>
+          <pc:sldMk cId="4136147626" sldId="259"/>
+        </pc:sldMkLst>
+        <pc:spChg chg="mod">
+          <ac:chgData name="김대현" userId="7e0cdd83-4095-47fd-b885-60cdf5e65eca" providerId="ADAL" clId="{AE792502-4851-4242-BB4E-94BDBF92D3ED}" dt="2024-11-12T09:02:40.311" v="5" actId="27636"/>
+          <ac:spMkLst>
+            <pc:docMk/>
+            <pc:sldMk cId="4136147626" sldId="259"/>
+            <ac:spMk id="4" creationId="{8ED1D8AD-8990-16CD-3CDF-C493ADF757C9}"/>
+          </ac:spMkLst>
+        </pc:spChg>
+        <pc:spChg chg="mod">
+          <ac:chgData name="김대현" userId="7e0cdd83-4095-47fd-b885-60cdf5e65eca" providerId="ADAL" clId="{AE792502-4851-4242-BB4E-94BDBF92D3ED}" dt="2024-11-12T09:02:40.311" v="6" actId="27636"/>
+          <ac:spMkLst>
+            <pc:docMk/>
+            <pc:sldMk cId="4136147626" sldId="259"/>
+            <ac:spMk id="5" creationId="{9814EF4A-0151-C579-B9EE-61FD9987557B}"/>
+          </ac:spMkLst>
+        </pc:spChg>
+      </pc:sldChg>
+      <pc:sldChg chg="add">
+        <pc:chgData name="김대현" userId="7e0cdd83-4095-47fd-b885-60cdf5e65eca" providerId="ADAL" clId="{AE792502-4851-4242-BB4E-94BDBF92D3ED}" dt="2024-11-12T09:03:58.281" v="19"/>
+        <pc:sldMkLst>
+          <pc:docMk/>
+          <pc:sldMk cId="4275555188" sldId="259"/>
+        </pc:sldMkLst>
+      </pc:sldChg>
+      <pc:sldChg chg="add del">
+        <pc:chgData name="김대현" userId="7e0cdd83-4095-47fd-b885-60cdf5e65eca" providerId="ADAL" clId="{AE792502-4851-4242-BB4E-94BDBF92D3ED}" dt="2024-11-12T09:03:56.060" v="18"/>
+        <pc:sldMkLst>
+          <pc:docMk/>
+          <pc:sldMk cId="975195717" sldId="264"/>
+        </pc:sldMkLst>
+      </pc:sldChg>
+      <pc:sldChg chg="modSp add del mod">
+        <pc:chgData name="김대현" userId="7e0cdd83-4095-47fd-b885-60cdf5e65eca" providerId="ADAL" clId="{AE792502-4851-4242-BB4E-94BDBF92D3ED}" dt="2024-11-12T09:03:49.202" v="14" actId="2696"/>
+        <pc:sldMkLst>
+          <pc:docMk/>
+          <pc:sldMk cId="1356060621" sldId="264"/>
+        </pc:sldMkLst>
+        <pc:spChg chg="mod">
+          <ac:chgData name="김대현" userId="7e0cdd83-4095-47fd-b885-60cdf5e65eca" providerId="ADAL" clId="{AE792502-4851-4242-BB4E-94BDBF92D3ED}" dt="2024-11-12T09:02:40.328" v="9" actId="27636"/>
+          <ac:spMkLst>
+            <pc:docMk/>
+            <pc:sldMk cId="1356060621" sldId="264"/>
+            <ac:spMk id="5" creationId="{364F9CF1-D2F2-FAD9-EA88-A2C09233D950}"/>
+          </ac:spMkLst>
+        </pc:spChg>
+      </pc:sldChg>
+      <pc:sldChg chg="add">
+        <pc:chgData name="김대현" userId="7e0cdd83-4095-47fd-b885-60cdf5e65eca" providerId="ADAL" clId="{AE792502-4851-4242-BB4E-94BDBF92D3ED}" dt="2024-11-12T09:03:58.281" v="19"/>
+        <pc:sldMkLst>
+          <pc:docMk/>
+          <pc:sldMk cId="3067971497" sldId="264"/>
+        </pc:sldMkLst>
+      </pc:sldChg>
+      <pc:sldChg chg="add">
+        <pc:chgData name="김대현" userId="7e0cdd83-4095-47fd-b885-60cdf5e65eca" providerId="ADAL" clId="{AE792502-4851-4242-BB4E-94BDBF92D3ED}" dt="2024-11-12T09:03:58.281" v="19"/>
+        <pc:sldMkLst>
+          <pc:docMk/>
+          <pc:sldMk cId="177429399" sldId="265"/>
+        </pc:sldMkLst>
+      </pc:sldChg>
+      <pc:sldChg chg="add del">
+        <pc:chgData name="김대현" userId="7e0cdd83-4095-47fd-b885-60cdf5e65eca" providerId="ADAL" clId="{AE792502-4851-4242-BB4E-94BDBF92D3ED}" dt="2024-11-12T09:03:56.060" v="18"/>
+        <pc:sldMkLst>
+          <pc:docMk/>
+          <pc:sldMk cId="1530440444" sldId="265"/>
+        </pc:sldMkLst>
+      </pc:sldChg>
+      <pc:sldChg chg="add del">
+        <pc:chgData name="김대현" userId="7e0cdd83-4095-47fd-b885-60cdf5e65eca" providerId="ADAL" clId="{AE792502-4851-4242-BB4E-94BDBF92D3ED}" dt="2024-11-12T09:03:49.202" v="14" actId="2696"/>
+        <pc:sldMkLst>
+          <pc:docMk/>
+          <pc:sldMk cId="2501003871" sldId="265"/>
+        </pc:sldMkLst>
+      </pc:sldChg>
+      <pc:sldChg chg="modSp add del mod">
+        <pc:chgData name="김대현" userId="7e0cdd83-4095-47fd-b885-60cdf5e65eca" providerId="ADAL" clId="{AE792502-4851-4242-BB4E-94BDBF92D3ED}" dt="2024-11-12T09:03:49.202" v="14" actId="2696"/>
+        <pc:sldMkLst>
+          <pc:docMk/>
+          <pc:sldMk cId="20690580" sldId="268"/>
+        </pc:sldMkLst>
+        <pc:spChg chg="mod">
+          <ac:chgData name="김대현" userId="7e0cdd83-4095-47fd-b885-60cdf5e65eca" providerId="ADAL" clId="{AE792502-4851-4242-BB4E-94BDBF92D3ED}" dt="2024-11-12T09:02:40.302" v="2" actId="27636"/>
+          <ac:spMkLst>
+            <pc:docMk/>
+            <pc:sldMk cId="20690580" sldId="268"/>
+            <ac:spMk id="5" creationId="{FF3C0526-2E78-F797-6005-B9C785EB318E}"/>
+          </ac:spMkLst>
+        </pc:spChg>
+      </pc:sldChg>
+      <pc:sldChg chg="add del">
+        <pc:chgData name="김대현" userId="7e0cdd83-4095-47fd-b885-60cdf5e65eca" providerId="ADAL" clId="{AE792502-4851-4242-BB4E-94BDBF92D3ED}" dt="2024-11-12T09:03:56.060" v="18"/>
+        <pc:sldMkLst>
+          <pc:docMk/>
+          <pc:sldMk cId="1040372509" sldId="268"/>
+        </pc:sldMkLst>
+      </pc:sldChg>
+      <pc:sldChg chg="add">
+        <pc:chgData name="김대현" userId="7e0cdd83-4095-47fd-b885-60cdf5e65eca" providerId="ADAL" clId="{AE792502-4851-4242-BB4E-94BDBF92D3ED}" dt="2024-11-12T09:03:58.281" v="19"/>
+        <pc:sldMkLst>
+          <pc:docMk/>
+          <pc:sldMk cId="2340136892" sldId="268"/>
+        </pc:sldMkLst>
+      </pc:sldChg>
+      <pc:sldChg chg="add del">
+        <pc:chgData name="김대현" userId="7e0cdd83-4095-47fd-b885-60cdf5e65eca" providerId="ADAL" clId="{AE792502-4851-4242-BB4E-94BDBF92D3ED}" dt="2024-11-12T09:03:49.202" v="14" actId="2696"/>
+        <pc:sldMkLst>
+          <pc:docMk/>
+          <pc:sldMk cId="2851005708" sldId="269"/>
+        </pc:sldMkLst>
+      </pc:sldChg>
+      <pc:sldChg chg="add">
+        <pc:chgData name="김대현" userId="7e0cdd83-4095-47fd-b885-60cdf5e65eca" providerId="ADAL" clId="{AE792502-4851-4242-BB4E-94BDBF92D3ED}" dt="2024-11-12T09:03:58.281" v="19"/>
+        <pc:sldMkLst>
+          <pc:docMk/>
+          <pc:sldMk cId="3220067515" sldId="269"/>
+        </pc:sldMkLst>
+      </pc:sldChg>
+      <pc:sldChg chg="add del">
+        <pc:chgData name="김대현" userId="7e0cdd83-4095-47fd-b885-60cdf5e65eca" providerId="ADAL" clId="{AE792502-4851-4242-BB4E-94BDBF92D3ED}" dt="2024-11-12T09:03:56.060" v="18"/>
+        <pc:sldMkLst>
+          <pc:docMk/>
+          <pc:sldMk cId="3344906000" sldId="269"/>
+        </pc:sldMkLst>
+      </pc:sldChg>
+      <pc:sldChg chg="modSp add del mod">
+        <pc:chgData name="김대현" userId="7e0cdd83-4095-47fd-b885-60cdf5e65eca" providerId="ADAL" clId="{AE792502-4851-4242-BB4E-94BDBF92D3ED}" dt="2024-11-12T09:03:49.202" v="14" actId="2696"/>
+        <pc:sldMkLst>
+          <pc:docMk/>
+          <pc:sldMk cId="792740846" sldId="270"/>
+        </pc:sldMkLst>
+        <pc:spChg chg="mod">
+          <ac:chgData name="김대현" userId="7e0cdd83-4095-47fd-b885-60cdf5e65eca" providerId="ADAL" clId="{AE792502-4851-4242-BB4E-94BDBF92D3ED}" dt="2024-11-12T09:02:40.311" v="7" actId="27636"/>
+          <ac:spMkLst>
+            <pc:docMk/>
+            <pc:sldMk cId="792740846" sldId="270"/>
+            <ac:spMk id="5" creationId="{F49576E1-18E5-0455-97B9-9CF5971FC56C}"/>
+          </ac:spMkLst>
+        </pc:spChg>
+        <pc:spChg chg="mod">
+          <ac:chgData name="김대현" userId="7e0cdd83-4095-47fd-b885-60cdf5e65eca" providerId="ADAL" clId="{AE792502-4851-4242-BB4E-94BDBF92D3ED}" dt="2024-11-12T09:02:40.327" v="8" actId="27636"/>
+          <ac:spMkLst>
+            <pc:docMk/>
+            <pc:sldMk cId="792740846" sldId="270"/>
+            <ac:spMk id="14" creationId="{A2FF65C0-7B89-3CAB-B3FB-80FE5A254E3D}"/>
+          </ac:spMkLst>
+        </pc:spChg>
+      </pc:sldChg>
+      <pc:sldChg chg="add">
+        <pc:chgData name="김대현" userId="7e0cdd83-4095-47fd-b885-60cdf5e65eca" providerId="ADAL" clId="{AE792502-4851-4242-BB4E-94BDBF92D3ED}" dt="2024-11-12T09:03:58.281" v="19"/>
+        <pc:sldMkLst>
+          <pc:docMk/>
+          <pc:sldMk cId="2222253571" sldId="270"/>
+        </pc:sldMkLst>
+      </pc:sldChg>
+      <pc:sldChg chg="add del">
+        <pc:chgData name="김대현" userId="7e0cdd83-4095-47fd-b885-60cdf5e65eca" providerId="ADAL" clId="{AE792502-4851-4242-BB4E-94BDBF92D3ED}" dt="2024-11-12T09:03:56.060" v="18"/>
+        <pc:sldMkLst>
+          <pc:docMk/>
+          <pc:sldMk cId="2905728818" sldId="270"/>
+        </pc:sldMkLst>
+      </pc:sldChg>
+      <pc:sldChg chg="add del">
+        <pc:chgData name="김대현" userId="7e0cdd83-4095-47fd-b885-60cdf5e65eca" providerId="ADAL" clId="{AE792502-4851-4242-BB4E-94BDBF92D3ED}" dt="2024-11-12T09:03:56.060" v="18"/>
+        <pc:sldMkLst>
+          <pc:docMk/>
+          <pc:sldMk cId="2171724714" sldId="271"/>
+        </pc:sldMkLst>
+      </pc:sldChg>
+      <pc:sldChg chg="modSp add del mod">
+        <pc:chgData name="김대현" userId="7e0cdd83-4095-47fd-b885-60cdf5e65eca" providerId="ADAL" clId="{AE792502-4851-4242-BB4E-94BDBF92D3ED}" dt="2024-11-12T09:03:49.202" v="14" actId="2696"/>
+        <pc:sldMkLst>
+          <pc:docMk/>
+          <pc:sldMk cId="2690396979" sldId="271"/>
+        </pc:sldMkLst>
+        <pc:spChg chg="mod">
+          <ac:chgData name="김대현" userId="7e0cdd83-4095-47fd-b885-60cdf5e65eca" providerId="ADAL" clId="{AE792502-4851-4242-BB4E-94BDBF92D3ED}" dt="2024-11-12T09:02:40.328" v="10" actId="27636"/>
+          <ac:spMkLst>
+            <pc:docMk/>
+            <pc:sldMk cId="2690396979" sldId="271"/>
+            <ac:spMk id="5" creationId="{0337C46E-8E58-AD8D-54A5-1CB55648BA33}"/>
+          </ac:spMkLst>
+        </pc:spChg>
+      </pc:sldChg>
+      <pc:sldChg chg="add">
+        <pc:chgData name="김대현" userId="7e0cdd83-4095-47fd-b885-60cdf5e65eca" providerId="ADAL" clId="{AE792502-4851-4242-BB4E-94BDBF92D3ED}" dt="2024-11-12T09:03:58.281" v="19"/>
+        <pc:sldMkLst>
+          <pc:docMk/>
+          <pc:sldMk cId="3751313795" sldId="271"/>
+        </pc:sldMkLst>
+      </pc:sldChg>
+      <pc:sldChg chg="add del">
+        <pc:chgData name="김대현" userId="7e0cdd83-4095-47fd-b885-60cdf5e65eca" providerId="ADAL" clId="{AE792502-4851-4242-BB4E-94BDBF92D3ED}" dt="2024-11-12T09:03:56.060" v="18"/>
+        <pc:sldMkLst>
+          <pc:docMk/>
+          <pc:sldMk cId="624919445" sldId="272"/>
+        </pc:sldMkLst>
+      </pc:sldChg>
+      <pc:sldChg chg="modSp add del mod">
+        <pc:chgData name="김대현" userId="7e0cdd83-4095-47fd-b885-60cdf5e65eca" providerId="ADAL" clId="{AE792502-4851-4242-BB4E-94BDBF92D3ED}" dt="2024-11-12T09:03:49.202" v="14" actId="2696"/>
+        <pc:sldMkLst>
+          <pc:docMk/>
+          <pc:sldMk cId="1446126848" sldId="272"/>
+        </pc:sldMkLst>
+        <pc:spChg chg="mod">
+          <ac:chgData name="김대현" userId="7e0cdd83-4095-47fd-b885-60cdf5e65eca" providerId="ADAL" clId="{AE792502-4851-4242-BB4E-94BDBF92D3ED}" dt="2024-11-12T09:02:40.328" v="11" actId="27636"/>
+          <ac:spMkLst>
+            <pc:docMk/>
+            <pc:sldMk cId="1446126848" sldId="272"/>
+            <ac:spMk id="5" creationId="{2A6EC89B-C340-96F5-9D40-20629148AC8D}"/>
+          </ac:spMkLst>
+        </pc:spChg>
+      </pc:sldChg>
+      <pc:sldChg chg="add">
+        <pc:chgData name="김대현" userId="7e0cdd83-4095-47fd-b885-60cdf5e65eca" providerId="ADAL" clId="{AE792502-4851-4242-BB4E-94BDBF92D3ED}" dt="2024-11-12T09:03:58.281" v="19"/>
+        <pc:sldMkLst>
+          <pc:docMk/>
+          <pc:sldMk cId="3417050477" sldId="272"/>
+        </pc:sldMkLst>
+      </pc:sldChg>
+      <pc:sldChg chg="modSp add del mod">
+        <pc:chgData name="김대현" userId="7e0cdd83-4095-47fd-b885-60cdf5e65eca" providerId="ADAL" clId="{AE792502-4851-4242-BB4E-94BDBF92D3ED}" dt="2024-11-12T09:03:49.202" v="14" actId="2696"/>
+        <pc:sldMkLst>
+          <pc:docMk/>
+          <pc:sldMk cId="5778528" sldId="273"/>
+        </pc:sldMkLst>
+        <pc:spChg chg="mod">
+          <ac:chgData name="김대현" userId="7e0cdd83-4095-47fd-b885-60cdf5e65eca" providerId="ADAL" clId="{AE792502-4851-4242-BB4E-94BDBF92D3ED}" dt="2024-11-12T09:02:40.342" v="12" actId="27636"/>
+          <ac:spMkLst>
+            <pc:docMk/>
+            <pc:sldMk cId="5778528" sldId="273"/>
+            <ac:spMk id="5" creationId="{E8791A86-83DD-AA8D-0B29-9C00A4C890B4}"/>
+          </ac:spMkLst>
+        </pc:spChg>
+      </pc:sldChg>
+      <pc:sldChg chg="add">
+        <pc:chgData name="김대현" userId="7e0cdd83-4095-47fd-b885-60cdf5e65eca" providerId="ADAL" clId="{AE792502-4851-4242-BB4E-94BDBF92D3ED}" dt="2024-11-12T09:03:58.281" v="19"/>
+        <pc:sldMkLst>
+          <pc:docMk/>
+          <pc:sldMk cId="1089539629" sldId="273"/>
+        </pc:sldMkLst>
+      </pc:sldChg>
+      <pc:sldChg chg="add del">
+        <pc:chgData name="김대현" userId="7e0cdd83-4095-47fd-b885-60cdf5e65eca" providerId="ADAL" clId="{AE792502-4851-4242-BB4E-94BDBF92D3ED}" dt="2024-11-12T09:03:56.060" v="18"/>
+        <pc:sldMkLst>
+          <pc:docMk/>
+          <pc:sldMk cId="2172522323" sldId="273"/>
+        </pc:sldMkLst>
+      </pc:sldChg>
+      <pc:sldChg chg="add">
+        <pc:chgData name="김대현" userId="7e0cdd83-4095-47fd-b885-60cdf5e65eca" providerId="ADAL" clId="{AE792502-4851-4242-BB4E-94BDBF92D3ED}" dt="2024-11-12T09:03:58.281" v="19"/>
+        <pc:sldMkLst>
+          <pc:docMk/>
+          <pc:sldMk cId="213303009" sldId="274"/>
+        </pc:sldMkLst>
+      </pc:sldChg>
+      <pc:sldChg chg="add del">
+        <pc:chgData name="김대현" userId="7e0cdd83-4095-47fd-b885-60cdf5e65eca" providerId="ADAL" clId="{AE792502-4851-4242-BB4E-94BDBF92D3ED}" dt="2024-11-12T09:03:56.060" v="18"/>
+        <pc:sldMkLst>
+          <pc:docMk/>
+          <pc:sldMk cId="3254335233" sldId="274"/>
+        </pc:sldMkLst>
+      </pc:sldChg>
+      <pc:sldChg chg="add del">
+        <pc:chgData name="김대현" userId="7e0cdd83-4095-47fd-b885-60cdf5e65eca" providerId="ADAL" clId="{AE792502-4851-4242-BB4E-94BDBF92D3ED}" dt="2024-11-12T09:03:49.202" v="14" actId="2696"/>
+        <pc:sldMkLst>
+          <pc:docMk/>
+          <pc:sldMk cId="3817257550" sldId="274"/>
+        </pc:sldMkLst>
+      </pc:sldChg>
+      <pc:sldChg chg="add">
+        <pc:chgData name="김대현" userId="7e0cdd83-4095-47fd-b885-60cdf5e65eca" providerId="ADAL" clId="{AE792502-4851-4242-BB4E-94BDBF92D3ED}" dt="2024-11-12T09:03:58.281" v="19"/>
+        <pc:sldMkLst>
+          <pc:docMk/>
+          <pc:sldMk cId="3146108117" sldId="275"/>
+        </pc:sldMkLst>
+      </pc:sldChg>
+      <pc:sldChg chg="add del">
+        <pc:chgData name="김대현" userId="7e0cdd83-4095-47fd-b885-60cdf5e65eca" providerId="ADAL" clId="{AE792502-4851-4242-BB4E-94BDBF92D3ED}" dt="2024-11-12T09:03:49.202" v="14" actId="2696"/>
+        <pc:sldMkLst>
+          <pc:docMk/>
+          <pc:sldMk cId="3345609426" sldId="275"/>
+        </pc:sldMkLst>
+      </pc:sldChg>
+      <pc:sldChg chg="modSp add del mod">
+        <pc:chgData name="김대현" userId="7e0cdd83-4095-47fd-b885-60cdf5e65eca" providerId="ADAL" clId="{AE792502-4851-4242-BB4E-94BDBF92D3ED}" dt="2024-11-12T09:03:56.060" v="18"/>
+        <pc:sldMkLst>
+          <pc:docMk/>
+          <pc:sldMk cId="4246510890" sldId="275"/>
+        </pc:sldMkLst>
+        <pc:picChg chg="mod">
+          <ac:chgData name="김대현" userId="7e0cdd83-4095-47fd-b885-60cdf5e65eca" providerId="ADAL" clId="{AE792502-4851-4242-BB4E-94BDBF92D3ED}" dt="2024-11-12T09:03:56.047" v="17" actId="1076"/>
+          <ac:picMkLst>
+            <pc:docMk/>
+            <pc:sldMk cId="4246510890" sldId="275"/>
+            <ac:picMk id="9" creationId="{79023BD9-72B1-5E13-CB3A-28DEAC300C6C}"/>
+          </ac:picMkLst>
+        </pc:picChg>
+      </pc:sldChg>
+      <pc:sldMasterChg chg="delSldLayout">
+        <pc:chgData name="김대현" userId="7e0cdd83-4095-47fd-b885-60cdf5e65eca" providerId="ADAL" clId="{AE792502-4851-4242-BB4E-94BDBF92D3ED}" dt="2024-11-12T09:03:49.202" v="14" actId="2696"/>
+        <pc:sldMasterMkLst>
+          <pc:docMk/>
+          <pc:sldMasterMk cId="0" sldId="2147483659"/>
+        </pc:sldMasterMkLst>
+        <pc:sldLayoutChg chg="del">
+          <pc:chgData name="김대현" userId="7e0cdd83-4095-47fd-b885-60cdf5e65eca" providerId="ADAL" clId="{AE792502-4851-4242-BB4E-94BDBF92D3ED}" dt="2024-11-12T09:03:49.202" v="14" actId="2696"/>
+          <pc:sldLayoutMkLst>
+            <pc:docMk/>
+            <pc:sldMasterMk cId="0" sldId="2147483659"/>
+            <pc:sldLayoutMk cId="3756952687" sldId="2147483660"/>
+          </pc:sldLayoutMkLst>
+        </pc:sldLayoutChg>
+        <pc:sldLayoutChg chg="del">
+          <pc:chgData name="김대현" userId="7e0cdd83-4095-47fd-b885-60cdf5e65eca" providerId="ADAL" clId="{AE792502-4851-4242-BB4E-94BDBF92D3ED}" dt="2024-11-12T09:03:49.202" v="14" actId="2696"/>
+          <pc:sldLayoutMkLst>
+            <pc:docMk/>
+            <pc:sldMasterMk cId="0" sldId="2147483659"/>
+            <pc:sldLayoutMk cId="620563317" sldId="2147483661"/>
+          </pc:sldLayoutMkLst>
+        </pc:sldLayoutChg>
+        <pc:sldLayoutChg chg="del">
+          <pc:chgData name="김대현" userId="7e0cdd83-4095-47fd-b885-60cdf5e65eca" providerId="ADAL" clId="{AE792502-4851-4242-BB4E-94BDBF92D3ED}" dt="2024-11-12T09:03:49.202" v="14" actId="2696"/>
+          <pc:sldLayoutMkLst>
+            <pc:docMk/>
+            <pc:sldMasterMk cId="0" sldId="2147483659"/>
+            <pc:sldLayoutMk cId="2513077451" sldId="2147483662"/>
+          </pc:sldLayoutMkLst>
+        </pc:sldLayoutChg>
+        <pc:sldLayoutChg chg="del">
+          <pc:chgData name="김대현" userId="7e0cdd83-4095-47fd-b885-60cdf5e65eca" providerId="ADAL" clId="{AE792502-4851-4242-BB4E-94BDBF92D3ED}" dt="2024-11-12T09:03:49.202" v="14" actId="2696"/>
+          <pc:sldLayoutMkLst>
+            <pc:docMk/>
+            <pc:sldMasterMk cId="0" sldId="2147483659"/>
+            <pc:sldLayoutMk cId="3513042004" sldId="2147483663"/>
+          </pc:sldLayoutMkLst>
+        </pc:sldLayoutChg>
+      </pc:sldMasterChg>
+    </pc:docChg>
+  </pc:docChgLst>
+</pc:chgInfo>
 </file>
 
 <file path=ppt/notesMasters/notesMaster1.xml><?xml version="1.0" encoding="utf-8"?>
@@ -972,6 +1439,1408 @@
 </p:notes>
 </file>
 
+<file path=ppt/notesSlides/notesSlide10.xml><?xml version="1.0" encoding="utf-8"?>
+<p:notes xmlns:a="http://schemas.openxmlformats.org/drawingml/2006/main" xmlns:r="http://schemas.openxmlformats.org/officeDocument/2006/relationships" xmlns:p="http://schemas.openxmlformats.org/presentationml/2006/main">
+  <p:cSld>
+    <p:spTree>
+      <p:nvGrpSpPr>
+        <p:cNvPr id="1" name="">
+          <a:extLst>
+            <a:ext uri="{FF2B5EF4-FFF2-40B4-BE49-F238E27FC236}">
+              <a16:creationId xmlns:a16="http://schemas.microsoft.com/office/drawing/2014/main" id="{8E1A151A-95D2-3137-24E7-3EC6C2FA4649}"/>
+            </a:ext>
+          </a:extLst>
+        </p:cNvPr>
+        <p:cNvGrpSpPr/>
+        <p:nvPr/>
+      </p:nvGrpSpPr>
+      <p:grpSpPr>
+        <a:xfrm>
+          <a:off x="0" y="0"/>
+          <a:ext cx="0" cy="0"/>
+          <a:chOff x="0" y="0"/>
+          <a:chExt cx="0" cy="0"/>
+        </a:xfrm>
+      </p:grpSpPr>
+      <p:sp>
+        <p:nvSpPr>
+          <p:cNvPr id="2" name="슬라이드 이미지 개체 틀 1">
+            <a:extLst>
+              <a:ext uri="{FF2B5EF4-FFF2-40B4-BE49-F238E27FC236}">
+                <a16:creationId xmlns:a16="http://schemas.microsoft.com/office/drawing/2014/main" id="{2FA5C1B2-2BAB-EACF-262A-A1219C6D5C92}"/>
+              </a:ext>
+            </a:extLst>
+          </p:cNvPr>
+          <p:cNvSpPr>
+            <a:spLocks noGrp="1" noRot="1" noChangeAspect="1"/>
+          </p:cNvSpPr>
+          <p:nvPr>
+            <p:ph type="sldImg"/>
+          </p:nvPr>
+        </p:nvSpPr>
+        <p:spPr/>
+      </p:sp>
+      <p:sp>
+        <p:nvSpPr>
+          <p:cNvPr id="3" name="슬라이드 노트 개체 틀 2">
+            <a:extLst>
+              <a:ext uri="{FF2B5EF4-FFF2-40B4-BE49-F238E27FC236}">
+                <a16:creationId xmlns:a16="http://schemas.microsoft.com/office/drawing/2014/main" id="{4772510A-3E7D-DE0E-C882-D83CC4CE7BD5}"/>
+              </a:ext>
+            </a:extLst>
+          </p:cNvPr>
+          <p:cNvSpPr>
+            <a:spLocks noGrp="1"/>
+          </p:cNvSpPr>
+          <p:nvPr>
+            <p:ph type="body" idx="1"/>
+          </p:nvPr>
+        </p:nvSpPr>
+        <p:spPr/>
+        <p:txBody>
+          <a:bodyPr/>
+          <a:lstStyle/>
+          <a:p>
+            <a:r>
+              <a:rPr lang="ko-KR" altLang="en-US" dirty="0"/>
+              <a:t>현재 일반적인 </a:t>
+            </a:r>
+            <a:r>
+              <a:rPr lang="en-US" altLang="ko-KR" dirty="0"/>
+              <a:t>SSSS </a:t>
+            </a:r>
+            <a:r>
+              <a:rPr lang="ko-KR" altLang="en-US" dirty="0"/>
+              <a:t>분야의 학습 방법은 두가지로 나뉩니다</a:t>
+            </a:r>
+            <a:r>
+              <a:rPr lang="en-US" altLang="ko-KR" dirty="0"/>
+              <a:t>. </a:t>
+            </a:r>
+            <a:r>
+              <a:rPr lang="ko-KR" altLang="en-US" dirty="0"/>
+              <a:t>바로</a:t>
+            </a:r>
+            <a:r>
+              <a:rPr lang="en-US" altLang="ko-KR" dirty="0"/>
+              <a:t>, successive</a:t>
+            </a:r>
+            <a:r>
+              <a:rPr lang="ko-KR" altLang="en-US" dirty="0"/>
+              <a:t>와 </a:t>
+            </a:r>
+            <a:r>
+              <a:rPr lang="en-US" altLang="ko-KR" dirty="0"/>
+              <a:t>parallel</a:t>
+            </a:r>
+            <a:r>
+              <a:rPr lang="ko-KR" altLang="en-US" dirty="0"/>
+              <a:t>의 </a:t>
+            </a:r>
+            <a:r>
+              <a:rPr lang="en-US" altLang="ko-KR" dirty="0"/>
+              <a:t>2</a:t>
+            </a:r>
+            <a:r>
+              <a:rPr lang="ko-KR" altLang="en-US" dirty="0"/>
+              <a:t>가지 방법입니다</a:t>
+            </a:r>
+            <a:r>
+              <a:rPr lang="en-US" altLang="ko-KR" dirty="0"/>
+              <a:t>. </a:t>
+            </a:r>
+            <a:r>
+              <a:rPr lang="ko-KR" altLang="en-US" dirty="0"/>
+              <a:t>왼쪽의 </a:t>
+            </a:r>
+            <a:r>
+              <a:rPr lang="en-US" altLang="ko-KR" dirty="0"/>
+              <a:t>Teacher-student based framework</a:t>
+            </a:r>
+            <a:r>
+              <a:rPr lang="ko-KR" altLang="en-US" dirty="0"/>
+              <a:t>가 </a:t>
+            </a:r>
+            <a:r>
+              <a:rPr lang="en-US" altLang="ko-KR" dirty="0"/>
+              <a:t>successive, </a:t>
+            </a:r>
+            <a:r>
+              <a:rPr lang="ko-KR" altLang="en-US" dirty="0"/>
+              <a:t>오른쪽의 </a:t>
+            </a:r>
+            <a:r>
+              <a:rPr lang="en-US" altLang="ko-KR" dirty="0"/>
+              <a:t>Consistency regularization</a:t>
+            </a:r>
+            <a:r>
+              <a:rPr lang="ko-KR" altLang="en-US" dirty="0"/>
+              <a:t>이 </a:t>
+            </a:r>
+            <a:r>
+              <a:rPr lang="en-US" altLang="ko-KR" dirty="0"/>
+              <a:t>parallel</a:t>
+            </a:r>
+            <a:r>
+              <a:rPr lang="ko-KR" altLang="en-US" dirty="0"/>
+              <a:t>한 방법입니다</a:t>
+            </a:r>
+            <a:r>
+              <a:rPr lang="en-US" altLang="ko-KR" dirty="0"/>
+              <a:t>.</a:t>
+            </a:r>
+          </a:p>
+          <a:p>
+            <a:r>
+              <a:rPr lang="ko-KR" altLang="en-US" dirty="0"/>
+              <a:t>둘 모두</a:t>
+            </a:r>
+            <a:r>
+              <a:rPr lang="en-US" altLang="ko-KR" dirty="0"/>
+              <a:t>, </a:t>
+            </a:r>
+            <a:r>
+              <a:rPr lang="ko-KR" altLang="en-US" dirty="0"/>
+              <a:t>큰 틀로서는 </a:t>
+            </a:r>
+            <a:r>
+              <a:rPr lang="en-US" altLang="ko-KR" dirty="0"/>
+              <a:t>labeled data</a:t>
+            </a:r>
+            <a:r>
+              <a:rPr lang="ko-KR" altLang="en-US" dirty="0"/>
+              <a:t>로 학습을 진행한 뒤</a:t>
+            </a:r>
+            <a:r>
+              <a:rPr lang="en-US" altLang="ko-KR" dirty="0"/>
+              <a:t>, unlabeled data</a:t>
+            </a:r>
+            <a:r>
+              <a:rPr lang="ko-KR" altLang="en-US" dirty="0"/>
+              <a:t>에 대한 </a:t>
+            </a:r>
+            <a:r>
+              <a:rPr lang="en-US" altLang="ko-KR" dirty="0"/>
+              <a:t>pseudo label</a:t>
+            </a:r>
+            <a:r>
+              <a:rPr lang="ko-KR" altLang="en-US" dirty="0"/>
+              <a:t>을 만들고 반복적으로 학습을 하는 방식입니다</a:t>
+            </a:r>
+            <a:r>
+              <a:rPr lang="en-US" altLang="ko-KR" dirty="0"/>
+              <a:t>. </a:t>
+            </a:r>
+            <a:r>
+              <a:rPr lang="ko-KR" altLang="en-US" dirty="0"/>
+              <a:t>다만 그 안에서의 방법에 차이가 분류를 만들어내는 것이지요</a:t>
+            </a:r>
+            <a:r>
+              <a:rPr lang="en-US" altLang="ko-KR" dirty="0"/>
+              <a:t>.</a:t>
+            </a:r>
+          </a:p>
+          <a:p>
+            <a:r>
+              <a:rPr lang="en-US" altLang="ko-KR" dirty="0"/>
+              <a:t>Teacher model</a:t>
+            </a:r>
+            <a:r>
+              <a:rPr lang="ko-KR" altLang="en-US" dirty="0"/>
+              <a:t>의 경우</a:t>
+            </a:r>
+            <a:r>
+              <a:rPr lang="en-US" altLang="ko-KR" dirty="0"/>
+              <a:t>, teacher model</a:t>
+            </a:r>
+            <a:r>
+              <a:rPr lang="ko-KR" altLang="en-US" dirty="0"/>
+              <a:t>이 </a:t>
+            </a:r>
+            <a:r>
+              <a:rPr lang="en-US" altLang="ko-KR" dirty="0"/>
+              <a:t>labeled data</a:t>
+            </a:r>
+            <a:r>
+              <a:rPr lang="ko-KR" altLang="en-US" dirty="0"/>
+              <a:t>를 통해 학습을 진행하고 해당 모델이 </a:t>
+            </a:r>
+            <a:r>
+              <a:rPr lang="en-US" altLang="ko-KR" dirty="0"/>
+              <a:t>unlabeled data</a:t>
+            </a:r>
+            <a:r>
+              <a:rPr lang="ko-KR" altLang="en-US" dirty="0"/>
+              <a:t>의 </a:t>
+            </a:r>
+            <a:r>
+              <a:rPr lang="en-US" altLang="ko-KR" dirty="0"/>
+              <a:t>pseudo label</a:t>
+            </a:r>
+            <a:r>
+              <a:rPr lang="ko-KR" altLang="en-US" dirty="0"/>
+              <a:t>을 형성하게 됩니다</a:t>
+            </a:r>
+            <a:r>
+              <a:rPr lang="en-US" altLang="ko-KR" dirty="0"/>
+              <a:t>. </a:t>
+            </a:r>
+            <a:r>
+              <a:rPr lang="ko-KR" altLang="en-US" dirty="0"/>
+              <a:t>그렇게 만들어진 </a:t>
+            </a:r>
+            <a:r>
+              <a:rPr lang="en-US" altLang="ko-KR" dirty="0"/>
+              <a:t>unlabeled data</a:t>
+            </a:r>
+            <a:r>
+              <a:rPr lang="ko-KR" altLang="en-US" dirty="0"/>
+              <a:t>와 </a:t>
+            </a:r>
+            <a:r>
+              <a:rPr lang="en-US" altLang="ko-KR" dirty="0"/>
+              <a:t>pseudo label</a:t>
+            </a:r>
+            <a:r>
+              <a:rPr lang="ko-KR" altLang="en-US" dirty="0"/>
+              <a:t>을 통해 </a:t>
+            </a:r>
+            <a:r>
+              <a:rPr lang="en-US" altLang="ko-KR" dirty="0"/>
+              <a:t>student model</a:t>
+            </a:r>
+            <a:r>
+              <a:rPr lang="ko-KR" altLang="en-US" dirty="0"/>
+              <a:t>이 학습을 진행하게 됩니다</a:t>
+            </a:r>
+            <a:r>
+              <a:rPr lang="en-US" altLang="ko-KR" dirty="0"/>
+              <a:t>. </a:t>
+            </a:r>
+            <a:r>
+              <a:rPr lang="ko-KR" altLang="en-US" dirty="0"/>
+              <a:t>이후 아래의 공식을 통해 </a:t>
+            </a:r>
+            <a:r>
+              <a:rPr lang="en-US" altLang="ko-KR" dirty="0"/>
+              <a:t>student model</a:t>
+            </a:r>
+            <a:r>
+              <a:rPr lang="ko-KR" altLang="en-US" dirty="0"/>
+              <a:t>의 </a:t>
+            </a:r>
+            <a:r>
+              <a:rPr lang="en-US" altLang="ko-KR" dirty="0"/>
+              <a:t>parameter </a:t>
+            </a:r>
+            <a:r>
+              <a:rPr lang="ko-KR" altLang="en-US" dirty="0"/>
+              <a:t>로 </a:t>
+            </a:r>
+            <a:r>
+              <a:rPr lang="en-US" altLang="ko-KR" dirty="0"/>
+              <a:t>teacher model</a:t>
+            </a:r>
+            <a:r>
+              <a:rPr lang="ko-KR" altLang="en-US" dirty="0"/>
+              <a:t>에 대해 추가적인 학습을 진행하기도 합니다</a:t>
+            </a:r>
+            <a:r>
+              <a:rPr lang="en-US" altLang="ko-KR" dirty="0"/>
+              <a:t>. EMA </a:t>
+            </a:r>
+            <a:r>
+              <a:rPr lang="ko-KR" altLang="en-US" dirty="0"/>
+              <a:t>기법을 주로 사용합니다</a:t>
+            </a:r>
+            <a:r>
+              <a:rPr lang="en-US" altLang="ko-KR" dirty="0"/>
+              <a:t>.</a:t>
+            </a:r>
+          </a:p>
+          <a:p>
+            <a:endParaRPr lang="en-US" altLang="ko-KR" dirty="0"/>
+          </a:p>
+          <a:p>
+            <a:r>
+              <a:rPr lang="ko-KR" altLang="en-US" dirty="0"/>
+              <a:t>다음으로 </a:t>
+            </a:r>
+            <a:r>
+              <a:rPr lang="en-US" altLang="ko-KR" dirty="0"/>
+              <a:t>Parallel </a:t>
+            </a:r>
+            <a:r>
+              <a:rPr lang="ko-KR" altLang="en-US" dirty="0"/>
+              <a:t>한 </a:t>
+            </a:r>
+            <a:r>
+              <a:rPr lang="en-US" altLang="ko-KR" dirty="0"/>
+              <a:t>consistency reg </a:t>
+            </a:r>
+            <a:r>
+              <a:rPr lang="ko-KR" altLang="en-US" dirty="0"/>
+              <a:t>방법입니다</a:t>
+            </a:r>
+            <a:r>
+              <a:rPr lang="en-US" altLang="ko-KR" dirty="0"/>
+              <a:t>.</a:t>
+            </a:r>
+          </a:p>
+          <a:p>
+            <a:r>
+              <a:rPr lang="ko-KR" altLang="en-US" dirty="0"/>
+              <a:t>이 또한 </a:t>
+            </a:r>
+            <a:r>
+              <a:rPr lang="en-US" altLang="ko-KR" dirty="0"/>
+              <a:t>student, teacher model </a:t>
+            </a:r>
+            <a:r>
+              <a:rPr lang="ko-KR" altLang="en-US" dirty="0"/>
+              <a:t>을 사용하기도 하는데요</a:t>
+            </a:r>
+            <a:r>
+              <a:rPr lang="en-US" altLang="ko-KR" dirty="0"/>
+              <a:t>. </a:t>
+            </a:r>
+            <a:r>
+              <a:rPr lang="ko-KR" altLang="en-US" dirty="0"/>
+              <a:t>동일한 데이터에 각각 </a:t>
+            </a:r>
+            <a:r>
+              <a:rPr lang="en-US" altLang="ko-KR" dirty="0"/>
+              <a:t>weak, strong perturbation</a:t>
+            </a:r>
+            <a:r>
+              <a:rPr lang="ko-KR" altLang="en-US" dirty="0"/>
+              <a:t>을 가한 뒤에 둘 모두 일관적인 </a:t>
+            </a:r>
+            <a:r>
+              <a:rPr lang="en-US" altLang="ko-KR" dirty="0"/>
+              <a:t>output</a:t>
+            </a:r>
+            <a:r>
+              <a:rPr lang="ko-KR" altLang="en-US" dirty="0"/>
+              <a:t>을 도출할 수 있도록 </a:t>
+            </a:r>
+            <a:r>
+              <a:rPr lang="en-US" altLang="ko-KR" dirty="0"/>
+              <a:t>regularization</a:t>
+            </a:r>
+            <a:r>
+              <a:rPr lang="ko-KR" altLang="en-US" dirty="0"/>
+              <a:t>을 진행하는 방법입니다</a:t>
+            </a:r>
+            <a:r>
+              <a:rPr lang="en-US" altLang="ko-KR" dirty="0"/>
+              <a:t>. SSSS</a:t>
+            </a:r>
+            <a:r>
+              <a:rPr lang="ko-KR" altLang="en-US" dirty="0"/>
+              <a:t> 분야에서는 이를 </a:t>
+            </a:r>
+            <a:r>
+              <a:rPr lang="en-US" altLang="ko-KR" dirty="0"/>
+              <a:t>teacher model</a:t>
+            </a:r>
+            <a:r>
+              <a:rPr lang="ko-KR" altLang="en-US" dirty="0"/>
+              <a:t>과 </a:t>
+            </a:r>
+            <a:r>
+              <a:rPr lang="en-US" altLang="ko-KR" dirty="0"/>
+              <a:t>student </a:t>
+            </a:r>
+            <a:r>
+              <a:rPr lang="ko-KR" altLang="en-US" dirty="0"/>
+              <a:t>모델 간에 적용시킨다고 합니다</a:t>
+            </a:r>
+            <a:r>
+              <a:rPr lang="en-US" altLang="ko-KR" dirty="0"/>
+              <a:t>.</a:t>
+            </a:r>
+          </a:p>
+        </p:txBody>
+      </p:sp>
+      <p:sp>
+        <p:nvSpPr>
+          <p:cNvPr id="4" name="날짜 개체 틀 3">
+            <a:extLst>
+              <a:ext uri="{FF2B5EF4-FFF2-40B4-BE49-F238E27FC236}">
+                <a16:creationId xmlns:a16="http://schemas.microsoft.com/office/drawing/2014/main" id="{8D7D5E3D-D7DE-ADA7-B550-5F5BF24653BE}"/>
+              </a:ext>
+            </a:extLst>
+          </p:cNvPr>
+          <p:cNvSpPr>
+            <a:spLocks noGrp="1"/>
+          </p:cNvSpPr>
+          <p:nvPr>
+            <p:ph type="dt" idx="1"/>
+          </p:nvPr>
+        </p:nvSpPr>
+        <p:spPr/>
+        <p:txBody>
+          <a:bodyPr/>
+          <a:lstStyle/>
+          <a:p>
+            <a:pPr rtl="0"/>
+            <a:fld id="{4C74CE10-6809-4130-9779-BE960939651E}" type="datetime1">
+              <a:rPr lang="ko-KR" altLang="en-US" smtClean="0"/>
+              <a:t>2024-11-12</a:t>
+            </a:fld>
+            <a:endParaRPr lang="en-US" dirty="0"/>
+          </a:p>
+        </p:txBody>
+      </p:sp>
+      <p:sp>
+        <p:nvSpPr>
+          <p:cNvPr id="5" name="슬라이드 번호 개체 틀 4">
+            <a:extLst>
+              <a:ext uri="{FF2B5EF4-FFF2-40B4-BE49-F238E27FC236}">
+                <a16:creationId xmlns:a16="http://schemas.microsoft.com/office/drawing/2014/main" id="{BE0D0CF2-1207-0EA1-A066-5EC9B5DA03D1}"/>
+              </a:ext>
+            </a:extLst>
+          </p:cNvPr>
+          <p:cNvSpPr>
+            <a:spLocks noGrp="1"/>
+          </p:cNvSpPr>
+          <p:nvPr>
+            <p:ph type="sldNum" sz="quarter" idx="5"/>
+          </p:nvPr>
+        </p:nvSpPr>
+        <p:spPr/>
+        <p:txBody>
+          <a:bodyPr/>
+          <a:lstStyle/>
+          <a:p>
+            <a:pPr rtl="0"/>
+            <a:fld id="{9C2B151B-D7D1-48E5-8230-5AADBC794F88}" type="slidenum">
+              <a:rPr lang="en-US" smtClean="0"/>
+              <a:t>11</a:t>
+            </a:fld>
+            <a:endParaRPr lang="en-US" dirty="0"/>
+          </a:p>
+        </p:txBody>
+      </p:sp>
+    </p:spTree>
+    <p:extLst>
+      <p:ext uri="{BB962C8B-B14F-4D97-AF65-F5344CB8AC3E}">
+        <p14:creationId xmlns:p14="http://schemas.microsoft.com/office/powerpoint/2010/main" val="1891478750"/>
+      </p:ext>
+    </p:extLst>
+  </p:cSld>
+  <p:clrMapOvr>
+    <a:masterClrMapping/>
+  </p:clrMapOvr>
+</p:notes>
+</file>
+
+<file path=ppt/notesSlides/notesSlide11.xml><?xml version="1.0" encoding="utf-8"?>
+<p:notes xmlns:a="http://schemas.openxmlformats.org/drawingml/2006/main" xmlns:r="http://schemas.openxmlformats.org/officeDocument/2006/relationships" xmlns:p="http://schemas.openxmlformats.org/presentationml/2006/main">
+  <p:cSld>
+    <p:spTree>
+      <p:nvGrpSpPr>
+        <p:cNvPr id="1" name="">
+          <a:extLst>
+            <a:ext uri="{FF2B5EF4-FFF2-40B4-BE49-F238E27FC236}">
+              <a16:creationId xmlns:a16="http://schemas.microsoft.com/office/drawing/2014/main" id="{53A154BB-3000-F732-C5E5-8B488F751CF7}"/>
+            </a:ext>
+          </a:extLst>
+        </p:cNvPr>
+        <p:cNvGrpSpPr/>
+        <p:nvPr/>
+      </p:nvGrpSpPr>
+      <p:grpSpPr>
+        <a:xfrm>
+          <a:off x="0" y="0"/>
+          <a:ext cx="0" cy="0"/>
+          <a:chOff x="0" y="0"/>
+          <a:chExt cx="0" cy="0"/>
+        </a:xfrm>
+      </p:grpSpPr>
+      <p:sp>
+        <p:nvSpPr>
+          <p:cNvPr id="2" name="슬라이드 이미지 개체 틀 1">
+            <a:extLst>
+              <a:ext uri="{FF2B5EF4-FFF2-40B4-BE49-F238E27FC236}">
+                <a16:creationId xmlns:a16="http://schemas.microsoft.com/office/drawing/2014/main" id="{0E1AE8FE-45E9-A3ED-9BCA-A8F3FA0A3054}"/>
+              </a:ext>
+            </a:extLst>
+          </p:cNvPr>
+          <p:cNvSpPr>
+            <a:spLocks noGrp="1" noRot="1" noChangeAspect="1"/>
+          </p:cNvSpPr>
+          <p:nvPr>
+            <p:ph type="sldImg"/>
+          </p:nvPr>
+        </p:nvSpPr>
+        <p:spPr>
+          <a:xfrm>
+            <a:off x="381000" y="685800"/>
+            <a:ext cx="6096000" cy="3429000"/>
+          </a:xfrm>
+        </p:spPr>
+      </p:sp>
+      <p:sp>
+        <p:nvSpPr>
+          <p:cNvPr id="3" name="슬라이드 노트 개체 틀 2">
+            <a:extLst>
+              <a:ext uri="{FF2B5EF4-FFF2-40B4-BE49-F238E27FC236}">
+                <a16:creationId xmlns:a16="http://schemas.microsoft.com/office/drawing/2014/main" id="{B4EB0955-AB83-520B-E409-AE6838B16FB4}"/>
+              </a:ext>
+            </a:extLst>
+          </p:cNvPr>
+          <p:cNvSpPr>
+            <a:spLocks noGrp="1"/>
+          </p:cNvSpPr>
+          <p:nvPr>
+            <p:ph type="body" idx="1"/>
+          </p:nvPr>
+        </p:nvSpPr>
+        <p:spPr/>
+        <p:txBody>
+          <a:bodyPr/>
+          <a:lstStyle/>
+          <a:p>
+            <a:r>
+              <a:rPr lang="ko-KR" altLang="en-US" dirty="0"/>
+              <a:t>그러나 </a:t>
+            </a:r>
+            <a:r>
+              <a:rPr lang="en-US" altLang="ko-KR" dirty="0"/>
+              <a:t>2</a:t>
+            </a:r>
+            <a:r>
+              <a:rPr lang="ko-KR" altLang="en-US" dirty="0"/>
+              <a:t>가지의 방법 모두 </a:t>
+            </a:r>
+            <a:r>
+              <a:rPr lang="en-US" altLang="ko-KR" dirty="0"/>
+              <a:t>pseudo label</a:t>
+            </a:r>
+            <a:r>
+              <a:rPr lang="ko-KR" altLang="en-US" dirty="0"/>
+              <a:t>이 </a:t>
+            </a:r>
+            <a:r>
+              <a:rPr lang="en-US" altLang="ko-KR" dirty="0"/>
+              <a:t>labeled data</a:t>
+            </a:r>
+            <a:r>
+              <a:rPr lang="ko-KR" altLang="en-US" dirty="0"/>
+              <a:t>를 통해 학습한 모델의 </a:t>
+            </a:r>
+            <a:r>
+              <a:rPr lang="en-US" altLang="ko-KR" dirty="0"/>
+              <a:t>inference</a:t>
+            </a:r>
+            <a:r>
+              <a:rPr lang="ko-KR" altLang="en-US" dirty="0"/>
+              <a:t>에 기초하며</a:t>
+            </a:r>
+            <a:r>
+              <a:rPr lang="en-US" altLang="ko-KR" dirty="0"/>
+              <a:t>, </a:t>
+            </a:r>
+            <a:r>
+              <a:rPr lang="ko-KR" altLang="en-US" dirty="0"/>
+              <a:t>이는</a:t>
+            </a:r>
+            <a:r>
+              <a:rPr lang="en-US" altLang="ko-KR" dirty="0"/>
+              <a:t> training flow</a:t>
+            </a:r>
+            <a:r>
+              <a:rPr lang="ko-KR" altLang="en-US" dirty="0"/>
+              <a:t>에서 </a:t>
+            </a:r>
+            <a:r>
+              <a:rPr lang="en-US" altLang="ko-KR" dirty="0"/>
+              <a:t>labeled dataset</a:t>
+            </a:r>
+            <a:r>
+              <a:rPr lang="ko-KR" altLang="en-US" dirty="0"/>
+              <a:t>의 영향이 너무 커짐을 의미합니다</a:t>
+            </a:r>
+            <a:r>
+              <a:rPr lang="en-US" altLang="ko-KR" dirty="0"/>
+              <a:t>.</a:t>
+            </a:r>
+          </a:p>
+          <a:p>
+            <a:r>
+              <a:rPr lang="ko-KR" altLang="en-US" dirty="0"/>
+              <a:t>위의 그래프에서도 이를 확인할 수 있습니다</a:t>
+            </a:r>
+            <a:r>
+              <a:rPr lang="en-US" altLang="ko-KR" dirty="0"/>
+              <a:t>. </a:t>
+            </a:r>
+            <a:r>
+              <a:rPr lang="ko-KR" altLang="en-US" dirty="0"/>
+              <a:t>그래프를 보시면</a:t>
+            </a:r>
+            <a:r>
+              <a:rPr lang="en-US" altLang="ko-KR" dirty="0"/>
+              <a:t>, Figure 1©</a:t>
+            </a:r>
+            <a:r>
+              <a:rPr lang="ko-KR" altLang="en-US" dirty="0"/>
+              <a:t>에서 </a:t>
+            </a:r>
+            <a:r>
+              <a:rPr lang="en-US" altLang="ko-KR" dirty="0"/>
+              <a:t>Error rate </a:t>
+            </a:r>
+            <a:r>
+              <a:rPr lang="ko-KR" altLang="en-US" dirty="0"/>
+              <a:t>비율이 크게 차이남을 확인할 수 있습니다</a:t>
+            </a:r>
+            <a:r>
+              <a:rPr lang="en-US" altLang="ko-KR" dirty="0"/>
+              <a:t>.</a:t>
+            </a:r>
+            <a:endParaRPr lang="ko-KR" altLang="en-US" dirty="0"/>
+          </a:p>
+        </p:txBody>
+      </p:sp>
+      <p:sp>
+        <p:nvSpPr>
+          <p:cNvPr id="4" name="날짜 개체 틀 3">
+            <a:extLst>
+              <a:ext uri="{FF2B5EF4-FFF2-40B4-BE49-F238E27FC236}">
+                <a16:creationId xmlns:a16="http://schemas.microsoft.com/office/drawing/2014/main" id="{4F81497B-E21F-DB7A-3A97-F9FB7DAE0121}"/>
+              </a:ext>
+            </a:extLst>
+          </p:cNvPr>
+          <p:cNvSpPr>
+            <a:spLocks noGrp="1"/>
+          </p:cNvSpPr>
+          <p:nvPr>
+            <p:ph type="dt" idx="1"/>
+          </p:nvPr>
+        </p:nvSpPr>
+        <p:spPr/>
+        <p:txBody>
+          <a:bodyPr/>
+          <a:lstStyle/>
+          <a:p>
+            <a:pPr rtl="0"/>
+            <a:fld id="{4C74CE10-6809-4130-9779-BE960939651E}" type="datetime1">
+              <a:rPr lang="ko-KR" altLang="en-US" smtClean="0"/>
+              <a:t>2024-11-12</a:t>
+            </a:fld>
+            <a:endParaRPr lang="en-US" dirty="0"/>
+          </a:p>
+        </p:txBody>
+      </p:sp>
+      <p:sp>
+        <p:nvSpPr>
+          <p:cNvPr id="5" name="슬라이드 번호 개체 틀 4">
+            <a:extLst>
+              <a:ext uri="{FF2B5EF4-FFF2-40B4-BE49-F238E27FC236}">
+                <a16:creationId xmlns:a16="http://schemas.microsoft.com/office/drawing/2014/main" id="{D831937F-7F9E-75C2-94D1-E9E160175A14}"/>
+              </a:ext>
+            </a:extLst>
+          </p:cNvPr>
+          <p:cNvSpPr>
+            <a:spLocks noGrp="1"/>
+          </p:cNvSpPr>
+          <p:nvPr>
+            <p:ph type="sldNum" sz="quarter" idx="5"/>
+          </p:nvPr>
+        </p:nvSpPr>
+        <p:spPr/>
+        <p:txBody>
+          <a:bodyPr/>
+          <a:lstStyle/>
+          <a:p>
+            <a:pPr rtl="0"/>
+            <a:fld id="{9C2B151B-D7D1-48E5-8230-5AADBC794F88}" type="slidenum">
+              <a:rPr lang="en-US" smtClean="0"/>
+              <a:t>12</a:t>
+            </a:fld>
+            <a:endParaRPr lang="en-US" dirty="0"/>
+          </a:p>
+        </p:txBody>
+      </p:sp>
+    </p:spTree>
+    <p:extLst>
+      <p:ext uri="{BB962C8B-B14F-4D97-AF65-F5344CB8AC3E}">
+        <p14:creationId xmlns:p14="http://schemas.microsoft.com/office/powerpoint/2010/main" val="3304283742"/>
+      </p:ext>
+    </p:extLst>
+  </p:cSld>
+  <p:clrMapOvr>
+    <a:masterClrMapping/>
+  </p:clrMapOvr>
+</p:notes>
+</file>
+
+<file path=ppt/notesSlides/notesSlide12.xml><?xml version="1.0" encoding="utf-8"?>
+<p:notes xmlns:a="http://schemas.openxmlformats.org/drawingml/2006/main" xmlns:r="http://schemas.openxmlformats.org/officeDocument/2006/relationships" xmlns:p="http://schemas.openxmlformats.org/presentationml/2006/main">
+  <p:cSld>
+    <p:spTree>
+      <p:nvGrpSpPr>
+        <p:cNvPr id="1" name="">
+          <a:extLst>
+            <a:ext uri="{FF2B5EF4-FFF2-40B4-BE49-F238E27FC236}">
+              <a16:creationId xmlns:a16="http://schemas.microsoft.com/office/drawing/2014/main" id="{E22F2E9B-94B6-9986-D0A0-88B8A7125F1E}"/>
+            </a:ext>
+          </a:extLst>
+        </p:cNvPr>
+        <p:cNvGrpSpPr/>
+        <p:nvPr/>
+      </p:nvGrpSpPr>
+      <p:grpSpPr>
+        <a:xfrm>
+          <a:off x="0" y="0"/>
+          <a:ext cx="0" cy="0"/>
+          <a:chOff x="0" y="0"/>
+          <a:chExt cx="0" cy="0"/>
+        </a:xfrm>
+      </p:grpSpPr>
+      <p:sp>
+        <p:nvSpPr>
+          <p:cNvPr id="2" name="슬라이드 이미지 개체 틀 1">
+            <a:extLst>
+              <a:ext uri="{FF2B5EF4-FFF2-40B4-BE49-F238E27FC236}">
+                <a16:creationId xmlns:a16="http://schemas.microsoft.com/office/drawing/2014/main" id="{1991DD90-4FD2-3432-CE09-981F002E871C}"/>
+              </a:ext>
+            </a:extLst>
+          </p:cNvPr>
+          <p:cNvSpPr>
+            <a:spLocks noGrp="1" noRot="1" noChangeAspect="1"/>
+          </p:cNvSpPr>
+          <p:nvPr>
+            <p:ph type="sldImg"/>
+          </p:nvPr>
+        </p:nvSpPr>
+        <p:spPr>
+          <a:xfrm>
+            <a:off x="381000" y="685800"/>
+            <a:ext cx="6096000" cy="3429000"/>
+          </a:xfrm>
+        </p:spPr>
+      </p:sp>
+      <p:sp>
+        <p:nvSpPr>
+          <p:cNvPr id="3" name="슬라이드 노트 개체 틀 2">
+            <a:extLst>
+              <a:ext uri="{FF2B5EF4-FFF2-40B4-BE49-F238E27FC236}">
+                <a16:creationId xmlns:a16="http://schemas.microsoft.com/office/drawing/2014/main" id="{B2A1C2AD-5917-948A-ABEC-7AAACD9B0EA7}"/>
+              </a:ext>
+            </a:extLst>
+          </p:cNvPr>
+          <p:cNvSpPr>
+            <a:spLocks noGrp="1"/>
+          </p:cNvSpPr>
+          <p:nvPr>
+            <p:ph type="body" idx="1"/>
+          </p:nvPr>
+        </p:nvSpPr>
+        <p:spPr/>
+        <p:txBody>
+          <a:bodyPr/>
+          <a:lstStyle/>
+          <a:p>
+            <a:r>
+              <a:rPr lang="ko-KR" altLang="en-US" dirty="0"/>
+              <a:t>이를 해결하기 위해서 </a:t>
+            </a:r>
+            <a:r>
+              <a:rPr lang="en-US" altLang="ko-KR" dirty="0" err="1"/>
+              <a:t>allspark</a:t>
+            </a:r>
+            <a:r>
+              <a:rPr lang="ko-KR" altLang="en-US" dirty="0"/>
+              <a:t>는 새로운 아키텍처를 제안하는데 해당 아키텍처는 다음과 같습니다</a:t>
+            </a:r>
+            <a:r>
+              <a:rPr lang="en-US" altLang="ko-KR" dirty="0"/>
+              <a:t>.</a:t>
+            </a:r>
+          </a:p>
+          <a:p>
+            <a:r>
+              <a:rPr lang="en-US" altLang="ko-KR" dirty="0" err="1"/>
+              <a:t>Unlabeld</a:t>
+            </a:r>
+            <a:r>
+              <a:rPr lang="en-US" altLang="ko-KR" dirty="0"/>
+              <a:t> data</a:t>
+            </a:r>
+            <a:r>
+              <a:rPr lang="ko-KR" altLang="en-US" dirty="0"/>
+              <a:t>의</a:t>
+            </a:r>
+            <a:r>
+              <a:rPr lang="en-US" altLang="ko-KR" dirty="0"/>
+              <a:t> </a:t>
+            </a:r>
+            <a:r>
+              <a:rPr lang="en-US" altLang="ko-KR" dirty="0" err="1"/>
+              <a:t>featur</a:t>
+            </a:r>
+            <a:r>
+              <a:rPr lang="ko-KR" altLang="en-US" dirty="0"/>
+              <a:t>를 이용하여 </a:t>
+            </a:r>
+            <a:r>
+              <a:rPr lang="en-US" altLang="ko-KR" dirty="0"/>
+              <a:t>labeled data</a:t>
+            </a:r>
+            <a:r>
+              <a:rPr lang="ko-KR" altLang="en-US" dirty="0"/>
+              <a:t>의 </a:t>
+            </a:r>
+            <a:r>
+              <a:rPr lang="en-US" altLang="ko-KR" dirty="0" err="1"/>
+              <a:t>featur</a:t>
+            </a:r>
+            <a:r>
+              <a:rPr lang="ko-KR" altLang="en-US" dirty="0"/>
+              <a:t>를 재탄생 시키는 것이지요</a:t>
+            </a:r>
+            <a:r>
+              <a:rPr lang="en-US" altLang="ko-KR" dirty="0"/>
+              <a:t>. Attention </a:t>
+            </a:r>
+            <a:r>
+              <a:rPr lang="ko-KR" altLang="en-US" dirty="0"/>
+              <a:t>연산을 이용하여</a:t>
+            </a:r>
+            <a:r>
+              <a:rPr lang="en-US" altLang="ko-KR" dirty="0"/>
+              <a:t>, labeled data</a:t>
+            </a:r>
+            <a:r>
+              <a:rPr lang="ko-KR" altLang="en-US" dirty="0"/>
+              <a:t>에  </a:t>
+            </a:r>
+            <a:r>
+              <a:rPr lang="en-US" altLang="ko-KR" dirty="0"/>
+              <a:t>unlabeled data</a:t>
+            </a:r>
+            <a:r>
+              <a:rPr lang="ko-KR" altLang="en-US" dirty="0"/>
+              <a:t>의 특성들을 불어넣을 뿐더러</a:t>
+            </a:r>
+            <a:r>
+              <a:rPr lang="en-US" altLang="ko-KR" dirty="0"/>
+              <a:t>, </a:t>
+            </a:r>
+            <a:r>
+              <a:rPr lang="ko-KR" altLang="en-US" dirty="0"/>
+              <a:t>다양성을 </a:t>
+            </a:r>
+            <a:r>
+              <a:rPr lang="ko-KR" altLang="en-US" dirty="0" err="1"/>
+              <a:t>증대시키고자</a:t>
+            </a:r>
+            <a:r>
+              <a:rPr lang="ko-KR" altLang="en-US" dirty="0"/>
+              <a:t> 하는 것입니다</a:t>
+            </a:r>
+            <a:r>
+              <a:rPr lang="en-US" altLang="ko-KR"/>
+              <a:t>.</a:t>
+            </a:r>
+            <a:endParaRPr lang="ko-KR" altLang="en-US" dirty="0"/>
+          </a:p>
+        </p:txBody>
+      </p:sp>
+      <p:sp>
+        <p:nvSpPr>
+          <p:cNvPr id="4" name="날짜 개체 틀 3">
+            <a:extLst>
+              <a:ext uri="{FF2B5EF4-FFF2-40B4-BE49-F238E27FC236}">
+                <a16:creationId xmlns:a16="http://schemas.microsoft.com/office/drawing/2014/main" id="{27B5A4ED-BEA1-CD30-CB40-26E4F785869F}"/>
+              </a:ext>
+            </a:extLst>
+          </p:cNvPr>
+          <p:cNvSpPr>
+            <a:spLocks noGrp="1"/>
+          </p:cNvSpPr>
+          <p:nvPr>
+            <p:ph type="dt" idx="1"/>
+          </p:nvPr>
+        </p:nvSpPr>
+        <p:spPr/>
+        <p:txBody>
+          <a:bodyPr/>
+          <a:lstStyle/>
+          <a:p>
+            <a:pPr rtl="0"/>
+            <a:fld id="{4C74CE10-6809-4130-9779-BE960939651E}" type="datetime1">
+              <a:rPr lang="ko-KR" altLang="en-US" smtClean="0"/>
+              <a:t>2024-11-12</a:t>
+            </a:fld>
+            <a:endParaRPr lang="en-US" dirty="0"/>
+          </a:p>
+        </p:txBody>
+      </p:sp>
+      <p:sp>
+        <p:nvSpPr>
+          <p:cNvPr id="5" name="슬라이드 번호 개체 틀 4">
+            <a:extLst>
+              <a:ext uri="{FF2B5EF4-FFF2-40B4-BE49-F238E27FC236}">
+                <a16:creationId xmlns:a16="http://schemas.microsoft.com/office/drawing/2014/main" id="{E05E7601-50DF-3640-5641-6995A0E5E505}"/>
+              </a:ext>
+            </a:extLst>
+          </p:cNvPr>
+          <p:cNvSpPr>
+            <a:spLocks noGrp="1"/>
+          </p:cNvSpPr>
+          <p:nvPr>
+            <p:ph type="sldNum" sz="quarter" idx="5"/>
+          </p:nvPr>
+        </p:nvSpPr>
+        <p:spPr/>
+        <p:txBody>
+          <a:bodyPr/>
+          <a:lstStyle/>
+          <a:p>
+            <a:pPr rtl="0"/>
+            <a:fld id="{9C2B151B-D7D1-48E5-8230-5AADBC794F88}" type="slidenum">
+              <a:rPr lang="en-US" smtClean="0"/>
+              <a:t>13</a:t>
+            </a:fld>
+            <a:endParaRPr lang="en-US" dirty="0"/>
+          </a:p>
+        </p:txBody>
+      </p:sp>
+    </p:spTree>
+    <p:extLst>
+      <p:ext uri="{BB962C8B-B14F-4D97-AF65-F5344CB8AC3E}">
+        <p14:creationId xmlns:p14="http://schemas.microsoft.com/office/powerpoint/2010/main" val="620535769"/>
+      </p:ext>
+    </p:extLst>
+  </p:cSld>
+  <p:clrMapOvr>
+    <a:masterClrMapping/>
+  </p:clrMapOvr>
+</p:notes>
+</file>
+
+<file path=ppt/notesSlides/notesSlide13.xml><?xml version="1.0" encoding="utf-8"?>
+<p:notes xmlns:a="http://schemas.openxmlformats.org/drawingml/2006/main" xmlns:r="http://schemas.openxmlformats.org/officeDocument/2006/relationships" xmlns:p="http://schemas.openxmlformats.org/presentationml/2006/main">
+  <p:cSld>
+    <p:spTree>
+      <p:nvGrpSpPr>
+        <p:cNvPr id="1" name="">
+          <a:extLst>
+            <a:ext uri="{FF2B5EF4-FFF2-40B4-BE49-F238E27FC236}">
+              <a16:creationId xmlns:a16="http://schemas.microsoft.com/office/drawing/2014/main" id="{8A051CBE-CB54-E1F9-82A7-302C37A4C66B}"/>
+            </a:ext>
+          </a:extLst>
+        </p:cNvPr>
+        <p:cNvGrpSpPr/>
+        <p:nvPr/>
+      </p:nvGrpSpPr>
+      <p:grpSpPr>
+        <a:xfrm>
+          <a:off x="0" y="0"/>
+          <a:ext cx="0" cy="0"/>
+          <a:chOff x="0" y="0"/>
+          <a:chExt cx="0" cy="0"/>
+        </a:xfrm>
+      </p:grpSpPr>
+      <p:sp>
+        <p:nvSpPr>
+          <p:cNvPr id="2" name="슬라이드 이미지 개체 틀 1">
+            <a:extLst>
+              <a:ext uri="{FF2B5EF4-FFF2-40B4-BE49-F238E27FC236}">
+                <a16:creationId xmlns:a16="http://schemas.microsoft.com/office/drawing/2014/main" id="{9925146B-DE7A-007C-1775-228DE9651394}"/>
+              </a:ext>
+            </a:extLst>
+          </p:cNvPr>
+          <p:cNvSpPr>
+            <a:spLocks noGrp="1" noRot="1" noChangeAspect="1"/>
+          </p:cNvSpPr>
+          <p:nvPr>
+            <p:ph type="sldImg"/>
+          </p:nvPr>
+        </p:nvSpPr>
+        <p:spPr/>
+      </p:sp>
+      <p:sp>
+        <p:nvSpPr>
+          <p:cNvPr id="3" name="슬라이드 노트 개체 틀 2">
+            <a:extLst>
+              <a:ext uri="{FF2B5EF4-FFF2-40B4-BE49-F238E27FC236}">
+                <a16:creationId xmlns:a16="http://schemas.microsoft.com/office/drawing/2014/main" id="{6BDEE757-970F-4EA5-B9DE-985C5246506D}"/>
+              </a:ext>
+            </a:extLst>
+          </p:cNvPr>
+          <p:cNvSpPr>
+            <a:spLocks noGrp="1"/>
+          </p:cNvSpPr>
+          <p:nvPr>
+            <p:ph type="body" idx="1"/>
+          </p:nvPr>
+        </p:nvSpPr>
+        <p:spPr/>
+        <p:txBody>
+          <a:bodyPr/>
+          <a:lstStyle/>
+          <a:p>
+            <a:endParaRPr lang="ko-KR" altLang="en-US" dirty="0"/>
+          </a:p>
+        </p:txBody>
+      </p:sp>
+      <p:sp>
+        <p:nvSpPr>
+          <p:cNvPr id="4" name="날짜 개체 틀 3">
+            <a:extLst>
+              <a:ext uri="{FF2B5EF4-FFF2-40B4-BE49-F238E27FC236}">
+                <a16:creationId xmlns:a16="http://schemas.microsoft.com/office/drawing/2014/main" id="{5DC58979-8429-CA9F-5860-D85EA6D2A29B}"/>
+              </a:ext>
+            </a:extLst>
+          </p:cNvPr>
+          <p:cNvSpPr>
+            <a:spLocks noGrp="1"/>
+          </p:cNvSpPr>
+          <p:nvPr>
+            <p:ph type="dt" idx="1"/>
+          </p:nvPr>
+        </p:nvSpPr>
+        <p:spPr/>
+        <p:txBody>
+          <a:bodyPr/>
+          <a:lstStyle/>
+          <a:p>
+            <a:pPr rtl="0"/>
+            <a:fld id="{4C74CE10-6809-4130-9779-BE960939651E}" type="datetime1">
+              <a:rPr lang="ko-KR" altLang="en-US" smtClean="0"/>
+              <a:t>2024-11-12</a:t>
+            </a:fld>
+            <a:endParaRPr lang="en-US" dirty="0"/>
+          </a:p>
+        </p:txBody>
+      </p:sp>
+      <p:sp>
+        <p:nvSpPr>
+          <p:cNvPr id="5" name="슬라이드 번호 개체 틀 4">
+            <a:extLst>
+              <a:ext uri="{FF2B5EF4-FFF2-40B4-BE49-F238E27FC236}">
+                <a16:creationId xmlns:a16="http://schemas.microsoft.com/office/drawing/2014/main" id="{3382D109-E4A8-A04D-B14B-0C29FC1B6F3D}"/>
+              </a:ext>
+            </a:extLst>
+          </p:cNvPr>
+          <p:cNvSpPr>
+            <a:spLocks noGrp="1"/>
+          </p:cNvSpPr>
+          <p:nvPr>
+            <p:ph type="sldNum" sz="quarter" idx="5"/>
+          </p:nvPr>
+        </p:nvSpPr>
+        <p:spPr/>
+        <p:txBody>
+          <a:bodyPr/>
+          <a:lstStyle/>
+          <a:p>
+            <a:pPr rtl="0"/>
+            <a:fld id="{9C2B151B-D7D1-48E5-8230-5AADBC794F88}" type="slidenum">
+              <a:rPr lang="en-US" smtClean="0"/>
+              <a:t>15</a:t>
+            </a:fld>
+            <a:endParaRPr lang="en-US" dirty="0"/>
+          </a:p>
+        </p:txBody>
+      </p:sp>
+    </p:spTree>
+    <p:extLst>
+      <p:ext uri="{BB962C8B-B14F-4D97-AF65-F5344CB8AC3E}">
+        <p14:creationId xmlns:p14="http://schemas.microsoft.com/office/powerpoint/2010/main" val="1230541306"/>
+      </p:ext>
+    </p:extLst>
+  </p:cSld>
+  <p:clrMapOvr>
+    <a:masterClrMapping/>
+  </p:clrMapOvr>
+</p:notes>
+</file>
+
+<file path=ppt/notesSlides/notesSlide14.xml><?xml version="1.0" encoding="utf-8"?>
+<p:notes xmlns:a="http://schemas.openxmlformats.org/drawingml/2006/main" xmlns:r="http://schemas.openxmlformats.org/officeDocument/2006/relationships" xmlns:p="http://schemas.openxmlformats.org/presentationml/2006/main">
+  <p:cSld>
+    <p:spTree>
+      <p:nvGrpSpPr>
+        <p:cNvPr id="1" name="">
+          <a:extLst>
+            <a:ext uri="{FF2B5EF4-FFF2-40B4-BE49-F238E27FC236}">
+              <a16:creationId xmlns:a16="http://schemas.microsoft.com/office/drawing/2014/main" id="{AE46EE00-1027-FEA3-92E1-82C8240A76F4}"/>
+            </a:ext>
+          </a:extLst>
+        </p:cNvPr>
+        <p:cNvGrpSpPr/>
+        <p:nvPr/>
+      </p:nvGrpSpPr>
+      <p:grpSpPr>
+        <a:xfrm>
+          <a:off x="0" y="0"/>
+          <a:ext cx="0" cy="0"/>
+          <a:chOff x="0" y="0"/>
+          <a:chExt cx="0" cy="0"/>
+        </a:xfrm>
+      </p:grpSpPr>
+      <p:sp>
+        <p:nvSpPr>
+          <p:cNvPr id="2" name="슬라이드 이미지 개체 틀 1">
+            <a:extLst>
+              <a:ext uri="{FF2B5EF4-FFF2-40B4-BE49-F238E27FC236}">
+                <a16:creationId xmlns:a16="http://schemas.microsoft.com/office/drawing/2014/main" id="{E0235F05-DF15-58F8-DDD1-6FACD0F26543}"/>
+              </a:ext>
+            </a:extLst>
+          </p:cNvPr>
+          <p:cNvSpPr>
+            <a:spLocks noGrp="1" noRot="1" noChangeAspect="1"/>
+          </p:cNvSpPr>
+          <p:nvPr>
+            <p:ph type="sldImg"/>
+          </p:nvPr>
+        </p:nvSpPr>
+        <p:spPr/>
+      </p:sp>
+      <p:sp>
+        <p:nvSpPr>
+          <p:cNvPr id="3" name="슬라이드 노트 개체 틀 2">
+            <a:extLst>
+              <a:ext uri="{FF2B5EF4-FFF2-40B4-BE49-F238E27FC236}">
+                <a16:creationId xmlns:a16="http://schemas.microsoft.com/office/drawing/2014/main" id="{14798F59-151D-5F4E-7837-31619401A33F}"/>
+              </a:ext>
+            </a:extLst>
+          </p:cNvPr>
+          <p:cNvSpPr>
+            <a:spLocks noGrp="1"/>
+          </p:cNvSpPr>
+          <p:nvPr>
+            <p:ph type="body" idx="1"/>
+          </p:nvPr>
+        </p:nvSpPr>
+        <p:spPr/>
+        <p:txBody>
+          <a:bodyPr/>
+          <a:lstStyle/>
+          <a:p>
+            <a:endParaRPr lang="ko-KR" altLang="en-US" dirty="0"/>
+          </a:p>
+        </p:txBody>
+      </p:sp>
+      <p:sp>
+        <p:nvSpPr>
+          <p:cNvPr id="4" name="날짜 개체 틀 3">
+            <a:extLst>
+              <a:ext uri="{FF2B5EF4-FFF2-40B4-BE49-F238E27FC236}">
+                <a16:creationId xmlns:a16="http://schemas.microsoft.com/office/drawing/2014/main" id="{3B09281E-8CB9-E5F5-EB46-3378209B1053}"/>
+              </a:ext>
+            </a:extLst>
+          </p:cNvPr>
+          <p:cNvSpPr>
+            <a:spLocks noGrp="1"/>
+          </p:cNvSpPr>
+          <p:nvPr>
+            <p:ph type="dt" idx="1"/>
+          </p:nvPr>
+        </p:nvSpPr>
+        <p:spPr/>
+        <p:txBody>
+          <a:bodyPr/>
+          <a:lstStyle/>
+          <a:p>
+            <a:pPr rtl="0"/>
+            <a:fld id="{4C74CE10-6809-4130-9779-BE960939651E}" type="datetime1">
+              <a:rPr lang="ko-KR" altLang="en-US" smtClean="0"/>
+              <a:t>2024-11-12</a:t>
+            </a:fld>
+            <a:endParaRPr lang="en-US" dirty="0"/>
+          </a:p>
+        </p:txBody>
+      </p:sp>
+      <p:sp>
+        <p:nvSpPr>
+          <p:cNvPr id="5" name="슬라이드 번호 개체 틀 4">
+            <a:extLst>
+              <a:ext uri="{FF2B5EF4-FFF2-40B4-BE49-F238E27FC236}">
+                <a16:creationId xmlns:a16="http://schemas.microsoft.com/office/drawing/2014/main" id="{C10E5CB1-10A3-31A7-6A18-D1129F21143D}"/>
+              </a:ext>
+            </a:extLst>
+          </p:cNvPr>
+          <p:cNvSpPr>
+            <a:spLocks noGrp="1"/>
+          </p:cNvSpPr>
+          <p:nvPr>
+            <p:ph type="sldNum" sz="quarter" idx="5"/>
+          </p:nvPr>
+        </p:nvSpPr>
+        <p:spPr/>
+        <p:txBody>
+          <a:bodyPr/>
+          <a:lstStyle/>
+          <a:p>
+            <a:pPr rtl="0"/>
+            <a:fld id="{9C2B151B-D7D1-48E5-8230-5AADBC794F88}" type="slidenum">
+              <a:rPr lang="en-US" smtClean="0"/>
+              <a:t>18</a:t>
+            </a:fld>
+            <a:endParaRPr lang="en-US" dirty="0"/>
+          </a:p>
+        </p:txBody>
+      </p:sp>
+    </p:spTree>
+    <p:extLst>
+      <p:ext uri="{BB962C8B-B14F-4D97-AF65-F5344CB8AC3E}">
+        <p14:creationId xmlns:p14="http://schemas.microsoft.com/office/powerpoint/2010/main" val="3593447416"/>
+      </p:ext>
+    </p:extLst>
+  </p:cSld>
+  <p:clrMapOvr>
+    <a:masterClrMapping/>
+  </p:clrMapOvr>
+</p:notes>
+</file>
+
+<file path=ppt/notesSlides/notesSlide15.xml><?xml version="1.0" encoding="utf-8"?>
+<p:notes xmlns:a="http://schemas.openxmlformats.org/drawingml/2006/main" xmlns:r="http://schemas.openxmlformats.org/officeDocument/2006/relationships" xmlns:p="http://schemas.openxmlformats.org/presentationml/2006/main">
+  <p:cSld>
+    <p:spTree>
+      <p:nvGrpSpPr>
+        <p:cNvPr id="1" name="">
+          <a:extLst>
+            <a:ext uri="{FF2B5EF4-FFF2-40B4-BE49-F238E27FC236}">
+              <a16:creationId xmlns:a16="http://schemas.microsoft.com/office/drawing/2014/main" id="{32789887-FFED-3E52-F53E-5E272BCF1E7F}"/>
+            </a:ext>
+          </a:extLst>
+        </p:cNvPr>
+        <p:cNvGrpSpPr/>
+        <p:nvPr/>
+      </p:nvGrpSpPr>
+      <p:grpSpPr>
+        <a:xfrm>
+          <a:off x="0" y="0"/>
+          <a:ext cx="0" cy="0"/>
+          <a:chOff x="0" y="0"/>
+          <a:chExt cx="0" cy="0"/>
+        </a:xfrm>
+      </p:grpSpPr>
+      <p:sp>
+        <p:nvSpPr>
+          <p:cNvPr id="2" name="슬라이드 이미지 개체 틀 1">
+            <a:extLst>
+              <a:ext uri="{FF2B5EF4-FFF2-40B4-BE49-F238E27FC236}">
+                <a16:creationId xmlns:a16="http://schemas.microsoft.com/office/drawing/2014/main" id="{75A0E985-8D3F-CC97-9307-204E095C1FA7}"/>
+              </a:ext>
+            </a:extLst>
+          </p:cNvPr>
+          <p:cNvSpPr>
+            <a:spLocks noGrp="1" noRot="1" noChangeAspect="1"/>
+          </p:cNvSpPr>
+          <p:nvPr>
+            <p:ph type="sldImg"/>
+          </p:nvPr>
+        </p:nvSpPr>
+        <p:spPr/>
+      </p:sp>
+      <p:sp>
+        <p:nvSpPr>
+          <p:cNvPr id="3" name="슬라이드 노트 개체 틀 2">
+            <a:extLst>
+              <a:ext uri="{FF2B5EF4-FFF2-40B4-BE49-F238E27FC236}">
+                <a16:creationId xmlns:a16="http://schemas.microsoft.com/office/drawing/2014/main" id="{E20E3B8E-648E-DBE1-7F79-36F34AD83581}"/>
+              </a:ext>
+            </a:extLst>
+          </p:cNvPr>
+          <p:cNvSpPr>
+            <a:spLocks noGrp="1"/>
+          </p:cNvSpPr>
+          <p:nvPr>
+            <p:ph type="body" idx="1"/>
+          </p:nvPr>
+        </p:nvSpPr>
+        <p:spPr/>
+        <p:txBody>
+          <a:bodyPr/>
+          <a:lstStyle/>
+          <a:p>
+            <a:endParaRPr lang="ko-KR" altLang="en-US" dirty="0"/>
+          </a:p>
+        </p:txBody>
+      </p:sp>
+      <p:sp>
+        <p:nvSpPr>
+          <p:cNvPr id="4" name="날짜 개체 틀 3">
+            <a:extLst>
+              <a:ext uri="{FF2B5EF4-FFF2-40B4-BE49-F238E27FC236}">
+                <a16:creationId xmlns:a16="http://schemas.microsoft.com/office/drawing/2014/main" id="{FC32EDD4-EDBC-D077-0D50-532EE173AAE7}"/>
+              </a:ext>
+            </a:extLst>
+          </p:cNvPr>
+          <p:cNvSpPr>
+            <a:spLocks noGrp="1"/>
+          </p:cNvSpPr>
+          <p:nvPr>
+            <p:ph type="dt" idx="1"/>
+          </p:nvPr>
+        </p:nvSpPr>
+        <p:spPr/>
+        <p:txBody>
+          <a:bodyPr/>
+          <a:lstStyle/>
+          <a:p>
+            <a:pPr rtl="0"/>
+            <a:fld id="{4C74CE10-6809-4130-9779-BE960939651E}" type="datetime1">
+              <a:rPr lang="ko-KR" altLang="en-US" smtClean="0"/>
+              <a:t>2024-11-12</a:t>
+            </a:fld>
+            <a:endParaRPr lang="en-US" dirty="0"/>
+          </a:p>
+        </p:txBody>
+      </p:sp>
+      <p:sp>
+        <p:nvSpPr>
+          <p:cNvPr id="5" name="슬라이드 번호 개체 틀 4">
+            <a:extLst>
+              <a:ext uri="{FF2B5EF4-FFF2-40B4-BE49-F238E27FC236}">
+                <a16:creationId xmlns:a16="http://schemas.microsoft.com/office/drawing/2014/main" id="{521E42D8-44F5-897D-6FB5-C8237A7913A8}"/>
+              </a:ext>
+            </a:extLst>
+          </p:cNvPr>
+          <p:cNvSpPr>
+            <a:spLocks noGrp="1"/>
+          </p:cNvSpPr>
+          <p:nvPr>
+            <p:ph type="sldNum" sz="quarter" idx="5"/>
+          </p:nvPr>
+        </p:nvSpPr>
+        <p:spPr/>
+        <p:txBody>
+          <a:bodyPr/>
+          <a:lstStyle/>
+          <a:p>
+            <a:pPr rtl="0"/>
+            <a:fld id="{9C2B151B-D7D1-48E5-8230-5AADBC794F88}" type="slidenum">
+              <a:rPr lang="en-US" smtClean="0"/>
+              <a:t>19</a:t>
+            </a:fld>
+            <a:endParaRPr lang="en-US" dirty="0"/>
+          </a:p>
+        </p:txBody>
+      </p:sp>
+    </p:spTree>
+    <p:extLst>
+      <p:ext uri="{BB962C8B-B14F-4D97-AF65-F5344CB8AC3E}">
+        <p14:creationId xmlns:p14="http://schemas.microsoft.com/office/powerpoint/2010/main" val="1914588817"/>
+      </p:ext>
+    </p:extLst>
+  </p:cSld>
+  <p:clrMapOvr>
+    <a:masterClrMapping/>
+  </p:clrMapOvr>
+</p:notes>
+</file>
+
 <file path=ppt/notesSlides/notesSlide2.xml><?xml version="1.0" encoding="utf-8"?>
 <p:notes xmlns:a="http://schemas.openxmlformats.org/drawingml/2006/main" xmlns:r="http://schemas.openxmlformats.org/officeDocument/2006/relationships" xmlns:p="http://schemas.openxmlformats.org/presentationml/2006/main" showMasterSp="0" showMasterPhAnim="0">
   <p:cSld>
@@ -1628,6 +3497,714 @@
 </p:notes>
 </file>
 
+<file path=ppt/notesSlides/notesSlide7.xml><?xml version="1.0" encoding="utf-8"?>
+<p:notes xmlns:a="http://schemas.openxmlformats.org/drawingml/2006/main" xmlns:r="http://schemas.openxmlformats.org/officeDocument/2006/relationships" xmlns:p="http://schemas.openxmlformats.org/presentationml/2006/main">
+  <p:cSld>
+    <p:spTree>
+      <p:nvGrpSpPr>
+        <p:cNvPr id="1" name="">
+          <a:extLst>
+            <a:ext uri="{FF2B5EF4-FFF2-40B4-BE49-F238E27FC236}">
+              <a16:creationId xmlns:a16="http://schemas.microsoft.com/office/drawing/2014/main" id="{9A2DB68D-2348-014A-23E0-08061BAA9937}"/>
+            </a:ext>
+          </a:extLst>
+        </p:cNvPr>
+        <p:cNvGrpSpPr/>
+        <p:nvPr/>
+      </p:nvGrpSpPr>
+      <p:grpSpPr>
+        <a:xfrm>
+          <a:off x="0" y="0"/>
+          <a:ext cx="0" cy="0"/>
+          <a:chOff x="0" y="0"/>
+          <a:chExt cx="0" cy="0"/>
+        </a:xfrm>
+      </p:grpSpPr>
+      <p:sp>
+        <p:nvSpPr>
+          <p:cNvPr id="2" name="슬라이드 이미지 개체 틀 1">
+            <a:extLst>
+              <a:ext uri="{FF2B5EF4-FFF2-40B4-BE49-F238E27FC236}">
+                <a16:creationId xmlns:a16="http://schemas.microsoft.com/office/drawing/2014/main" id="{7C7368E8-A902-61F7-B344-320FE767E393}"/>
+              </a:ext>
+            </a:extLst>
+          </p:cNvPr>
+          <p:cNvSpPr>
+            <a:spLocks noGrp="1" noRot="1" noChangeAspect="1"/>
+          </p:cNvSpPr>
+          <p:nvPr>
+            <p:ph type="sldImg"/>
+          </p:nvPr>
+        </p:nvSpPr>
+        <p:spPr>
+          <a:xfrm>
+            <a:off x="381000" y="685800"/>
+            <a:ext cx="6096000" cy="3429000"/>
+          </a:xfrm>
+        </p:spPr>
+      </p:sp>
+      <p:sp>
+        <p:nvSpPr>
+          <p:cNvPr id="3" name="슬라이드 노트 개체 틀 2">
+            <a:extLst>
+              <a:ext uri="{FF2B5EF4-FFF2-40B4-BE49-F238E27FC236}">
+                <a16:creationId xmlns:a16="http://schemas.microsoft.com/office/drawing/2014/main" id="{25085727-8DCB-893B-0A10-5E2B55E4EA4C}"/>
+              </a:ext>
+            </a:extLst>
+          </p:cNvPr>
+          <p:cNvSpPr>
+            <a:spLocks noGrp="1"/>
+          </p:cNvSpPr>
+          <p:nvPr>
+            <p:ph type="body" idx="1"/>
+          </p:nvPr>
+        </p:nvSpPr>
+        <p:spPr/>
+        <p:txBody>
+          <a:bodyPr/>
+          <a:lstStyle/>
+          <a:p>
+            <a:r>
+              <a:rPr lang="en-US" altLang="ko-KR" dirty="0"/>
+              <a:t>Feature</a:t>
+            </a:r>
+            <a:r>
+              <a:rPr lang="ko-KR" altLang="en-US" dirty="0"/>
+              <a:t> </a:t>
+            </a:r>
+            <a:r>
+              <a:rPr lang="en-US" altLang="ko-KR" dirty="0"/>
+              <a:t>design</a:t>
+            </a:r>
+            <a:r>
+              <a:rPr lang="ko-KR" altLang="en-US" dirty="0"/>
+              <a:t>은 패턴 인식에서 매우 중요한 단계로</a:t>
+            </a:r>
+            <a:r>
+              <a:rPr lang="en-US" altLang="ko-KR" dirty="0"/>
+              <a:t>, </a:t>
+            </a:r>
+            <a:r>
+              <a:rPr lang="ko-KR" altLang="en-US" dirty="0"/>
+              <a:t>데이터의 물리적 패턴을 수학적 표현으로 변환하는 과정입니다</a:t>
+            </a:r>
+            <a:r>
+              <a:rPr lang="en-US" altLang="ko-KR" dirty="0"/>
+              <a:t>. </a:t>
+            </a:r>
+            <a:r>
+              <a:rPr lang="ko-KR" altLang="en-US" dirty="0"/>
+              <a:t>또한 좋은 특징은</a:t>
+            </a:r>
+            <a:r>
+              <a:rPr lang="en-US" altLang="ko-KR" dirty="0"/>
+              <a:t>, Discriminatory power</a:t>
+            </a:r>
+            <a:r>
+              <a:rPr lang="ko-KR" altLang="en-US" dirty="0"/>
+              <a:t>와 </a:t>
+            </a:r>
+            <a:r>
+              <a:rPr lang="en-US" altLang="ko-KR" dirty="0"/>
+              <a:t>Dimensionality, </a:t>
+            </a:r>
+            <a:r>
+              <a:rPr lang="ko-KR" altLang="en-US" dirty="0" err="1"/>
+              <a:t>구별력과</a:t>
+            </a:r>
+            <a:r>
+              <a:rPr lang="ko-KR" altLang="en-US" dirty="0"/>
+              <a:t> 차원 축소의 측면에서 좋은 면을 </a:t>
+            </a:r>
+            <a:r>
+              <a:rPr lang="ko-KR" altLang="en-US" dirty="0" err="1"/>
+              <a:t>보여야합니다</a:t>
+            </a:r>
+            <a:r>
+              <a:rPr lang="en-US" altLang="ko-KR" dirty="0"/>
+              <a:t>. </a:t>
+            </a:r>
+            <a:r>
+              <a:rPr lang="ko-KR" altLang="en-US" dirty="0"/>
+              <a:t>아무래도 </a:t>
+            </a:r>
+            <a:r>
+              <a:rPr lang="ko-KR" altLang="en-US" dirty="0" err="1"/>
+              <a:t>구별력은</a:t>
+            </a:r>
+            <a:r>
+              <a:rPr lang="ko-KR" altLang="en-US" dirty="0"/>
+              <a:t> 높고 차원의 축소율도 높아야겠죠</a:t>
+            </a:r>
+            <a:r>
+              <a:rPr lang="en-US" altLang="ko-KR" dirty="0"/>
+              <a:t>? </a:t>
+            </a:r>
+            <a:r>
+              <a:rPr lang="ko-KR" altLang="en-US" dirty="0"/>
+              <a:t>오른쪽은 패턴 인식 수업에서 배운 </a:t>
+            </a:r>
+            <a:r>
+              <a:rPr lang="en-US" altLang="ko-KR" dirty="0"/>
+              <a:t>Area, Perimeter, Roundness</a:t>
+            </a:r>
+            <a:r>
+              <a:rPr lang="ko-KR" altLang="en-US" dirty="0"/>
+              <a:t>에 대한 도표입니다</a:t>
+            </a:r>
+            <a:r>
+              <a:rPr lang="en-US" altLang="ko-KR" dirty="0"/>
+              <a:t>. </a:t>
+            </a:r>
+            <a:r>
+              <a:rPr lang="ko-KR" altLang="en-US" dirty="0"/>
+              <a:t>이미지 분야에서는 실제 이미지를 </a:t>
+            </a:r>
+            <a:r>
+              <a:rPr lang="en-US" altLang="ko-KR" dirty="0"/>
+              <a:t>R, G, B</a:t>
+            </a:r>
+            <a:r>
+              <a:rPr lang="ko-KR" altLang="en-US" dirty="0"/>
+              <a:t>의 </a:t>
+            </a:r>
+            <a:r>
+              <a:rPr lang="en-US" altLang="ko-KR" dirty="0"/>
+              <a:t>3</a:t>
+            </a:r>
+            <a:r>
+              <a:rPr lang="ko-KR" altLang="en-US" dirty="0"/>
+              <a:t>채널과 </a:t>
+            </a:r>
+            <a:r>
+              <a:rPr lang="en-US" altLang="ko-KR" dirty="0"/>
+              <a:t>Height, Width</a:t>
+            </a:r>
+            <a:r>
+              <a:rPr lang="ko-KR" altLang="en-US" dirty="0"/>
+              <a:t>로 주로 나눕니다</a:t>
+            </a:r>
+            <a:r>
+              <a:rPr lang="en-US" altLang="ko-KR" dirty="0"/>
+              <a:t>.</a:t>
+            </a:r>
+            <a:endParaRPr lang="ko-KR" altLang="en-US" dirty="0"/>
+          </a:p>
+        </p:txBody>
+      </p:sp>
+      <p:sp>
+        <p:nvSpPr>
+          <p:cNvPr id="4" name="날짜 개체 틀 3">
+            <a:extLst>
+              <a:ext uri="{FF2B5EF4-FFF2-40B4-BE49-F238E27FC236}">
+                <a16:creationId xmlns:a16="http://schemas.microsoft.com/office/drawing/2014/main" id="{592414E2-6B27-4D6F-94F7-CA39E30C4218}"/>
+              </a:ext>
+            </a:extLst>
+          </p:cNvPr>
+          <p:cNvSpPr>
+            <a:spLocks noGrp="1"/>
+          </p:cNvSpPr>
+          <p:nvPr>
+            <p:ph type="dt" idx="1"/>
+          </p:nvPr>
+        </p:nvSpPr>
+        <p:spPr/>
+        <p:txBody>
+          <a:bodyPr/>
+          <a:lstStyle/>
+          <a:p>
+            <a:pPr rtl="0"/>
+            <a:fld id="{4C74CE10-6809-4130-9779-BE960939651E}" type="datetime1">
+              <a:rPr lang="ko-KR" altLang="en-US" smtClean="0"/>
+              <a:t>2024-11-12</a:t>
+            </a:fld>
+            <a:endParaRPr lang="en-US"/>
+          </a:p>
+        </p:txBody>
+      </p:sp>
+      <p:sp>
+        <p:nvSpPr>
+          <p:cNvPr id="5" name="슬라이드 번호 개체 틀 4">
+            <a:extLst>
+              <a:ext uri="{FF2B5EF4-FFF2-40B4-BE49-F238E27FC236}">
+                <a16:creationId xmlns:a16="http://schemas.microsoft.com/office/drawing/2014/main" id="{4DF08908-FACC-1BB9-AA4C-E0BC6530BE4A}"/>
+              </a:ext>
+            </a:extLst>
+          </p:cNvPr>
+          <p:cNvSpPr>
+            <a:spLocks noGrp="1"/>
+          </p:cNvSpPr>
+          <p:nvPr>
+            <p:ph type="sldNum" sz="quarter" idx="5"/>
+          </p:nvPr>
+        </p:nvSpPr>
+        <p:spPr/>
+        <p:txBody>
+          <a:bodyPr/>
+          <a:lstStyle/>
+          <a:p>
+            <a:pPr rtl="0"/>
+            <a:fld id="{9C2B151B-D7D1-48E5-8230-5AADBC794F88}" type="slidenum">
+              <a:rPr lang="en-US" smtClean="0"/>
+              <a:t>8</a:t>
+            </a:fld>
+            <a:endParaRPr lang="en-US"/>
+          </a:p>
+        </p:txBody>
+      </p:sp>
+    </p:spTree>
+    <p:extLst>
+      <p:ext uri="{BB962C8B-B14F-4D97-AF65-F5344CB8AC3E}">
+        <p14:creationId xmlns:p14="http://schemas.microsoft.com/office/powerpoint/2010/main" val="2007271288"/>
+      </p:ext>
+    </p:extLst>
+  </p:cSld>
+  <p:clrMapOvr>
+    <a:masterClrMapping/>
+  </p:clrMapOvr>
+</p:notes>
+</file>
+
+<file path=ppt/notesSlides/notesSlide8.xml><?xml version="1.0" encoding="utf-8"?>
+<p:notes xmlns:a="http://schemas.openxmlformats.org/drawingml/2006/main" xmlns:r="http://schemas.openxmlformats.org/officeDocument/2006/relationships" xmlns:p="http://schemas.openxmlformats.org/presentationml/2006/main">
+  <p:cSld>
+    <p:spTree>
+      <p:nvGrpSpPr>
+        <p:cNvPr id="1" name="">
+          <a:extLst>
+            <a:ext uri="{FF2B5EF4-FFF2-40B4-BE49-F238E27FC236}">
+              <a16:creationId xmlns:a16="http://schemas.microsoft.com/office/drawing/2014/main" id="{C54CC890-5275-3952-3A30-EEFBA8BC6A7B}"/>
+            </a:ext>
+          </a:extLst>
+        </p:cNvPr>
+        <p:cNvGrpSpPr/>
+        <p:nvPr/>
+      </p:nvGrpSpPr>
+      <p:grpSpPr>
+        <a:xfrm>
+          <a:off x="0" y="0"/>
+          <a:ext cx="0" cy="0"/>
+          <a:chOff x="0" y="0"/>
+          <a:chExt cx="0" cy="0"/>
+        </a:xfrm>
+      </p:grpSpPr>
+      <p:sp>
+        <p:nvSpPr>
+          <p:cNvPr id="2" name="슬라이드 이미지 개체 틀 1">
+            <a:extLst>
+              <a:ext uri="{FF2B5EF4-FFF2-40B4-BE49-F238E27FC236}">
+                <a16:creationId xmlns:a16="http://schemas.microsoft.com/office/drawing/2014/main" id="{26F62842-5EE8-F6C4-C946-5DD35D9F2918}"/>
+              </a:ext>
+            </a:extLst>
+          </p:cNvPr>
+          <p:cNvSpPr>
+            <a:spLocks noGrp="1" noRot="1" noChangeAspect="1"/>
+          </p:cNvSpPr>
+          <p:nvPr>
+            <p:ph type="sldImg"/>
+          </p:nvPr>
+        </p:nvSpPr>
+        <p:spPr>
+          <a:xfrm>
+            <a:off x="381000" y="685800"/>
+            <a:ext cx="6096000" cy="3429000"/>
+          </a:xfrm>
+        </p:spPr>
+      </p:sp>
+      <p:sp>
+        <p:nvSpPr>
+          <p:cNvPr id="3" name="슬라이드 노트 개체 틀 2">
+            <a:extLst>
+              <a:ext uri="{FF2B5EF4-FFF2-40B4-BE49-F238E27FC236}">
+                <a16:creationId xmlns:a16="http://schemas.microsoft.com/office/drawing/2014/main" id="{3B92FC14-B50C-F392-9D59-8FED246E977A}"/>
+              </a:ext>
+            </a:extLst>
+          </p:cNvPr>
+          <p:cNvSpPr>
+            <a:spLocks noGrp="1"/>
+          </p:cNvSpPr>
+          <p:nvPr>
+            <p:ph type="body" idx="1"/>
+          </p:nvPr>
+        </p:nvSpPr>
+        <p:spPr/>
+        <p:txBody>
+          <a:bodyPr/>
+          <a:lstStyle/>
+          <a:p>
+            <a:r>
+              <a:rPr lang="ko-KR" altLang="en-US" dirty="0"/>
+              <a:t>다음은 </a:t>
+            </a:r>
+            <a:r>
+              <a:rPr lang="en-US" altLang="ko-KR" dirty="0"/>
+              <a:t>Semi-supervised learning for Semantic Segmentation</a:t>
+            </a:r>
+            <a:r>
+              <a:rPr lang="ko-KR" altLang="en-US" dirty="0"/>
+              <a:t>에 대해서 간단한 설명을 드릴 수 있도록 하겠습니다</a:t>
+            </a:r>
+            <a:r>
+              <a:rPr lang="en-US" altLang="ko-KR" dirty="0"/>
+              <a:t>. </a:t>
+            </a:r>
+            <a:r>
+              <a:rPr lang="ko-KR" altLang="en-US" dirty="0"/>
+              <a:t>해당 분야는</a:t>
+            </a:r>
+            <a:r>
+              <a:rPr lang="en-US" altLang="ko-KR" dirty="0"/>
+              <a:t>, </a:t>
+            </a:r>
+            <a:r>
+              <a:rPr lang="ko-KR" altLang="en-US" dirty="0"/>
+              <a:t>적은 양의 </a:t>
+            </a:r>
+            <a:r>
+              <a:rPr lang="en-US" altLang="ko-KR" dirty="0"/>
+              <a:t>labeled data</a:t>
+            </a:r>
+            <a:r>
+              <a:rPr lang="ko-KR" altLang="en-US" dirty="0"/>
+              <a:t>와 많은 양의 </a:t>
+            </a:r>
+            <a:r>
+              <a:rPr lang="en-US" altLang="ko-KR" dirty="0"/>
+              <a:t>unlabeled data</a:t>
+            </a:r>
+            <a:r>
+              <a:rPr lang="ko-KR" altLang="en-US" dirty="0"/>
+              <a:t>를 섞어 학습을 진행하는 </a:t>
+            </a:r>
+            <a:r>
+              <a:rPr lang="en-US" altLang="ko-KR" dirty="0"/>
+              <a:t>task</a:t>
+            </a:r>
+            <a:r>
+              <a:rPr lang="ko-KR" altLang="en-US" dirty="0"/>
+              <a:t>로 </a:t>
+            </a:r>
+            <a:r>
+              <a:rPr lang="en-US" altLang="ko-KR" dirty="0"/>
+              <a:t>semantic segmentation </a:t>
+            </a:r>
+            <a:r>
+              <a:rPr lang="ko-KR" altLang="en-US" dirty="0"/>
+              <a:t>분야의 경우 </a:t>
+            </a:r>
+            <a:r>
+              <a:rPr lang="en-US" altLang="ko-KR" dirty="0"/>
+              <a:t>ground truth </a:t>
+            </a:r>
+            <a:r>
+              <a:rPr lang="ko-KR" altLang="en-US" dirty="0"/>
+              <a:t>생성에 정말 많은 비용이 들기에 해당 방법론이 대두되고 있다라고 생각해주시면 될 것 같습니다</a:t>
+            </a:r>
+            <a:r>
+              <a:rPr lang="en-US" altLang="ko-KR" dirty="0"/>
+              <a:t>. </a:t>
+            </a:r>
+            <a:r>
+              <a:rPr lang="ko-KR" altLang="en-US" dirty="0"/>
+              <a:t>오른쪽의 이미지는 </a:t>
+            </a:r>
+            <a:r>
+              <a:rPr lang="en-US" altLang="ko-KR" dirty="0"/>
+              <a:t>PASCAL VOC</a:t>
+            </a:r>
+            <a:r>
+              <a:rPr lang="ko-KR" altLang="en-US" dirty="0"/>
+              <a:t>의 데이터셋 입니다</a:t>
+            </a:r>
+            <a:r>
+              <a:rPr lang="en-US" altLang="ko-KR" dirty="0"/>
+              <a:t>.</a:t>
+            </a:r>
+            <a:endParaRPr lang="ko-KR" altLang="en-US" dirty="0"/>
+          </a:p>
+        </p:txBody>
+      </p:sp>
+      <p:sp>
+        <p:nvSpPr>
+          <p:cNvPr id="4" name="날짜 개체 틀 3">
+            <a:extLst>
+              <a:ext uri="{FF2B5EF4-FFF2-40B4-BE49-F238E27FC236}">
+                <a16:creationId xmlns:a16="http://schemas.microsoft.com/office/drawing/2014/main" id="{24A09B45-2008-7421-515C-CB43EAEB453D}"/>
+              </a:ext>
+            </a:extLst>
+          </p:cNvPr>
+          <p:cNvSpPr>
+            <a:spLocks noGrp="1"/>
+          </p:cNvSpPr>
+          <p:nvPr>
+            <p:ph type="dt" idx="1"/>
+          </p:nvPr>
+        </p:nvSpPr>
+        <p:spPr/>
+        <p:txBody>
+          <a:bodyPr/>
+          <a:lstStyle/>
+          <a:p>
+            <a:pPr rtl="0"/>
+            <a:fld id="{4C74CE10-6809-4130-9779-BE960939651E}" type="datetime1">
+              <a:rPr lang="ko-KR" altLang="en-US" smtClean="0"/>
+              <a:t>2024-11-12</a:t>
+            </a:fld>
+            <a:endParaRPr lang="en-US"/>
+          </a:p>
+        </p:txBody>
+      </p:sp>
+      <p:sp>
+        <p:nvSpPr>
+          <p:cNvPr id="5" name="슬라이드 번호 개체 틀 4">
+            <a:extLst>
+              <a:ext uri="{FF2B5EF4-FFF2-40B4-BE49-F238E27FC236}">
+                <a16:creationId xmlns:a16="http://schemas.microsoft.com/office/drawing/2014/main" id="{88FD0049-7421-12CE-B918-8D54E2EB7480}"/>
+              </a:ext>
+            </a:extLst>
+          </p:cNvPr>
+          <p:cNvSpPr>
+            <a:spLocks noGrp="1"/>
+          </p:cNvSpPr>
+          <p:nvPr>
+            <p:ph type="sldNum" sz="quarter" idx="5"/>
+          </p:nvPr>
+        </p:nvSpPr>
+        <p:spPr/>
+        <p:txBody>
+          <a:bodyPr/>
+          <a:lstStyle/>
+          <a:p>
+            <a:pPr rtl="0"/>
+            <a:fld id="{9C2B151B-D7D1-48E5-8230-5AADBC794F88}" type="slidenum">
+              <a:rPr lang="en-US" smtClean="0"/>
+              <a:t>9</a:t>
+            </a:fld>
+            <a:endParaRPr lang="en-US"/>
+          </a:p>
+        </p:txBody>
+      </p:sp>
+    </p:spTree>
+    <p:extLst>
+      <p:ext uri="{BB962C8B-B14F-4D97-AF65-F5344CB8AC3E}">
+        <p14:creationId xmlns:p14="http://schemas.microsoft.com/office/powerpoint/2010/main" val="1646100415"/>
+      </p:ext>
+    </p:extLst>
+  </p:cSld>
+  <p:clrMapOvr>
+    <a:masterClrMapping/>
+  </p:clrMapOvr>
+</p:notes>
+</file>
+
+<file path=ppt/notesSlides/notesSlide9.xml><?xml version="1.0" encoding="utf-8"?>
+<p:notes xmlns:a="http://schemas.openxmlformats.org/drawingml/2006/main" xmlns:r="http://schemas.openxmlformats.org/officeDocument/2006/relationships" xmlns:p="http://schemas.openxmlformats.org/presentationml/2006/main">
+  <p:cSld>
+    <p:spTree>
+      <p:nvGrpSpPr>
+        <p:cNvPr id="1" name="">
+          <a:extLst>
+            <a:ext uri="{FF2B5EF4-FFF2-40B4-BE49-F238E27FC236}">
+              <a16:creationId xmlns:a16="http://schemas.microsoft.com/office/drawing/2014/main" id="{ABAFCB11-A7F4-152D-4D7E-E320B132E6AD}"/>
+            </a:ext>
+          </a:extLst>
+        </p:cNvPr>
+        <p:cNvGrpSpPr/>
+        <p:nvPr/>
+      </p:nvGrpSpPr>
+      <p:grpSpPr>
+        <a:xfrm>
+          <a:off x="0" y="0"/>
+          <a:ext cx="0" cy="0"/>
+          <a:chOff x="0" y="0"/>
+          <a:chExt cx="0" cy="0"/>
+        </a:xfrm>
+      </p:grpSpPr>
+      <p:sp>
+        <p:nvSpPr>
+          <p:cNvPr id="2" name="슬라이드 이미지 개체 틀 1">
+            <a:extLst>
+              <a:ext uri="{FF2B5EF4-FFF2-40B4-BE49-F238E27FC236}">
+                <a16:creationId xmlns:a16="http://schemas.microsoft.com/office/drawing/2014/main" id="{42FCD678-AAAC-D41E-5F49-B77B5FA60B16}"/>
+              </a:ext>
+            </a:extLst>
+          </p:cNvPr>
+          <p:cNvSpPr>
+            <a:spLocks noGrp="1" noRot="1" noChangeAspect="1"/>
+          </p:cNvSpPr>
+          <p:nvPr>
+            <p:ph type="sldImg"/>
+          </p:nvPr>
+        </p:nvSpPr>
+        <p:spPr>
+          <a:xfrm>
+            <a:off x="381000" y="685800"/>
+            <a:ext cx="6096000" cy="3429000"/>
+          </a:xfrm>
+        </p:spPr>
+      </p:sp>
+      <p:sp>
+        <p:nvSpPr>
+          <p:cNvPr id="3" name="슬라이드 노트 개체 틀 2">
+            <a:extLst>
+              <a:ext uri="{FF2B5EF4-FFF2-40B4-BE49-F238E27FC236}">
+                <a16:creationId xmlns:a16="http://schemas.microsoft.com/office/drawing/2014/main" id="{40D92B30-B131-6C93-6624-97B91771F739}"/>
+              </a:ext>
+            </a:extLst>
+          </p:cNvPr>
+          <p:cNvSpPr>
+            <a:spLocks noGrp="1"/>
+          </p:cNvSpPr>
+          <p:nvPr>
+            <p:ph type="body" idx="1"/>
+          </p:nvPr>
+        </p:nvSpPr>
+        <p:spPr/>
+        <p:txBody>
+          <a:bodyPr/>
+          <a:lstStyle/>
+          <a:p>
+            <a:r>
+              <a:rPr lang="ko-KR" altLang="en-US" dirty="0"/>
+              <a:t>다음은 </a:t>
+            </a:r>
+            <a:r>
+              <a:rPr lang="en-US" altLang="ko-KR" dirty="0"/>
+              <a:t>Semantic segmentation</a:t>
+            </a:r>
+            <a:r>
+              <a:rPr lang="ko-KR" altLang="en-US" dirty="0"/>
+              <a:t>에서 주로 사용되는 지표입니다</a:t>
+            </a:r>
+            <a:r>
+              <a:rPr lang="en-US" altLang="ko-KR" dirty="0"/>
+              <a:t>. </a:t>
+            </a:r>
+            <a:r>
+              <a:rPr lang="ko-KR" altLang="en-US" dirty="0"/>
+              <a:t>위에서 볼 수 있는 것처럼 클래스별 </a:t>
+            </a:r>
+            <a:r>
+              <a:rPr lang="en-US" altLang="ko-KR" dirty="0"/>
+              <a:t>Ground Truth</a:t>
+            </a:r>
+            <a:r>
+              <a:rPr lang="ko-KR" altLang="en-US" dirty="0"/>
+              <a:t>와 </a:t>
+            </a:r>
+            <a:r>
+              <a:rPr lang="en-US" altLang="ko-KR" dirty="0"/>
+              <a:t>Predict</a:t>
+            </a:r>
+            <a:r>
+              <a:rPr lang="ko-KR" altLang="en-US" dirty="0"/>
+              <a:t>의 교집합을 </a:t>
+            </a:r>
+            <a:r>
+              <a:rPr lang="en-US" altLang="ko-KR" dirty="0"/>
+              <a:t>Ground truth</a:t>
+            </a:r>
+            <a:r>
+              <a:rPr lang="ko-KR" altLang="en-US" dirty="0"/>
+              <a:t>와 </a:t>
+            </a:r>
+            <a:r>
+              <a:rPr lang="en-US" altLang="ko-KR" dirty="0"/>
+              <a:t>predict</a:t>
+            </a:r>
+            <a:r>
+              <a:rPr lang="ko-KR" altLang="en-US" dirty="0"/>
+              <a:t>의 합집합으로 나눈 값의 평균</a:t>
+            </a:r>
+            <a:r>
+              <a:rPr lang="en-US" altLang="ko-KR" dirty="0"/>
+              <a:t>. </a:t>
+            </a:r>
+            <a:r>
+              <a:rPr lang="ko-KR" altLang="en-US" dirty="0"/>
+              <a:t>으로 정의되고 있는 것을 확인할 수 있습니다</a:t>
+            </a:r>
+            <a:r>
+              <a:rPr lang="en-US" altLang="ko-KR" dirty="0"/>
+              <a:t>.</a:t>
+            </a:r>
+            <a:endParaRPr lang="ko-KR" altLang="en-US" dirty="0"/>
+          </a:p>
+        </p:txBody>
+      </p:sp>
+      <p:sp>
+        <p:nvSpPr>
+          <p:cNvPr id="4" name="날짜 개체 틀 3">
+            <a:extLst>
+              <a:ext uri="{FF2B5EF4-FFF2-40B4-BE49-F238E27FC236}">
+                <a16:creationId xmlns:a16="http://schemas.microsoft.com/office/drawing/2014/main" id="{BE68E9A6-80E4-2BC2-6A2D-DC54BB6CD0DD}"/>
+              </a:ext>
+            </a:extLst>
+          </p:cNvPr>
+          <p:cNvSpPr>
+            <a:spLocks noGrp="1"/>
+          </p:cNvSpPr>
+          <p:nvPr>
+            <p:ph type="dt" idx="1"/>
+          </p:nvPr>
+        </p:nvSpPr>
+        <p:spPr/>
+        <p:txBody>
+          <a:bodyPr/>
+          <a:lstStyle/>
+          <a:p>
+            <a:pPr rtl="0"/>
+            <a:fld id="{4C74CE10-6809-4130-9779-BE960939651E}" type="datetime1">
+              <a:rPr lang="ko-KR" altLang="en-US" smtClean="0"/>
+              <a:t>2024-11-12</a:t>
+            </a:fld>
+            <a:endParaRPr lang="en-US" dirty="0"/>
+          </a:p>
+        </p:txBody>
+      </p:sp>
+      <p:sp>
+        <p:nvSpPr>
+          <p:cNvPr id="5" name="슬라이드 번호 개체 틀 4">
+            <a:extLst>
+              <a:ext uri="{FF2B5EF4-FFF2-40B4-BE49-F238E27FC236}">
+                <a16:creationId xmlns:a16="http://schemas.microsoft.com/office/drawing/2014/main" id="{A9014B6C-AEC7-C7B5-68C8-01F91531B98D}"/>
+              </a:ext>
+            </a:extLst>
+          </p:cNvPr>
+          <p:cNvSpPr>
+            <a:spLocks noGrp="1"/>
+          </p:cNvSpPr>
+          <p:nvPr>
+            <p:ph type="sldNum" sz="quarter" idx="5"/>
+          </p:nvPr>
+        </p:nvSpPr>
+        <p:spPr/>
+        <p:txBody>
+          <a:bodyPr/>
+          <a:lstStyle/>
+          <a:p>
+            <a:pPr rtl="0"/>
+            <a:fld id="{9C2B151B-D7D1-48E5-8230-5AADBC794F88}" type="slidenum">
+              <a:rPr lang="en-US" smtClean="0"/>
+              <a:t>10</a:t>
+            </a:fld>
+            <a:endParaRPr lang="en-US" dirty="0"/>
+          </a:p>
+        </p:txBody>
+      </p:sp>
+    </p:spTree>
+    <p:extLst>
+      <p:ext uri="{BB962C8B-B14F-4D97-AF65-F5344CB8AC3E}">
+        <p14:creationId xmlns:p14="http://schemas.microsoft.com/office/powerpoint/2010/main" val="899258849"/>
+      </p:ext>
+    </p:extLst>
+  </p:cSld>
+  <p:clrMapOvr>
+    <a:masterClrMapping/>
+  </p:clrMapOvr>
+</p:notes>
+</file>
+
 <file path=ppt/slideLayouts/slideLayout1.xml><?xml version="1.0" encoding="utf-8"?>
 <p:sldLayout xmlns:a="http://schemas.openxmlformats.org/drawingml/2006/main" xmlns:r="http://schemas.openxmlformats.org/officeDocument/2006/relationships" xmlns:p="http://schemas.openxmlformats.org/presentationml/2006/main" matchingName="Title slide" type="title">
   <p:cSld name="TITLE">
@@ -3181,6 +5758,1351 @@
         </p:txBody>
       </p:sp>
     </p:spTree>
+  </p:cSld>
+  <p:clrMapOvr>
+    <a:masterClrMapping/>
+  </p:clrMapOvr>
+</p:sldLayout>
+</file>
+
+<file path=ppt/slideLayouts/slideLayout12.xml><?xml version="1.0" encoding="utf-8"?>
+<p:sldLayout xmlns:a="http://schemas.openxmlformats.org/drawingml/2006/main" xmlns:r="http://schemas.openxmlformats.org/officeDocument/2006/relationships" xmlns:p="http://schemas.openxmlformats.org/presentationml/2006/main" showMasterSp="0" type="objTx">
+  <p:cSld name="캡션 있는 콘텐츠">
+    <p:spTree>
+      <p:nvGrpSpPr>
+        <p:cNvPr id="1" name=""/>
+        <p:cNvGrpSpPr/>
+        <p:nvPr/>
+      </p:nvGrpSpPr>
+      <p:grpSpPr>
+        <a:xfrm>
+          <a:off x="0" y="0"/>
+          <a:ext cx="0" cy="0"/>
+          <a:chOff x="0" y="0"/>
+          <a:chExt cx="0" cy="0"/>
+        </a:xfrm>
+      </p:grpSpPr>
+      <p:sp>
+        <p:nvSpPr>
+          <p:cNvPr id="8" name="직사각형 7">
+            <a:extLst>
+              <a:ext uri="{FF2B5EF4-FFF2-40B4-BE49-F238E27FC236}">
+                <a16:creationId xmlns:a16="http://schemas.microsoft.com/office/drawing/2014/main" id="{16D90D66-BCB9-4229-A829-628874352AC0}"/>
+              </a:ext>
+            </a:extLst>
+          </p:cNvPr>
+          <p:cNvSpPr/>
+          <p:nvPr/>
+        </p:nvSpPr>
+        <p:spPr>
+          <a:xfrm>
+            <a:off x="12" y="0"/>
+            <a:ext cx="3490722" cy="5143500"/>
+          </a:xfrm>
+          <a:prstGeom prst="rect">
+            <a:avLst/>
+          </a:prstGeom>
+          <a:solidFill>
+            <a:srgbClr val="262626"/>
+          </a:solidFill>
+          <a:ln>
+            <a:noFill/>
+          </a:ln>
+        </p:spPr>
+        <p:style>
+          <a:lnRef idx="2">
+            <a:schemeClr val="accent1">
+              <a:shade val="50000"/>
+            </a:schemeClr>
+          </a:lnRef>
+          <a:fillRef idx="1">
+            <a:schemeClr val="accent1"/>
+          </a:fillRef>
+          <a:effectRef idx="0">
+            <a:schemeClr val="accent1"/>
+          </a:effectRef>
+          <a:fontRef idx="minor">
+            <a:schemeClr val="lt1"/>
+          </a:fontRef>
+        </p:style>
+      </p:sp>
+      <p:sp>
+        <p:nvSpPr>
+          <p:cNvPr id="2" name="제목 1"/>
+          <p:cNvSpPr>
+            <a:spLocks noGrp="1"/>
+          </p:cNvSpPr>
+          <p:nvPr>
+            <p:ph type="title" hasCustomPrompt="1"/>
+          </p:nvPr>
+        </p:nvSpPr>
+        <p:spPr>
+          <a:xfrm>
+            <a:off x="482600" y="589788"/>
+            <a:ext cx="2638175" cy="1570481"/>
+          </a:xfrm>
+        </p:spPr>
+        <p:txBody>
+          <a:bodyPr rtlCol="0" anchor="b">
+            <a:normAutofit/>
+          </a:bodyPr>
+          <a:lstStyle>
+            <a:lvl1pPr>
+              <a:lnSpc>
+                <a:spcPct val="90000"/>
+              </a:lnSpc>
+              <a:defRPr sz="2700" b="0">
+                <a:solidFill>
+                  <a:srgbClr val="FFFFFF"/>
+                </a:solidFill>
+                <a:latin typeface="+mj-ea"/>
+                <a:ea typeface="+mj-ea"/>
+              </a:defRPr>
+            </a:lvl1pPr>
+          </a:lstStyle>
+          <a:p>
+            <a:pPr rtl="0"/>
+            <a:r>
+              <a:rPr lang="ko" dirty="0"/>
+              <a:t>마스터 제목</a:t>
+            </a:r>
+            <a:br>
+              <a:rPr lang="en-US" altLang="ko" dirty="0"/>
+            </a:br>
+            <a:r>
+              <a:rPr lang="ko" dirty="0"/>
+              <a:t>스타일 편집</a:t>
+            </a:r>
+            <a:endParaRPr lang="en-US" dirty="0"/>
+          </a:p>
+        </p:txBody>
+      </p:sp>
+      <p:sp>
+        <p:nvSpPr>
+          <p:cNvPr id="3" name="내용 개체 틀 2"/>
+          <p:cNvSpPr>
+            <a:spLocks noGrp="1"/>
+          </p:cNvSpPr>
+          <p:nvPr>
+            <p:ph idx="1"/>
+          </p:nvPr>
+        </p:nvSpPr>
+        <p:spPr>
+          <a:xfrm>
+            <a:off x="4094238" y="609600"/>
+            <a:ext cx="4446258" cy="3971068"/>
+          </a:xfrm>
+        </p:spPr>
+        <p:txBody>
+          <a:bodyPr rtlCol="0"/>
+          <a:lstStyle>
+            <a:lvl1pPr>
+              <a:defRPr>
+                <a:latin typeface="+mj-ea"/>
+                <a:ea typeface="+mj-ea"/>
+              </a:defRPr>
+            </a:lvl1pPr>
+            <a:lvl2pPr>
+              <a:defRPr>
+                <a:latin typeface="+mj-ea"/>
+                <a:ea typeface="+mj-ea"/>
+              </a:defRPr>
+            </a:lvl2pPr>
+            <a:lvl3pPr>
+              <a:defRPr>
+                <a:latin typeface="+mj-ea"/>
+                <a:ea typeface="+mj-ea"/>
+              </a:defRPr>
+            </a:lvl3pPr>
+            <a:lvl4pPr>
+              <a:defRPr>
+                <a:latin typeface="+mj-ea"/>
+                <a:ea typeface="+mj-ea"/>
+              </a:defRPr>
+            </a:lvl4pPr>
+            <a:lvl5pPr>
+              <a:defRPr>
+                <a:latin typeface="+mj-ea"/>
+                <a:ea typeface="+mj-ea"/>
+              </a:defRPr>
+            </a:lvl5pPr>
+          </a:lstStyle>
+          <a:p>
+            <a:pPr lvl="0" rtl="0"/>
+            <a:r>
+              <a:rPr lang="ko-KR" altLang="en-US"/>
+              <a:t>마스터 텍스트 스타일을 편집하려면 클릭</a:t>
+            </a:r>
+          </a:p>
+          <a:p>
+            <a:pPr lvl="1" rtl="0"/>
+            <a:r>
+              <a:rPr lang="ko-KR" altLang="en-US"/>
+              <a:t>두 번째 수준</a:t>
+            </a:r>
+          </a:p>
+          <a:p>
+            <a:pPr lvl="2" rtl="0"/>
+            <a:r>
+              <a:rPr lang="ko-KR" altLang="en-US"/>
+              <a:t>세 번째 수준</a:t>
+            </a:r>
+          </a:p>
+          <a:p>
+            <a:pPr lvl="3" rtl="0"/>
+            <a:r>
+              <a:rPr lang="ko-KR" altLang="en-US"/>
+              <a:t>네 번째 수준</a:t>
+            </a:r>
+          </a:p>
+          <a:p>
+            <a:pPr lvl="4" rtl="0"/>
+            <a:r>
+              <a:rPr lang="ko-KR" altLang="en-US"/>
+              <a:t>다섯 번째 수준</a:t>
+            </a:r>
+            <a:endParaRPr lang="en-US" dirty="0"/>
+          </a:p>
+        </p:txBody>
+      </p:sp>
+      <p:sp>
+        <p:nvSpPr>
+          <p:cNvPr id="4" name="텍스트 개체 틀 3"/>
+          <p:cNvSpPr>
+            <a:spLocks noGrp="1"/>
+          </p:cNvSpPr>
+          <p:nvPr>
+            <p:ph type="body" sz="half" idx="2"/>
+          </p:nvPr>
+        </p:nvSpPr>
+        <p:spPr>
+          <a:xfrm>
+            <a:off x="482599" y="2282288"/>
+            <a:ext cx="2638175" cy="2298379"/>
+          </a:xfrm>
+        </p:spPr>
+        <p:txBody>
+          <a:bodyPr lIns="91440" rIns="91440" rtlCol="0">
+            <a:normAutofit/>
+          </a:bodyPr>
+          <a:lstStyle>
+            <a:lvl1pPr marL="0" indent="0">
+              <a:buNone/>
+              <a:defRPr sz="1350">
+                <a:solidFill>
+                  <a:srgbClr val="FFFFFF"/>
+                </a:solidFill>
+                <a:latin typeface="+mj-ea"/>
+                <a:ea typeface="+mj-ea"/>
+              </a:defRPr>
+            </a:lvl1pPr>
+            <a:lvl2pPr marL="342900" indent="0">
+              <a:buNone/>
+              <a:defRPr sz="900"/>
+            </a:lvl2pPr>
+            <a:lvl3pPr marL="685800" indent="0">
+              <a:buNone/>
+              <a:defRPr sz="750"/>
+            </a:lvl3pPr>
+            <a:lvl4pPr marL="1028700" indent="0">
+              <a:buNone/>
+              <a:defRPr sz="675"/>
+            </a:lvl4pPr>
+            <a:lvl5pPr marL="1371600" indent="0">
+              <a:buNone/>
+              <a:defRPr sz="675"/>
+            </a:lvl5pPr>
+            <a:lvl6pPr marL="1714500" indent="0">
+              <a:buNone/>
+              <a:defRPr sz="675"/>
+            </a:lvl6pPr>
+            <a:lvl7pPr marL="2057400" indent="0">
+              <a:buNone/>
+              <a:defRPr sz="675"/>
+            </a:lvl7pPr>
+            <a:lvl8pPr marL="2400300" indent="0">
+              <a:buNone/>
+              <a:defRPr sz="675"/>
+            </a:lvl8pPr>
+            <a:lvl9pPr marL="2743200" indent="0">
+              <a:buNone/>
+              <a:defRPr sz="675"/>
+            </a:lvl9pPr>
+          </a:lstStyle>
+          <a:p>
+            <a:pPr lvl="0" rtl="0"/>
+            <a:r>
+              <a:rPr lang="ko-KR" altLang="en-US"/>
+              <a:t>마스터 텍스트 스타일을 편집하려면 클릭</a:t>
+            </a:r>
+          </a:p>
+        </p:txBody>
+      </p:sp>
+      <p:sp>
+        <p:nvSpPr>
+          <p:cNvPr id="5" name="날짜 개체 틀 4"/>
+          <p:cNvSpPr>
+            <a:spLocks noGrp="1"/>
+          </p:cNvSpPr>
+          <p:nvPr>
+            <p:ph type="dt" sz="half" idx="10"/>
+          </p:nvPr>
+        </p:nvSpPr>
+        <p:spPr>
+          <a:xfrm>
+            <a:off x="482598" y="4834890"/>
+            <a:ext cx="2638176" cy="273844"/>
+          </a:xfrm>
+        </p:spPr>
+        <p:txBody>
+          <a:bodyPr rtlCol="0"/>
+          <a:lstStyle>
+            <a:lvl1pPr algn="l">
+              <a:defRPr>
+                <a:latin typeface="+mj-ea"/>
+                <a:ea typeface="+mj-ea"/>
+              </a:defRPr>
+            </a:lvl1pPr>
+          </a:lstStyle>
+          <a:p>
+            <a:fld id="{30F3E38E-E967-45FA-AE92-034CE4A74EA9}" type="datetime1">
+              <a:rPr lang="ko-KR" altLang="en-US" smtClean="0"/>
+              <a:t>2024-11-12</a:t>
+            </a:fld>
+            <a:endParaRPr lang="en-US" dirty="0"/>
+          </a:p>
+        </p:txBody>
+      </p:sp>
+      <p:sp>
+        <p:nvSpPr>
+          <p:cNvPr id="6" name="바닥글 개체 틀 5"/>
+          <p:cNvSpPr>
+            <a:spLocks noGrp="1"/>
+          </p:cNvSpPr>
+          <p:nvPr>
+            <p:ph type="ftr" sz="quarter" idx="11"/>
+          </p:nvPr>
+        </p:nvSpPr>
+        <p:spPr>
+          <a:xfrm>
+            <a:off x="4094238" y="4834890"/>
+            <a:ext cx="4000514" cy="273844"/>
+          </a:xfrm>
+        </p:spPr>
+        <p:txBody>
+          <a:bodyPr rtlCol="0"/>
+          <a:lstStyle>
+            <a:lvl1pPr algn="l">
+              <a:defRPr>
+                <a:solidFill>
+                  <a:schemeClr val="tx2"/>
+                </a:solidFill>
+                <a:latin typeface="+mj-ea"/>
+                <a:ea typeface="+mj-ea"/>
+              </a:defRPr>
+            </a:lvl1pPr>
+          </a:lstStyle>
+          <a:p>
+            <a:endParaRPr lang="en-US" dirty="0"/>
+          </a:p>
+        </p:txBody>
+      </p:sp>
+      <p:sp>
+        <p:nvSpPr>
+          <p:cNvPr id="7" name="슬라이드 번호 개체 틀 6"/>
+          <p:cNvSpPr>
+            <a:spLocks noGrp="1"/>
+          </p:cNvSpPr>
+          <p:nvPr>
+            <p:ph type="sldNum" sz="quarter" idx="12"/>
+          </p:nvPr>
+        </p:nvSpPr>
+        <p:spPr/>
+        <p:txBody>
+          <a:bodyPr rtlCol="0"/>
+          <a:lstStyle>
+            <a:lvl1pPr>
+              <a:defRPr>
+                <a:solidFill>
+                  <a:schemeClr val="tx2"/>
+                </a:solidFill>
+                <a:latin typeface="+mj-ea"/>
+                <a:ea typeface="+mj-ea"/>
+              </a:defRPr>
+            </a:lvl1pPr>
+          </a:lstStyle>
+          <a:p>
+            <a:fld id="{3A98EE3D-8CD1-4C3F-BD1C-C98C9596463C}" type="slidenum">
+              <a:rPr lang="en-US" smtClean="0"/>
+              <a:pPr/>
+              <a:t>‹#›</a:t>
+            </a:fld>
+            <a:endParaRPr lang="en-US" dirty="0"/>
+          </a:p>
+        </p:txBody>
+      </p:sp>
+    </p:spTree>
+    <p:extLst>
+      <p:ext uri="{BB962C8B-B14F-4D97-AF65-F5344CB8AC3E}">
+        <p14:creationId xmlns:p14="http://schemas.microsoft.com/office/powerpoint/2010/main" val="1371660483"/>
+      </p:ext>
+    </p:extLst>
+  </p:cSld>
+  <p:clrMapOvr>
+    <a:masterClrMapping/>
+  </p:clrMapOvr>
+</p:sldLayout>
+</file>
+
+<file path=ppt/slideLayouts/slideLayout13.xml><?xml version="1.0" encoding="utf-8"?>
+<p:sldLayout xmlns:a="http://schemas.openxmlformats.org/drawingml/2006/main" xmlns:r="http://schemas.openxmlformats.org/officeDocument/2006/relationships" xmlns:p="http://schemas.openxmlformats.org/presentationml/2006/main" type="twoObj">
+  <p:cSld name="내용 2개">
+    <p:spTree>
+      <p:nvGrpSpPr>
+        <p:cNvPr id="1" name=""/>
+        <p:cNvGrpSpPr/>
+        <p:nvPr/>
+      </p:nvGrpSpPr>
+      <p:grpSpPr>
+        <a:xfrm>
+          <a:off x="0" y="0"/>
+          <a:ext cx="0" cy="0"/>
+          <a:chOff x="0" y="0"/>
+          <a:chExt cx="0" cy="0"/>
+        </a:xfrm>
+      </p:grpSpPr>
+      <p:sp>
+        <p:nvSpPr>
+          <p:cNvPr id="8" name="제목 7"/>
+          <p:cNvSpPr>
+            <a:spLocks noGrp="1"/>
+          </p:cNvSpPr>
+          <p:nvPr>
+            <p:ph type="title"/>
+          </p:nvPr>
+        </p:nvSpPr>
+        <p:spPr>
+          <a:xfrm>
+            <a:off x="822960" y="214953"/>
+            <a:ext cx="7543800" cy="1088068"/>
+          </a:xfrm>
+        </p:spPr>
+        <p:txBody>
+          <a:bodyPr rtlCol="0"/>
+          <a:lstStyle>
+            <a:lvl1pPr>
+              <a:defRPr>
+                <a:latin typeface="+mj-ea"/>
+                <a:ea typeface="+mj-ea"/>
+              </a:defRPr>
+            </a:lvl1pPr>
+          </a:lstStyle>
+          <a:p>
+            <a:pPr rtl="0"/>
+            <a:r>
+              <a:rPr lang="ko-KR" altLang="en-US"/>
+              <a:t>마스터 제목 스타일 편집</a:t>
+            </a:r>
+            <a:endParaRPr lang="en-US" dirty="0"/>
+          </a:p>
+        </p:txBody>
+      </p:sp>
+      <p:sp>
+        <p:nvSpPr>
+          <p:cNvPr id="3" name="내용 개체 틀 2"/>
+          <p:cNvSpPr>
+            <a:spLocks noGrp="1"/>
+          </p:cNvSpPr>
+          <p:nvPr>
+            <p:ph sz="half" idx="1"/>
+          </p:nvPr>
+        </p:nvSpPr>
+        <p:spPr>
+          <a:xfrm>
+            <a:off x="822960" y="1590675"/>
+            <a:ext cx="3479802" cy="2811145"/>
+          </a:xfrm>
+        </p:spPr>
+        <p:txBody>
+          <a:bodyPr rtlCol="0"/>
+          <a:lstStyle>
+            <a:lvl1pPr>
+              <a:defRPr>
+                <a:latin typeface="+mj-ea"/>
+                <a:ea typeface="+mj-ea"/>
+              </a:defRPr>
+            </a:lvl1pPr>
+            <a:lvl2pPr>
+              <a:defRPr>
+                <a:latin typeface="+mj-ea"/>
+                <a:ea typeface="+mj-ea"/>
+              </a:defRPr>
+            </a:lvl2pPr>
+            <a:lvl3pPr>
+              <a:defRPr>
+                <a:latin typeface="+mj-ea"/>
+                <a:ea typeface="+mj-ea"/>
+              </a:defRPr>
+            </a:lvl3pPr>
+            <a:lvl4pPr>
+              <a:defRPr>
+                <a:latin typeface="+mj-ea"/>
+                <a:ea typeface="+mj-ea"/>
+              </a:defRPr>
+            </a:lvl4pPr>
+            <a:lvl5pPr>
+              <a:defRPr>
+                <a:latin typeface="+mj-ea"/>
+                <a:ea typeface="+mj-ea"/>
+              </a:defRPr>
+            </a:lvl5pPr>
+          </a:lstStyle>
+          <a:p>
+            <a:pPr lvl="0" rtl="0"/>
+            <a:r>
+              <a:rPr lang="ko-KR" altLang="en-US"/>
+              <a:t>마스터 텍스트 스타일을 편집하려면 클릭</a:t>
+            </a:r>
+          </a:p>
+          <a:p>
+            <a:pPr lvl="1" rtl="0"/>
+            <a:r>
+              <a:rPr lang="ko-KR" altLang="en-US"/>
+              <a:t>두 번째 수준</a:t>
+            </a:r>
+          </a:p>
+          <a:p>
+            <a:pPr lvl="2" rtl="0"/>
+            <a:r>
+              <a:rPr lang="ko-KR" altLang="en-US"/>
+              <a:t>세 번째 수준</a:t>
+            </a:r>
+          </a:p>
+          <a:p>
+            <a:pPr lvl="3" rtl="0"/>
+            <a:r>
+              <a:rPr lang="ko-KR" altLang="en-US"/>
+              <a:t>네 번째 수준</a:t>
+            </a:r>
+          </a:p>
+          <a:p>
+            <a:pPr lvl="4" rtl="0"/>
+            <a:r>
+              <a:rPr lang="ko-KR" altLang="en-US"/>
+              <a:t>다섯 번째 수준</a:t>
+            </a:r>
+            <a:endParaRPr lang="en-US" dirty="0"/>
+          </a:p>
+        </p:txBody>
+      </p:sp>
+      <p:sp>
+        <p:nvSpPr>
+          <p:cNvPr id="4" name="내용 개체 틀 3"/>
+          <p:cNvSpPr>
+            <a:spLocks noGrp="1"/>
+          </p:cNvSpPr>
+          <p:nvPr>
+            <p:ph sz="half" idx="2"/>
+          </p:nvPr>
+        </p:nvSpPr>
+        <p:spPr>
+          <a:xfrm>
+            <a:off x="4886958" y="1590675"/>
+            <a:ext cx="3479802" cy="2811146"/>
+          </a:xfrm>
+        </p:spPr>
+        <p:txBody>
+          <a:bodyPr rtlCol="0"/>
+          <a:lstStyle>
+            <a:lvl1pPr>
+              <a:defRPr>
+                <a:latin typeface="+mj-ea"/>
+                <a:ea typeface="+mj-ea"/>
+              </a:defRPr>
+            </a:lvl1pPr>
+            <a:lvl2pPr>
+              <a:defRPr>
+                <a:latin typeface="+mj-ea"/>
+                <a:ea typeface="+mj-ea"/>
+              </a:defRPr>
+            </a:lvl2pPr>
+            <a:lvl3pPr>
+              <a:defRPr>
+                <a:latin typeface="+mj-ea"/>
+                <a:ea typeface="+mj-ea"/>
+              </a:defRPr>
+            </a:lvl3pPr>
+            <a:lvl4pPr>
+              <a:defRPr>
+                <a:latin typeface="+mj-ea"/>
+                <a:ea typeface="+mj-ea"/>
+              </a:defRPr>
+            </a:lvl4pPr>
+            <a:lvl5pPr>
+              <a:defRPr>
+                <a:latin typeface="+mj-ea"/>
+                <a:ea typeface="+mj-ea"/>
+              </a:defRPr>
+            </a:lvl5pPr>
+          </a:lstStyle>
+          <a:p>
+            <a:pPr lvl="0" rtl="0"/>
+            <a:r>
+              <a:rPr lang="ko-KR" altLang="en-US"/>
+              <a:t>마스터 텍스트 스타일을 편집하려면 클릭</a:t>
+            </a:r>
+          </a:p>
+          <a:p>
+            <a:pPr lvl="1" rtl="0"/>
+            <a:r>
+              <a:rPr lang="ko-KR" altLang="en-US"/>
+              <a:t>두 번째 수준</a:t>
+            </a:r>
+          </a:p>
+          <a:p>
+            <a:pPr lvl="2" rtl="0"/>
+            <a:r>
+              <a:rPr lang="ko-KR" altLang="en-US"/>
+              <a:t>세 번째 수준</a:t>
+            </a:r>
+          </a:p>
+          <a:p>
+            <a:pPr lvl="3" rtl="0"/>
+            <a:r>
+              <a:rPr lang="ko-KR" altLang="en-US"/>
+              <a:t>네 번째 수준</a:t>
+            </a:r>
+          </a:p>
+          <a:p>
+            <a:pPr lvl="4" rtl="0"/>
+            <a:r>
+              <a:rPr lang="ko-KR" altLang="en-US"/>
+              <a:t>다섯 번째 수준</a:t>
+            </a:r>
+            <a:endParaRPr lang="en-US" dirty="0"/>
+          </a:p>
+        </p:txBody>
+      </p:sp>
+      <p:sp>
+        <p:nvSpPr>
+          <p:cNvPr id="2" name="날짜 개체 틀 1">
+            <a:extLst>
+              <a:ext uri="{FF2B5EF4-FFF2-40B4-BE49-F238E27FC236}">
+                <a16:creationId xmlns:a16="http://schemas.microsoft.com/office/drawing/2014/main" id="{5782D47D-B0DC-4C40-BCC6-BBBA32584A38}"/>
+              </a:ext>
+            </a:extLst>
+          </p:cNvPr>
+          <p:cNvSpPr>
+            <a:spLocks noGrp="1"/>
+          </p:cNvSpPr>
+          <p:nvPr>
+            <p:ph type="dt" sz="half" idx="10"/>
+          </p:nvPr>
+        </p:nvSpPr>
+        <p:spPr/>
+        <p:txBody>
+          <a:bodyPr rtlCol="0"/>
+          <a:lstStyle>
+            <a:lvl1pPr>
+              <a:defRPr>
+                <a:latin typeface="+mj-ea"/>
+                <a:ea typeface="+mj-ea"/>
+              </a:defRPr>
+            </a:lvl1pPr>
+          </a:lstStyle>
+          <a:p>
+            <a:fld id="{85468BB0-44F1-4D1F-AC45-CB226B0E2F66}" type="datetime1">
+              <a:rPr lang="ko-KR" altLang="en-US" smtClean="0"/>
+              <a:t>2024-11-12</a:t>
+            </a:fld>
+            <a:endParaRPr lang="en-US" dirty="0"/>
+          </a:p>
+        </p:txBody>
+      </p:sp>
+      <p:sp>
+        <p:nvSpPr>
+          <p:cNvPr id="9" name="바닥글 개체 틀 8">
+            <a:extLst>
+              <a:ext uri="{FF2B5EF4-FFF2-40B4-BE49-F238E27FC236}">
+                <a16:creationId xmlns:a16="http://schemas.microsoft.com/office/drawing/2014/main" id="{4690D34E-7EBD-44B2-83CA-4C126A18D7EF}"/>
+              </a:ext>
+            </a:extLst>
+          </p:cNvPr>
+          <p:cNvSpPr>
+            <a:spLocks noGrp="1"/>
+          </p:cNvSpPr>
+          <p:nvPr>
+            <p:ph type="ftr" sz="quarter" idx="11"/>
+          </p:nvPr>
+        </p:nvSpPr>
+        <p:spPr/>
+        <p:txBody>
+          <a:bodyPr rtlCol="0"/>
+          <a:lstStyle>
+            <a:lvl1pPr>
+              <a:defRPr>
+                <a:latin typeface="+mj-ea"/>
+                <a:ea typeface="+mj-ea"/>
+              </a:defRPr>
+            </a:lvl1pPr>
+          </a:lstStyle>
+          <a:p>
+            <a:endParaRPr lang="en-US" dirty="0"/>
+          </a:p>
+        </p:txBody>
+      </p:sp>
+      <p:sp>
+        <p:nvSpPr>
+          <p:cNvPr id="10" name="슬라이드 번호 개체 틀 9">
+            <a:extLst>
+              <a:ext uri="{FF2B5EF4-FFF2-40B4-BE49-F238E27FC236}">
+                <a16:creationId xmlns:a16="http://schemas.microsoft.com/office/drawing/2014/main" id="{2AC511A1-9BBD-42DE-92FB-2AF44F8E97A9}"/>
+              </a:ext>
+            </a:extLst>
+          </p:cNvPr>
+          <p:cNvSpPr>
+            <a:spLocks noGrp="1"/>
+          </p:cNvSpPr>
+          <p:nvPr>
+            <p:ph type="sldNum" sz="quarter" idx="12"/>
+          </p:nvPr>
+        </p:nvSpPr>
+        <p:spPr/>
+        <p:txBody>
+          <a:bodyPr rtlCol="0"/>
+          <a:lstStyle>
+            <a:lvl1pPr>
+              <a:defRPr>
+                <a:latin typeface="+mj-ea"/>
+                <a:ea typeface="+mj-ea"/>
+              </a:defRPr>
+            </a:lvl1pPr>
+          </a:lstStyle>
+          <a:p>
+            <a:fld id="{3A98EE3D-8CD1-4C3F-BD1C-C98C9596463C}" type="slidenum">
+              <a:rPr lang="en-US" smtClean="0"/>
+              <a:pPr/>
+              <a:t>‹#›</a:t>
+            </a:fld>
+            <a:endParaRPr lang="en-US" dirty="0"/>
+          </a:p>
+        </p:txBody>
+      </p:sp>
+    </p:spTree>
+    <p:extLst>
+      <p:ext uri="{BB962C8B-B14F-4D97-AF65-F5344CB8AC3E}">
+        <p14:creationId xmlns:p14="http://schemas.microsoft.com/office/powerpoint/2010/main" val="601369702"/>
+      </p:ext>
+    </p:extLst>
+  </p:cSld>
+  <p:clrMapOvr>
+    <a:masterClrMapping/>
+  </p:clrMapOvr>
+</p:sldLayout>
+</file>
+
+<file path=ppt/slideLayouts/slideLayout14.xml><?xml version="1.0" encoding="utf-8"?>
+<p:sldLayout xmlns:a="http://schemas.openxmlformats.org/drawingml/2006/main" xmlns:r="http://schemas.openxmlformats.org/officeDocument/2006/relationships" xmlns:p="http://schemas.openxmlformats.org/presentationml/2006/main" showMasterSp="0" type="picTx">
+  <p:cSld name="캡션 있는 그림">
+    <p:spTree>
+      <p:nvGrpSpPr>
+        <p:cNvPr id="1" name=""/>
+        <p:cNvGrpSpPr/>
+        <p:nvPr/>
+      </p:nvGrpSpPr>
+      <p:grpSpPr>
+        <a:xfrm>
+          <a:off x="0" y="0"/>
+          <a:ext cx="0" cy="0"/>
+          <a:chOff x="0" y="0"/>
+          <a:chExt cx="0" cy="0"/>
+        </a:xfrm>
+      </p:grpSpPr>
+      <p:sp>
+        <p:nvSpPr>
+          <p:cNvPr id="8" name="직사각형 7">
+            <a:extLst>
+              <a:ext uri="{FF2B5EF4-FFF2-40B4-BE49-F238E27FC236}">
+                <a16:creationId xmlns:a16="http://schemas.microsoft.com/office/drawing/2014/main" id="{DA134939-39C0-4522-A125-A13DFDA66490}"/>
+              </a:ext>
+            </a:extLst>
+          </p:cNvPr>
+          <p:cNvSpPr/>
+          <p:nvPr/>
+        </p:nvSpPr>
+        <p:spPr>
+          <a:xfrm>
+            <a:off x="0" y="3433762"/>
+            <a:ext cx="9141619" cy="1709738"/>
+          </a:xfrm>
+          <a:prstGeom prst="rect">
+            <a:avLst/>
+          </a:prstGeom>
+          <a:solidFill>
+            <a:srgbClr val="262626"/>
+          </a:solidFill>
+          <a:ln>
+            <a:noFill/>
+          </a:ln>
+        </p:spPr>
+        <p:style>
+          <a:lnRef idx="2">
+            <a:schemeClr val="accent1">
+              <a:shade val="50000"/>
+            </a:schemeClr>
+          </a:lnRef>
+          <a:fillRef idx="1">
+            <a:schemeClr val="accent1"/>
+          </a:fillRef>
+          <a:effectRef idx="0">
+            <a:schemeClr val="accent1"/>
+          </a:effectRef>
+          <a:fontRef idx="minor">
+            <a:schemeClr val="lt1"/>
+          </a:fontRef>
+        </p:style>
+      </p:sp>
+      <p:sp>
+        <p:nvSpPr>
+          <p:cNvPr id="3" name="그림 개체 틀 2"/>
+          <p:cNvSpPr>
+            <a:spLocks noGrp="1" noChangeAspect="1"/>
+          </p:cNvSpPr>
+          <p:nvPr>
+            <p:ph type="pic" idx="1"/>
+          </p:nvPr>
+        </p:nvSpPr>
+        <p:spPr>
+          <a:xfrm>
+            <a:off x="12" y="0"/>
+            <a:ext cx="9143989" cy="3433763"/>
+          </a:xfrm>
+          <a:solidFill>
+            <a:schemeClr val="bg1">
+              <a:lumMod val="85000"/>
+            </a:schemeClr>
+          </a:solidFill>
+        </p:spPr>
+        <p:txBody>
+          <a:bodyPr lIns="457200" tIns="457200" rtlCol="0" anchor="t"/>
+          <a:lstStyle>
+            <a:lvl1pPr marL="0" indent="0">
+              <a:buNone/>
+              <a:defRPr sz="2400">
+                <a:latin typeface="+mj-ea"/>
+                <a:ea typeface="+mj-ea"/>
+              </a:defRPr>
+            </a:lvl1pPr>
+            <a:lvl2pPr marL="342900" indent="0">
+              <a:buNone/>
+              <a:defRPr sz="2100"/>
+            </a:lvl2pPr>
+            <a:lvl3pPr marL="685800" indent="0">
+              <a:buNone/>
+              <a:defRPr sz="1800"/>
+            </a:lvl3pPr>
+            <a:lvl4pPr marL="1028700" indent="0">
+              <a:buNone/>
+              <a:defRPr sz="1500"/>
+            </a:lvl4pPr>
+            <a:lvl5pPr marL="1371600" indent="0">
+              <a:buNone/>
+              <a:defRPr sz="1500"/>
+            </a:lvl5pPr>
+            <a:lvl6pPr marL="1714500" indent="0">
+              <a:buNone/>
+              <a:defRPr sz="1500"/>
+            </a:lvl6pPr>
+            <a:lvl7pPr marL="2057400" indent="0">
+              <a:buNone/>
+              <a:defRPr sz="1500"/>
+            </a:lvl7pPr>
+            <a:lvl8pPr marL="2400300" indent="0">
+              <a:buNone/>
+              <a:defRPr sz="1500"/>
+            </a:lvl8pPr>
+            <a:lvl9pPr marL="2743200" indent="0">
+              <a:buNone/>
+              <a:defRPr sz="1500"/>
+            </a:lvl9pPr>
+          </a:lstStyle>
+          <a:p>
+            <a:pPr rtl="0"/>
+            <a:r>
+              <a:rPr lang="ko-KR" altLang="en-US" dirty="0"/>
+              <a:t>그림을 추가하려면 아이콘을 클릭하십시오</a:t>
+            </a:r>
+            <a:endParaRPr lang="en-US" dirty="0"/>
+          </a:p>
+        </p:txBody>
+      </p:sp>
+      <p:sp>
+        <p:nvSpPr>
+          <p:cNvPr id="2" name="제목 1"/>
+          <p:cNvSpPr>
+            <a:spLocks noGrp="1"/>
+          </p:cNvSpPr>
+          <p:nvPr>
+            <p:ph type="title"/>
+          </p:nvPr>
+        </p:nvSpPr>
+        <p:spPr>
+          <a:xfrm>
+            <a:off x="822960" y="3599521"/>
+            <a:ext cx="7585234" cy="557762"/>
+          </a:xfrm>
+        </p:spPr>
+        <p:txBody>
+          <a:bodyPr tIns="0" bIns="0" rtlCol="0" anchor="b">
+            <a:noAutofit/>
+          </a:bodyPr>
+          <a:lstStyle>
+            <a:lvl1pPr>
+              <a:defRPr sz="2700" b="0">
+                <a:solidFill>
+                  <a:srgbClr val="FFFFFF"/>
+                </a:solidFill>
+                <a:latin typeface="+mj-ea"/>
+                <a:ea typeface="+mj-ea"/>
+              </a:defRPr>
+            </a:lvl1pPr>
+          </a:lstStyle>
+          <a:p>
+            <a:pPr rtl="0"/>
+            <a:r>
+              <a:rPr lang="ko-KR" altLang="en-US"/>
+              <a:t>마스터 제목 스타일 편집</a:t>
+            </a:r>
+            <a:endParaRPr lang="en-US" dirty="0"/>
+          </a:p>
+        </p:txBody>
+      </p:sp>
+      <p:sp>
+        <p:nvSpPr>
+          <p:cNvPr id="4" name="텍스트 개체 틀 3"/>
+          <p:cNvSpPr>
+            <a:spLocks noGrp="1"/>
+          </p:cNvSpPr>
+          <p:nvPr>
+            <p:ph type="body" sz="half" idx="2"/>
+          </p:nvPr>
+        </p:nvSpPr>
+        <p:spPr>
+          <a:xfrm>
+            <a:off x="822959" y="4286250"/>
+            <a:ext cx="7584948" cy="457200"/>
+          </a:xfrm>
+        </p:spPr>
+        <p:txBody>
+          <a:bodyPr lIns="91440" tIns="0" rIns="91440" bIns="0" rtlCol="0">
+            <a:normAutofit/>
+          </a:bodyPr>
+          <a:lstStyle>
+            <a:lvl1pPr marL="0" indent="0">
+              <a:spcBef>
+                <a:spcPts val="0"/>
+              </a:spcBef>
+              <a:spcAft>
+                <a:spcPts val="450"/>
+              </a:spcAft>
+              <a:buNone/>
+              <a:defRPr sz="1350">
+                <a:solidFill>
+                  <a:srgbClr val="FFFFFF"/>
+                </a:solidFill>
+                <a:latin typeface="+mj-ea"/>
+                <a:ea typeface="+mj-ea"/>
+              </a:defRPr>
+            </a:lvl1pPr>
+            <a:lvl2pPr marL="342900" indent="0">
+              <a:buNone/>
+              <a:defRPr sz="900"/>
+            </a:lvl2pPr>
+            <a:lvl3pPr marL="685800" indent="0">
+              <a:buNone/>
+              <a:defRPr sz="750"/>
+            </a:lvl3pPr>
+            <a:lvl4pPr marL="1028700" indent="0">
+              <a:buNone/>
+              <a:defRPr sz="675"/>
+            </a:lvl4pPr>
+            <a:lvl5pPr marL="1371600" indent="0">
+              <a:buNone/>
+              <a:defRPr sz="675"/>
+            </a:lvl5pPr>
+            <a:lvl6pPr marL="1714500" indent="0">
+              <a:buNone/>
+              <a:defRPr sz="675"/>
+            </a:lvl6pPr>
+            <a:lvl7pPr marL="2057400" indent="0">
+              <a:buNone/>
+              <a:defRPr sz="675"/>
+            </a:lvl7pPr>
+            <a:lvl8pPr marL="2400300" indent="0">
+              <a:buNone/>
+              <a:defRPr sz="675"/>
+            </a:lvl8pPr>
+            <a:lvl9pPr marL="2743200" indent="0">
+              <a:buNone/>
+              <a:defRPr sz="675"/>
+            </a:lvl9pPr>
+          </a:lstStyle>
+          <a:p>
+            <a:pPr lvl="0" rtl="0"/>
+            <a:r>
+              <a:rPr lang="ko-KR" altLang="en-US"/>
+              <a:t>마스터 텍스트 스타일을 편집하려면 클릭</a:t>
+            </a:r>
+          </a:p>
+        </p:txBody>
+      </p:sp>
+      <p:sp>
+        <p:nvSpPr>
+          <p:cNvPr id="5" name="날짜 개체 틀 4"/>
+          <p:cNvSpPr>
+            <a:spLocks noGrp="1"/>
+          </p:cNvSpPr>
+          <p:nvPr>
+            <p:ph type="dt" sz="half" idx="10"/>
+          </p:nvPr>
+        </p:nvSpPr>
+        <p:spPr/>
+        <p:txBody>
+          <a:bodyPr rtlCol="0"/>
+          <a:lstStyle>
+            <a:lvl1pPr>
+              <a:defRPr>
+                <a:latin typeface="+mj-ea"/>
+                <a:ea typeface="+mj-ea"/>
+              </a:defRPr>
+            </a:lvl1pPr>
+          </a:lstStyle>
+          <a:p>
+            <a:fld id="{5AD4E46A-4D08-462A-B135-DFCEE5BFB50C}" type="datetime1">
+              <a:rPr lang="ko-KR" altLang="en-US" smtClean="0"/>
+              <a:t>2024-11-12</a:t>
+            </a:fld>
+            <a:endParaRPr lang="en-US" dirty="0"/>
+          </a:p>
+        </p:txBody>
+      </p:sp>
+      <p:sp>
+        <p:nvSpPr>
+          <p:cNvPr id="6" name="바닥글 개체 틀 5"/>
+          <p:cNvSpPr>
+            <a:spLocks noGrp="1"/>
+          </p:cNvSpPr>
+          <p:nvPr>
+            <p:ph type="ftr" sz="quarter" idx="11"/>
+          </p:nvPr>
+        </p:nvSpPr>
+        <p:spPr>
+          <a:xfrm>
+            <a:off x="822959" y="4835129"/>
+            <a:ext cx="5113697" cy="273844"/>
+          </a:xfrm>
+        </p:spPr>
+        <p:txBody>
+          <a:bodyPr rtlCol="0"/>
+          <a:lstStyle>
+            <a:lvl1pPr>
+              <a:defRPr>
+                <a:latin typeface="+mj-ea"/>
+                <a:ea typeface="+mj-ea"/>
+              </a:defRPr>
+            </a:lvl1pPr>
+          </a:lstStyle>
+          <a:p>
+            <a:endParaRPr lang="en-US" dirty="0"/>
+          </a:p>
+        </p:txBody>
+      </p:sp>
+      <p:sp>
+        <p:nvSpPr>
+          <p:cNvPr id="7" name="슬라이드 번호 개체 틀 6"/>
+          <p:cNvSpPr>
+            <a:spLocks noGrp="1"/>
+          </p:cNvSpPr>
+          <p:nvPr>
+            <p:ph type="sldNum" sz="quarter" idx="12"/>
+          </p:nvPr>
+        </p:nvSpPr>
+        <p:spPr/>
+        <p:txBody>
+          <a:bodyPr rtlCol="0"/>
+          <a:lstStyle>
+            <a:lvl1pPr>
+              <a:defRPr>
+                <a:latin typeface="+mj-ea"/>
+                <a:ea typeface="+mj-ea"/>
+              </a:defRPr>
+            </a:lvl1pPr>
+          </a:lstStyle>
+          <a:p>
+            <a:fld id="{3A98EE3D-8CD1-4C3F-BD1C-C98C9596463C}" type="slidenum">
+              <a:rPr lang="en-US" smtClean="0"/>
+              <a:pPr/>
+              <a:t>‹#›</a:t>
+            </a:fld>
+            <a:endParaRPr lang="en-US" dirty="0"/>
+          </a:p>
+        </p:txBody>
+      </p:sp>
+    </p:spTree>
+    <p:extLst>
+      <p:ext uri="{BB962C8B-B14F-4D97-AF65-F5344CB8AC3E}">
+        <p14:creationId xmlns:p14="http://schemas.microsoft.com/office/powerpoint/2010/main" val="1800747522"/>
+      </p:ext>
+    </p:extLst>
+  </p:cSld>
+  <p:clrMapOvr>
+    <a:masterClrMapping/>
+  </p:clrMapOvr>
+</p:sldLayout>
+</file>
+
+<file path=ppt/slideLayouts/slideLayout15.xml><?xml version="1.0" encoding="utf-8"?>
+<p:sldLayout xmlns:a="http://schemas.openxmlformats.org/drawingml/2006/main" xmlns:r="http://schemas.openxmlformats.org/officeDocument/2006/relationships" xmlns:p="http://schemas.openxmlformats.org/presentationml/2006/main" type="obj">
+  <p:cSld name="제목 및 내용">
+    <p:spTree>
+      <p:nvGrpSpPr>
+        <p:cNvPr id="1" name=""/>
+        <p:cNvGrpSpPr/>
+        <p:nvPr/>
+      </p:nvGrpSpPr>
+      <p:grpSpPr>
+        <a:xfrm>
+          <a:off x="0" y="0"/>
+          <a:ext cx="0" cy="0"/>
+          <a:chOff x="0" y="0"/>
+          <a:chExt cx="0" cy="0"/>
+        </a:xfrm>
+      </p:grpSpPr>
+      <p:sp>
+        <p:nvSpPr>
+          <p:cNvPr id="2" name="제목 1"/>
+          <p:cNvSpPr>
+            <a:spLocks noGrp="1"/>
+          </p:cNvSpPr>
+          <p:nvPr>
+            <p:ph type="title"/>
+          </p:nvPr>
+        </p:nvSpPr>
+        <p:spPr/>
+        <p:txBody>
+          <a:bodyPr rtlCol="0"/>
+          <a:lstStyle>
+            <a:lvl1pPr>
+              <a:defRPr>
+                <a:latin typeface="+mj-ea"/>
+                <a:ea typeface="+mj-ea"/>
+              </a:defRPr>
+            </a:lvl1pPr>
+          </a:lstStyle>
+          <a:p>
+            <a:pPr rtl="0"/>
+            <a:r>
+              <a:rPr lang="ko-KR" altLang="en-US"/>
+              <a:t>마스터 제목 스타일 편집</a:t>
+            </a:r>
+            <a:endParaRPr lang="en-US" dirty="0"/>
+          </a:p>
+        </p:txBody>
+      </p:sp>
+      <p:sp>
+        <p:nvSpPr>
+          <p:cNvPr id="3" name="내용 개체 틀 2"/>
+          <p:cNvSpPr>
+            <a:spLocks noGrp="1"/>
+          </p:cNvSpPr>
+          <p:nvPr>
+            <p:ph idx="1"/>
+          </p:nvPr>
+        </p:nvSpPr>
+        <p:spPr/>
+        <p:txBody>
+          <a:bodyPr rtlCol="0"/>
+          <a:lstStyle>
+            <a:lvl1pPr>
+              <a:defRPr>
+                <a:latin typeface="+mj-ea"/>
+                <a:ea typeface="+mj-ea"/>
+              </a:defRPr>
+            </a:lvl1pPr>
+            <a:lvl2pPr>
+              <a:defRPr>
+                <a:latin typeface="+mj-ea"/>
+                <a:ea typeface="+mj-ea"/>
+              </a:defRPr>
+            </a:lvl2pPr>
+            <a:lvl3pPr>
+              <a:defRPr>
+                <a:latin typeface="+mj-ea"/>
+                <a:ea typeface="+mj-ea"/>
+              </a:defRPr>
+            </a:lvl3pPr>
+            <a:lvl4pPr>
+              <a:defRPr>
+                <a:latin typeface="+mj-ea"/>
+                <a:ea typeface="+mj-ea"/>
+              </a:defRPr>
+            </a:lvl4pPr>
+            <a:lvl5pPr>
+              <a:defRPr>
+                <a:latin typeface="+mj-ea"/>
+                <a:ea typeface="+mj-ea"/>
+              </a:defRPr>
+            </a:lvl5pPr>
+          </a:lstStyle>
+          <a:p>
+            <a:pPr lvl="0" rtl="0"/>
+            <a:r>
+              <a:rPr lang="ko-KR" altLang="en-US"/>
+              <a:t>마스터 텍스트 스타일을 편집하려면 클릭</a:t>
+            </a:r>
+          </a:p>
+          <a:p>
+            <a:pPr lvl="1" rtl="0"/>
+            <a:r>
+              <a:rPr lang="ko-KR" altLang="en-US"/>
+              <a:t>두 번째 수준</a:t>
+            </a:r>
+          </a:p>
+          <a:p>
+            <a:pPr lvl="2" rtl="0"/>
+            <a:r>
+              <a:rPr lang="ko-KR" altLang="en-US"/>
+              <a:t>세 번째 수준</a:t>
+            </a:r>
+          </a:p>
+          <a:p>
+            <a:pPr lvl="3" rtl="0"/>
+            <a:r>
+              <a:rPr lang="ko-KR" altLang="en-US"/>
+              <a:t>네 번째 수준</a:t>
+            </a:r>
+          </a:p>
+          <a:p>
+            <a:pPr lvl="4" rtl="0"/>
+            <a:r>
+              <a:rPr lang="ko-KR" altLang="en-US"/>
+              <a:t>다섯 번째 수준</a:t>
+            </a:r>
+            <a:endParaRPr lang="en-US" dirty="0"/>
+          </a:p>
+        </p:txBody>
+      </p:sp>
+      <p:sp>
+        <p:nvSpPr>
+          <p:cNvPr id="7" name="날짜 개체 틀 6">
+            <a:extLst>
+              <a:ext uri="{FF2B5EF4-FFF2-40B4-BE49-F238E27FC236}">
+                <a16:creationId xmlns:a16="http://schemas.microsoft.com/office/drawing/2014/main" id="{354D8B55-9EA8-4B81-8E84-9B93B0A27559}"/>
+              </a:ext>
+            </a:extLst>
+          </p:cNvPr>
+          <p:cNvSpPr>
+            <a:spLocks noGrp="1"/>
+          </p:cNvSpPr>
+          <p:nvPr>
+            <p:ph type="dt" sz="half" idx="10"/>
+          </p:nvPr>
+        </p:nvSpPr>
+        <p:spPr/>
+        <p:txBody>
+          <a:bodyPr rtlCol="0"/>
+          <a:lstStyle>
+            <a:lvl1pPr>
+              <a:defRPr>
+                <a:latin typeface="+mj-ea"/>
+                <a:ea typeface="+mj-ea"/>
+              </a:defRPr>
+            </a:lvl1pPr>
+          </a:lstStyle>
+          <a:p>
+            <a:fld id="{0928AFF6-6AB7-414D-9F63-AFAC896DC2A1}" type="datetime1">
+              <a:rPr lang="ko-KR" altLang="en-US" smtClean="0"/>
+              <a:t>2024-11-12</a:t>
+            </a:fld>
+            <a:endParaRPr lang="en-US" dirty="0"/>
+          </a:p>
+        </p:txBody>
+      </p:sp>
+      <p:sp>
+        <p:nvSpPr>
+          <p:cNvPr id="8" name="바닥글 개체 틀 7">
+            <a:extLst>
+              <a:ext uri="{FF2B5EF4-FFF2-40B4-BE49-F238E27FC236}">
+                <a16:creationId xmlns:a16="http://schemas.microsoft.com/office/drawing/2014/main" id="{062CA021-2578-47CB-822C-BDDFF7223B28}"/>
+              </a:ext>
+            </a:extLst>
+          </p:cNvPr>
+          <p:cNvSpPr>
+            <a:spLocks noGrp="1"/>
+          </p:cNvSpPr>
+          <p:nvPr>
+            <p:ph type="ftr" sz="quarter" idx="11"/>
+          </p:nvPr>
+        </p:nvSpPr>
+        <p:spPr/>
+        <p:txBody>
+          <a:bodyPr rtlCol="0"/>
+          <a:lstStyle>
+            <a:lvl1pPr>
+              <a:defRPr>
+                <a:latin typeface="+mj-ea"/>
+                <a:ea typeface="+mj-ea"/>
+              </a:defRPr>
+            </a:lvl1pPr>
+          </a:lstStyle>
+          <a:p>
+            <a:endParaRPr lang="en-US" dirty="0"/>
+          </a:p>
+        </p:txBody>
+      </p:sp>
+      <p:sp>
+        <p:nvSpPr>
+          <p:cNvPr id="9" name="슬라이드 번호 개체 틀 8">
+            <a:extLst>
+              <a:ext uri="{FF2B5EF4-FFF2-40B4-BE49-F238E27FC236}">
+                <a16:creationId xmlns:a16="http://schemas.microsoft.com/office/drawing/2014/main" id="{C4AAB51D-4141-4682-9375-DAFD5FB9DD10}"/>
+              </a:ext>
+            </a:extLst>
+          </p:cNvPr>
+          <p:cNvSpPr>
+            <a:spLocks noGrp="1"/>
+          </p:cNvSpPr>
+          <p:nvPr>
+            <p:ph type="sldNum" sz="quarter" idx="12"/>
+          </p:nvPr>
+        </p:nvSpPr>
+        <p:spPr/>
+        <p:txBody>
+          <a:bodyPr rtlCol="0"/>
+          <a:lstStyle>
+            <a:lvl1pPr>
+              <a:defRPr>
+                <a:latin typeface="+mj-ea"/>
+                <a:ea typeface="+mj-ea"/>
+              </a:defRPr>
+            </a:lvl1pPr>
+          </a:lstStyle>
+          <a:p>
+            <a:fld id="{3A98EE3D-8CD1-4C3F-BD1C-C98C9596463C}" type="slidenum">
+              <a:rPr lang="en-US" smtClean="0"/>
+              <a:pPr/>
+              <a:t>‹#›</a:t>
+            </a:fld>
+            <a:endParaRPr lang="en-US" dirty="0"/>
+          </a:p>
+        </p:txBody>
+      </p:sp>
+    </p:spTree>
+    <p:extLst>
+      <p:ext uri="{BB962C8B-B14F-4D97-AF65-F5344CB8AC3E}">
+        <p14:creationId xmlns:p14="http://schemas.microsoft.com/office/powerpoint/2010/main" val="3450293549"/>
+      </p:ext>
+    </p:extLst>
   </p:cSld>
   <p:clrMapOvr>
     <a:masterClrMapping/>
@@ -8677,6 +12599,10 @@
     <p:sldLayoutId id="2147483656" r:id="rId9"/>
     <p:sldLayoutId id="2147483657" r:id="rId10"/>
     <p:sldLayoutId id="2147483658" r:id="rId11"/>
+    <p:sldLayoutId id="2147483660" r:id="rId12"/>
+    <p:sldLayoutId id="2147483661" r:id="rId13"/>
+    <p:sldLayoutId id="2147483662" r:id="rId14"/>
+    <p:sldLayoutId id="2147483663" r:id="rId15"/>
   </p:sldLayoutIdLst>
   <p:hf sldNum="0" hdr="0" ftr="0" dt="0"/>
   <p:txStyles>
@@ -9808,6 +13734,2779 @@
 </p:sld>
 </file>
 
+<file path=ppt/slides/slide10.xml><?xml version="1.0" encoding="utf-8"?>
+<p:sld xmlns:a="http://schemas.openxmlformats.org/drawingml/2006/main" xmlns:r="http://schemas.openxmlformats.org/officeDocument/2006/relationships" xmlns:p="http://schemas.openxmlformats.org/presentationml/2006/main">
+  <p:cSld>
+    <p:spTree>
+      <p:nvGrpSpPr>
+        <p:cNvPr id="1" name="">
+          <a:extLst>
+            <a:ext uri="{FF2B5EF4-FFF2-40B4-BE49-F238E27FC236}">
+              <a16:creationId xmlns:a16="http://schemas.microsoft.com/office/drawing/2014/main" id="{4E4CA15E-BEB7-D4F4-1ED2-D95512A41B83}"/>
+            </a:ext>
+          </a:extLst>
+        </p:cNvPr>
+        <p:cNvGrpSpPr/>
+        <p:nvPr/>
+      </p:nvGrpSpPr>
+      <p:grpSpPr>
+        <a:xfrm>
+          <a:off x="0" y="0"/>
+          <a:ext cx="0" cy="0"/>
+          <a:chOff x="0" y="0"/>
+          <a:chExt cx="0" cy="0"/>
+        </a:xfrm>
+      </p:grpSpPr>
+      <p:pic>
+        <p:nvPicPr>
+          <p:cNvPr id="1026" name="Picture 2">
+            <a:extLst>
+              <a:ext uri="{FF2B5EF4-FFF2-40B4-BE49-F238E27FC236}">
+                <a16:creationId xmlns:a16="http://schemas.microsoft.com/office/drawing/2014/main" id="{96E82A62-9A2D-FB46-12D3-6B6279378842}"/>
+              </a:ext>
+            </a:extLst>
+          </p:cNvPr>
+          <p:cNvPicPr>
+            <a:picLocks noChangeAspect="1" noChangeArrowheads="1"/>
+          </p:cNvPicPr>
+          <p:nvPr/>
+        </p:nvPicPr>
+        <p:blipFill>
+          <a:blip r:embed="rId3">
+            <a:extLst>
+              <a:ext uri="{28A0092B-C50C-407E-A947-70E740481C1C}">
+                <a14:useLocalDpi xmlns:a14="http://schemas.microsoft.com/office/drawing/2010/main" val="0"/>
+              </a:ext>
+            </a:extLst>
+          </a:blip>
+          <a:srcRect t="1179"/>
+          <a:stretch/>
+        </p:blipFill>
+        <p:spPr bwMode="auto">
+          <a:xfrm>
+            <a:off x="12" y="8"/>
+            <a:ext cx="9143989" cy="3433755"/>
+          </a:xfrm>
+          <a:prstGeom prst="rect">
+            <a:avLst/>
+          </a:prstGeom>
+          <a:solidFill>
+            <a:srgbClr val="FFFFFF"/>
+          </a:solidFill>
+        </p:spPr>
+      </p:pic>
+      <p:sp>
+        <p:nvSpPr>
+          <p:cNvPr id="2" name="제목 1">
+            <a:extLst>
+              <a:ext uri="{FF2B5EF4-FFF2-40B4-BE49-F238E27FC236}">
+                <a16:creationId xmlns:a16="http://schemas.microsoft.com/office/drawing/2014/main" id="{6FA024D4-D91C-178B-261D-B6B195BC60B9}"/>
+              </a:ext>
+            </a:extLst>
+          </p:cNvPr>
+          <p:cNvSpPr>
+            <a:spLocks noGrp="1"/>
+          </p:cNvSpPr>
+          <p:nvPr>
+            <p:ph type="title"/>
+          </p:nvPr>
+        </p:nvSpPr>
+        <p:spPr>
+          <a:xfrm>
+            <a:off x="822960" y="3599521"/>
+            <a:ext cx="7585234" cy="557762"/>
+          </a:xfrm>
+        </p:spPr>
+        <p:txBody>
+          <a:bodyPr anchor="b">
+            <a:normAutofit/>
+          </a:bodyPr>
+          <a:lstStyle/>
+          <a:p>
+            <a:r>
+              <a:rPr lang="en-US" altLang="ko-KR" dirty="0" err="1"/>
+              <a:t>mIoU</a:t>
+            </a:r>
+            <a:endParaRPr lang="ko-KR" altLang="en-US" dirty="0"/>
+          </a:p>
+        </p:txBody>
+      </p:sp>
+      <p:sp>
+        <p:nvSpPr>
+          <p:cNvPr id="4" name="텍스트 개체 틀 3">
+            <a:extLst>
+              <a:ext uri="{FF2B5EF4-FFF2-40B4-BE49-F238E27FC236}">
+                <a16:creationId xmlns:a16="http://schemas.microsoft.com/office/drawing/2014/main" id="{9511BBB5-A9EB-23F2-9C81-C2DBDC221918}"/>
+              </a:ext>
+            </a:extLst>
+          </p:cNvPr>
+          <p:cNvSpPr>
+            <a:spLocks noGrp="1"/>
+          </p:cNvSpPr>
+          <p:nvPr>
+            <p:ph type="body" sz="half" idx="2"/>
+          </p:nvPr>
+        </p:nvSpPr>
+        <p:spPr>
+          <a:xfrm>
+            <a:off x="822959" y="4286250"/>
+            <a:ext cx="7584948" cy="457200"/>
+          </a:xfrm>
+        </p:spPr>
+        <p:txBody>
+          <a:bodyPr>
+            <a:normAutofit fontScale="85000" lnSpcReduction="20000"/>
+          </a:bodyPr>
+          <a:lstStyle/>
+          <a:p>
+            <a:r>
+              <a:rPr lang="en-US" altLang="ko-KR" dirty="0"/>
+              <a:t>Mean Intersection over Union</a:t>
+            </a:r>
+          </a:p>
+          <a:p>
+            <a:r>
+              <a:rPr lang="en-US" altLang="ko-KR" dirty="0"/>
+              <a:t>Semi-supervised learning for semantic segmentation</a:t>
+            </a:r>
+            <a:r>
+              <a:rPr lang="ko-KR" altLang="en-US" dirty="0"/>
+              <a:t>에서 주로 쓰이는 평가 지표임</a:t>
+            </a:r>
+            <a:r>
+              <a:rPr lang="en-US" altLang="ko-KR" dirty="0"/>
+              <a:t>.</a:t>
+            </a:r>
+            <a:endParaRPr lang="ko-KR" altLang="en-US" dirty="0"/>
+          </a:p>
+        </p:txBody>
+      </p:sp>
+      <p:sp>
+        <p:nvSpPr>
+          <p:cNvPr id="5" name="날짜 개체 틀 4">
+            <a:extLst>
+              <a:ext uri="{FF2B5EF4-FFF2-40B4-BE49-F238E27FC236}">
+                <a16:creationId xmlns:a16="http://schemas.microsoft.com/office/drawing/2014/main" id="{AF05EE7B-1AF4-C3A8-D751-2D0FAB27AE17}"/>
+              </a:ext>
+            </a:extLst>
+          </p:cNvPr>
+          <p:cNvSpPr>
+            <a:spLocks noGrp="1"/>
+          </p:cNvSpPr>
+          <p:nvPr>
+            <p:ph type="dt" sz="half" idx="10"/>
+          </p:nvPr>
+        </p:nvSpPr>
+        <p:spPr>
+          <a:xfrm>
+            <a:off x="7137410" y="4822883"/>
+            <a:ext cx="1938638" cy="273844"/>
+          </a:xfrm>
+        </p:spPr>
+        <p:txBody>
+          <a:bodyPr anchor="ctr">
+            <a:normAutofit fontScale="47500" lnSpcReduction="20000"/>
+          </a:bodyPr>
+          <a:lstStyle/>
+          <a:p>
+            <a:pPr>
+              <a:spcAft>
+                <a:spcPts val="450"/>
+              </a:spcAft>
+            </a:pPr>
+            <a:r>
+              <a:rPr lang="ko-KR" altLang="en-US" dirty="0"/>
+              <a:t> 이미지 출처</a:t>
+            </a:r>
+            <a:r>
+              <a:rPr lang="en-US" altLang="ko-KR" dirty="0"/>
+              <a:t>:https://itforfun.tistory.com/143</a:t>
+            </a:r>
+            <a:endParaRPr lang="en-US" dirty="0"/>
+          </a:p>
+        </p:txBody>
+      </p:sp>
+    </p:spTree>
+    <p:extLst>
+      <p:ext uri="{BB962C8B-B14F-4D97-AF65-F5344CB8AC3E}">
+        <p14:creationId xmlns:p14="http://schemas.microsoft.com/office/powerpoint/2010/main" val="4275555188"/>
+      </p:ext>
+    </p:extLst>
+  </p:cSld>
+  <p:clrMapOvr>
+    <a:masterClrMapping/>
+  </p:clrMapOvr>
+</p:sld>
+</file>
+
+<file path=ppt/slides/slide11.xml><?xml version="1.0" encoding="utf-8"?>
+<p:sld xmlns:a="http://schemas.openxmlformats.org/drawingml/2006/main" xmlns:r="http://schemas.openxmlformats.org/officeDocument/2006/relationships" xmlns:p="http://schemas.openxmlformats.org/presentationml/2006/main">
+  <p:cSld>
+    <p:spTree>
+      <p:nvGrpSpPr>
+        <p:cNvPr id="1" name="">
+          <a:extLst>
+            <a:ext uri="{FF2B5EF4-FFF2-40B4-BE49-F238E27FC236}">
+              <a16:creationId xmlns:a16="http://schemas.microsoft.com/office/drawing/2014/main" id="{6D745738-D5C2-4F85-0E48-44859EA1DD12}"/>
+            </a:ext>
+          </a:extLst>
+        </p:cNvPr>
+        <p:cNvGrpSpPr/>
+        <p:nvPr/>
+      </p:nvGrpSpPr>
+      <p:grpSpPr>
+        <a:xfrm>
+          <a:off x="0" y="0"/>
+          <a:ext cx="0" cy="0"/>
+          <a:chOff x="0" y="0"/>
+          <a:chExt cx="0" cy="0"/>
+        </a:xfrm>
+      </p:grpSpPr>
+      <p:sp>
+        <p:nvSpPr>
+          <p:cNvPr id="2" name="제목 1">
+            <a:extLst>
+              <a:ext uri="{FF2B5EF4-FFF2-40B4-BE49-F238E27FC236}">
+                <a16:creationId xmlns:a16="http://schemas.microsoft.com/office/drawing/2014/main" id="{597FC352-5783-EEE0-327B-4DDBBE02D630}"/>
+              </a:ext>
+            </a:extLst>
+          </p:cNvPr>
+          <p:cNvSpPr>
+            <a:spLocks noGrp="1"/>
+          </p:cNvSpPr>
+          <p:nvPr>
+            <p:ph type="title"/>
+          </p:nvPr>
+        </p:nvSpPr>
+        <p:spPr/>
+        <p:txBody>
+          <a:bodyPr/>
+          <a:lstStyle/>
+          <a:p>
+            <a:r>
+              <a:rPr lang="ko-KR" altLang="en-US" dirty="0"/>
+              <a:t>일반적인 </a:t>
+            </a:r>
+            <a:r>
+              <a:rPr lang="en-US" altLang="ko-KR" dirty="0"/>
+              <a:t>SSSS</a:t>
+            </a:r>
+            <a:r>
+              <a:rPr lang="ko-KR" altLang="en-US" dirty="0"/>
+              <a:t>의 학습 방법</a:t>
+            </a:r>
+          </a:p>
+        </p:txBody>
+      </p:sp>
+      <p:sp>
+        <p:nvSpPr>
+          <p:cNvPr id="5" name="날짜 개체 틀 4">
+            <a:extLst>
+              <a:ext uri="{FF2B5EF4-FFF2-40B4-BE49-F238E27FC236}">
+                <a16:creationId xmlns:a16="http://schemas.microsoft.com/office/drawing/2014/main" id="{73959FC7-C9D5-974E-73E8-7C6FF3DB3746}"/>
+              </a:ext>
+            </a:extLst>
+          </p:cNvPr>
+          <p:cNvSpPr>
+            <a:spLocks noGrp="1"/>
+          </p:cNvSpPr>
+          <p:nvPr>
+            <p:ph type="dt" sz="half" idx="10"/>
+          </p:nvPr>
+        </p:nvSpPr>
+        <p:spPr/>
+        <p:txBody>
+          <a:bodyPr/>
+          <a:lstStyle/>
+          <a:p>
+            <a:fld id="{85468BB0-44F1-4D1F-AC45-CB226B0E2F66}" type="datetime1">
+              <a:rPr lang="ko-KR" altLang="en-US" smtClean="0"/>
+              <a:t>2024-11-12</a:t>
+            </a:fld>
+            <a:endParaRPr lang="en-US" dirty="0"/>
+          </a:p>
+        </p:txBody>
+      </p:sp>
+      <p:sp>
+        <p:nvSpPr>
+          <p:cNvPr id="16" name="직사각형 15">
+            <a:extLst>
+              <a:ext uri="{FF2B5EF4-FFF2-40B4-BE49-F238E27FC236}">
+                <a16:creationId xmlns:a16="http://schemas.microsoft.com/office/drawing/2014/main" id="{E74A2494-89B0-FB00-A515-CDD2723F51FC}"/>
+              </a:ext>
+            </a:extLst>
+          </p:cNvPr>
+          <p:cNvSpPr/>
+          <p:nvPr/>
+        </p:nvSpPr>
+        <p:spPr>
+          <a:xfrm>
+            <a:off x="8897699" y="2045984"/>
+            <a:ext cx="55578" cy="78581"/>
+          </a:xfrm>
+          <a:prstGeom prst="rect">
+            <a:avLst/>
+          </a:prstGeom>
+          <a:solidFill>
+            <a:schemeClr val="bg1"/>
+          </a:solidFill>
+          <a:ln>
+            <a:noFill/>
+          </a:ln>
+        </p:spPr>
+        <p:style>
+          <a:lnRef idx="2">
+            <a:schemeClr val="accent1">
+              <a:shade val="15000"/>
+            </a:schemeClr>
+          </a:lnRef>
+          <a:fillRef idx="1">
+            <a:schemeClr val="accent1"/>
+          </a:fillRef>
+          <a:effectRef idx="0">
+            <a:schemeClr val="accent1"/>
+          </a:effectRef>
+          <a:fontRef idx="minor">
+            <a:schemeClr val="lt1"/>
+          </a:fontRef>
+        </p:style>
+        <p:txBody>
+          <a:bodyPr rtlCol="0" anchor="ctr"/>
+          <a:lstStyle/>
+          <a:p>
+            <a:pPr algn="ctr"/>
+            <a:endParaRPr lang="ko-KR" altLang="en-US" sz="1050"/>
+          </a:p>
+        </p:txBody>
+      </p:sp>
+      <p:sp>
+        <p:nvSpPr>
+          <p:cNvPr id="17" name="직사각형 16">
+            <a:extLst>
+              <a:ext uri="{FF2B5EF4-FFF2-40B4-BE49-F238E27FC236}">
+                <a16:creationId xmlns:a16="http://schemas.microsoft.com/office/drawing/2014/main" id="{63939A86-9A80-D139-D48F-4DE3748AEB2E}"/>
+              </a:ext>
+            </a:extLst>
+          </p:cNvPr>
+          <p:cNvSpPr/>
+          <p:nvPr/>
+        </p:nvSpPr>
+        <p:spPr>
+          <a:xfrm>
+            <a:off x="203735" y="1678735"/>
+            <a:ext cx="3086100" cy="2513654"/>
+          </a:xfrm>
+          <a:prstGeom prst="rect">
+            <a:avLst/>
+          </a:prstGeom>
+          <a:noFill/>
+          <a:ln w="28575">
+            <a:solidFill>
+              <a:srgbClr val="385D8A"/>
+            </a:solidFill>
+            <a:prstDash val="sysDash"/>
+          </a:ln>
+        </p:spPr>
+        <p:style>
+          <a:lnRef idx="2">
+            <a:schemeClr val="accent1">
+              <a:shade val="15000"/>
+            </a:schemeClr>
+          </a:lnRef>
+          <a:fillRef idx="1">
+            <a:schemeClr val="accent1"/>
+          </a:fillRef>
+          <a:effectRef idx="0">
+            <a:schemeClr val="accent1"/>
+          </a:effectRef>
+          <a:fontRef idx="minor">
+            <a:schemeClr val="lt1"/>
+          </a:fontRef>
+        </p:style>
+        <p:txBody>
+          <a:bodyPr rtlCol="0" anchor="ctr"/>
+          <a:lstStyle/>
+          <a:p>
+            <a:pPr algn="ctr"/>
+            <a:endParaRPr lang="ko-KR" altLang="en-US" sz="1050" dirty="0"/>
+          </a:p>
+        </p:txBody>
+      </p:sp>
+      <p:sp>
+        <p:nvSpPr>
+          <p:cNvPr id="18" name="직사각형 17">
+            <a:extLst>
+              <a:ext uri="{FF2B5EF4-FFF2-40B4-BE49-F238E27FC236}">
+                <a16:creationId xmlns:a16="http://schemas.microsoft.com/office/drawing/2014/main" id="{B957B3B5-D012-FF69-0FB2-B04264FCEAA0}"/>
+              </a:ext>
+            </a:extLst>
+          </p:cNvPr>
+          <p:cNvSpPr/>
+          <p:nvPr/>
+        </p:nvSpPr>
+        <p:spPr>
+          <a:xfrm>
+            <a:off x="3467070" y="1678736"/>
+            <a:ext cx="5285394" cy="2513654"/>
+          </a:xfrm>
+          <a:prstGeom prst="rect">
+            <a:avLst/>
+          </a:prstGeom>
+          <a:noFill/>
+          <a:ln w="28575">
+            <a:solidFill>
+              <a:srgbClr val="385D8A"/>
+            </a:solidFill>
+            <a:prstDash val="sysDash"/>
+          </a:ln>
+        </p:spPr>
+        <p:style>
+          <a:lnRef idx="2">
+            <a:schemeClr val="accent1">
+              <a:shade val="15000"/>
+            </a:schemeClr>
+          </a:lnRef>
+          <a:fillRef idx="1">
+            <a:schemeClr val="accent1"/>
+          </a:fillRef>
+          <a:effectRef idx="0">
+            <a:schemeClr val="accent1"/>
+          </a:effectRef>
+          <a:fontRef idx="minor">
+            <a:schemeClr val="lt1"/>
+          </a:fontRef>
+        </p:style>
+        <p:txBody>
+          <a:bodyPr rtlCol="0" anchor="ctr"/>
+          <a:lstStyle/>
+          <a:p>
+            <a:pPr algn="ctr"/>
+            <a:endParaRPr lang="ko-KR" altLang="en-US" sz="1050" dirty="0"/>
+          </a:p>
+        </p:txBody>
+      </p:sp>
+      <p:sp>
+        <p:nvSpPr>
+          <p:cNvPr id="19" name="TextBox 18">
+            <a:extLst>
+              <a:ext uri="{FF2B5EF4-FFF2-40B4-BE49-F238E27FC236}">
+                <a16:creationId xmlns:a16="http://schemas.microsoft.com/office/drawing/2014/main" id="{037D61CB-A207-FE50-08E4-B8FB634910F9}"/>
+              </a:ext>
+            </a:extLst>
+          </p:cNvPr>
+          <p:cNvSpPr txBox="1"/>
+          <p:nvPr/>
+        </p:nvSpPr>
+        <p:spPr>
+          <a:xfrm>
+            <a:off x="736224" y="4075085"/>
+            <a:ext cx="1965545" cy="415498"/>
+          </a:xfrm>
+          <a:prstGeom prst="rect">
+            <a:avLst/>
+          </a:prstGeom>
+          <a:solidFill>
+            <a:schemeClr val="bg1"/>
+          </a:solidFill>
+        </p:spPr>
+        <p:txBody>
+          <a:bodyPr wrap="square" rtlCol="0">
+            <a:spAutoFit/>
+          </a:bodyPr>
+          <a:lstStyle/>
+          <a:p>
+            <a:pPr algn="ctr"/>
+            <a:r>
+              <a:rPr lang="en-US" altLang="ko-KR" sz="1050" dirty="0">
+                <a:latin typeface="Times New Roman" panose="02020603050405020304" pitchFamily="18" charset="0"/>
+                <a:cs typeface="Times New Roman" panose="02020603050405020304" pitchFamily="18" charset="0"/>
+              </a:rPr>
+              <a:t>Teacher-student based framework</a:t>
+            </a:r>
+            <a:endParaRPr lang="ko-KR" altLang="en-US" sz="1050" dirty="0">
+              <a:latin typeface="Times New Roman" panose="02020603050405020304" pitchFamily="18" charset="0"/>
+              <a:cs typeface="Times New Roman" panose="02020603050405020304" pitchFamily="18" charset="0"/>
+            </a:endParaRPr>
+          </a:p>
+        </p:txBody>
+      </p:sp>
+      <p:sp>
+        <p:nvSpPr>
+          <p:cNvPr id="20" name="TextBox 19">
+            <a:extLst>
+              <a:ext uri="{FF2B5EF4-FFF2-40B4-BE49-F238E27FC236}">
+                <a16:creationId xmlns:a16="http://schemas.microsoft.com/office/drawing/2014/main" id="{5DD7EF73-DDE6-CDF7-4D7F-C9474322E09E}"/>
+              </a:ext>
+            </a:extLst>
+          </p:cNvPr>
+          <p:cNvSpPr txBox="1"/>
+          <p:nvPr/>
+        </p:nvSpPr>
+        <p:spPr>
+          <a:xfrm>
+            <a:off x="5310938" y="4075085"/>
+            <a:ext cx="1627107" cy="253916"/>
+          </a:xfrm>
+          <a:prstGeom prst="rect">
+            <a:avLst/>
+          </a:prstGeom>
+          <a:solidFill>
+            <a:schemeClr val="bg1"/>
+          </a:solidFill>
+        </p:spPr>
+        <p:txBody>
+          <a:bodyPr wrap="square" rtlCol="0">
+            <a:spAutoFit/>
+          </a:bodyPr>
+          <a:lstStyle/>
+          <a:p>
+            <a:pPr algn="ctr"/>
+            <a:r>
+              <a:rPr lang="en-US" altLang="ko-KR" sz="1050" dirty="0">
+                <a:latin typeface="Times New Roman" panose="02020603050405020304" pitchFamily="18" charset="0"/>
+                <a:cs typeface="Times New Roman" panose="02020603050405020304" pitchFamily="18" charset="0"/>
+              </a:rPr>
+              <a:t>Consistency regularization</a:t>
+            </a:r>
+            <a:endParaRPr lang="ko-KR" altLang="en-US" sz="1050" dirty="0">
+              <a:latin typeface="Times New Roman" panose="02020603050405020304" pitchFamily="18" charset="0"/>
+              <a:cs typeface="Times New Roman" panose="02020603050405020304" pitchFamily="18" charset="0"/>
+            </a:endParaRPr>
+          </a:p>
+        </p:txBody>
+      </p:sp>
+      <p:pic>
+        <p:nvPicPr>
+          <p:cNvPr id="21" name="그림 20">
+            <a:extLst>
+              <a:ext uri="{FF2B5EF4-FFF2-40B4-BE49-F238E27FC236}">
+                <a16:creationId xmlns:a16="http://schemas.microsoft.com/office/drawing/2014/main" id="{A6B11FA4-90A4-A7A4-7719-4A4DBDD981FA}"/>
+              </a:ext>
+            </a:extLst>
+          </p:cNvPr>
+          <p:cNvPicPr>
+            <a:picLocks noChangeAspect="1"/>
+          </p:cNvPicPr>
+          <p:nvPr/>
+        </p:nvPicPr>
+        <p:blipFill>
+          <a:blip r:embed="rId3"/>
+          <a:stretch>
+            <a:fillRect/>
+          </a:stretch>
+        </p:blipFill>
+        <p:spPr>
+          <a:xfrm>
+            <a:off x="263537" y="1901087"/>
+            <a:ext cx="2978148" cy="2064243"/>
+          </a:xfrm>
+          <a:prstGeom prst="rect">
+            <a:avLst/>
+          </a:prstGeom>
+        </p:spPr>
+      </p:pic>
+      <p:pic>
+        <p:nvPicPr>
+          <p:cNvPr id="22" name="그림 21">
+            <a:extLst>
+              <a:ext uri="{FF2B5EF4-FFF2-40B4-BE49-F238E27FC236}">
+                <a16:creationId xmlns:a16="http://schemas.microsoft.com/office/drawing/2014/main" id="{BF2538E5-10AC-F27D-D71B-9580D4F2A9D1}"/>
+              </a:ext>
+            </a:extLst>
+          </p:cNvPr>
+          <p:cNvPicPr>
+            <a:picLocks noChangeAspect="1"/>
+          </p:cNvPicPr>
+          <p:nvPr/>
+        </p:nvPicPr>
+        <p:blipFill>
+          <a:blip r:embed="rId4"/>
+          <a:stretch>
+            <a:fillRect/>
+          </a:stretch>
+        </p:blipFill>
+        <p:spPr>
+          <a:xfrm>
+            <a:off x="3677409" y="1938561"/>
+            <a:ext cx="2301847" cy="1974175"/>
+          </a:xfrm>
+          <a:prstGeom prst="rect">
+            <a:avLst/>
+          </a:prstGeom>
+        </p:spPr>
+      </p:pic>
+      <p:pic>
+        <p:nvPicPr>
+          <p:cNvPr id="23" name="Picture 2" descr="mdpi.com">
+            <a:extLst>
+              <a:ext uri="{FF2B5EF4-FFF2-40B4-BE49-F238E27FC236}">
+                <a16:creationId xmlns:a16="http://schemas.microsoft.com/office/drawing/2014/main" id="{5FE4345F-19F2-80C4-DCA5-638C081F7B52}"/>
+              </a:ext>
+            </a:extLst>
+          </p:cNvPr>
+          <p:cNvPicPr>
+            <a:picLocks noChangeAspect="1" noChangeArrowheads="1"/>
+          </p:cNvPicPr>
+          <p:nvPr/>
+        </p:nvPicPr>
+        <p:blipFill>
+          <a:blip r:embed="rId5">
+            <a:extLst>
+              <a:ext uri="{28A0092B-C50C-407E-A947-70E740481C1C}">
+                <a14:useLocalDpi xmlns:a14="http://schemas.microsoft.com/office/drawing/2010/main" val="0"/>
+              </a:ext>
+            </a:extLst>
+          </a:blip>
+          <a:srcRect/>
+          <a:stretch>
+            <a:fillRect/>
+          </a:stretch>
+        </p:blipFill>
+        <p:spPr bwMode="auto">
+          <a:xfrm>
+            <a:off x="6124491" y="1938561"/>
+            <a:ext cx="2430998" cy="1975529"/>
+          </a:xfrm>
+          <a:prstGeom prst="rect">
+            <a:avLst/>
+          </a:prstGeom>
+          <a:noFill/>
+          <a:extLst>
+            <a:ext uri="{909E8E84-426E-40DD-AFC4-6F175D3DCCD1}">
+              <a14:hiddenFill xmlns:a14="http://schemas.microsoft.com/office/drawing/2010/main">
+                <a:solidFill>
+                  <a:srgbClr val="FFFFFF"/>
+                </a:solidFill>
+              </a14:hiddenFill>
+            </a:ext>
+          </a:extLst>
+        </p:spPr>
+      </p:pic>
+      <p:sp>
+        <p:nvSpPr>
+          <p:cNvPr id="4" name="TextBox 3">
+            <a:extLst>
+              <a:ext uri="{FF2B5EF4-FFF2-40B4-BE49-F238E27FC236}">
+                <a16:creationId xmlns:a16="http://schemas.microsoft.com/office/drawing/2014/main" id="{1AF84A40-9359-CD1E-0A17-B0D70E4A204F}"/>
+              </a:ext>
+            </a:extLst>
+          </p:cNvPr>
+          <p:cNvSpPr txBox="1"/>
+          <p:nvPr/>
+        </p:nvSpPr>
+        <p:spPr>
+          <a:xfrm>
+            <a:off x="694181" y="4350380"/>
+            <a:ext cx="4572000" cy="415498"/>
+          </a:xfrm>
+          <a:prstGeom prst="rect">
+            <a:avLst/>
+          </a:prstGeom>
+          <a:noFill/>
+        </p:spPr>
+        <p:txBody>
+          <a:bodyPr wrap="square">
+            <a:spAutoFit/>
+          </a:bodyPr>
+          <a:lstStyle/>
+          <a:p>
+            <a:r>
+              <a:rPr lang="el-GR" altLang="ko-KR" sz="1050" i="1" dirty="0">
+                <a:latin typeface="KaTeX_Math"/>
+              </a:rPr>
+              <a:t>θ</a:t>
+            </a:r>
+            <a:r>
+              <a:rPr lang="en-US" altLang="ko-KR" sz="1050" i="1" dirty="0">
+                <a:latin typeface="KaTeX_Math"/>
+              </a:rPr>
+              <a:t>t</a:t>
+            </a:r>
+            <a:r>
+              <a:rPr lang="en-US" altLang="ko-KR" sz="1050" dirty="0"/>
+              <a:t>′​=</a:t>
+            </a:r>
+            <a:r>
+              <a:rPr lang="el-GR" altLang="ko-KR" sz="1050" i="1" dirty="0">
+                <a:latin typeface="KaTeX_Math"/>
+              </a:rPr>
+              <a:t>αθ</a:t>
+            </a:r>
+            <a:r>
+              <a:rPr lang="en-US" altLang="ko-KR" sz="1050" i="1" dirty="0">
+                <a:latin typeface="KaTeX_Math"/>
+              </a:rPr>
+              <a:t>t</a:t>
+            </a:r>
+            <a:r>
+              <a:rPr lang="en-US" altLang="ko-KR" sz="1050" dirty="0"/>
+              <a:t>−1′​+(1−</a:t>
+            </a:r>
+            <a:r>
+              <a:rPr lang="el-GR" altLang="ko-KR" sz="1050" i="1" dirty="0">
+                <a:latin typeface="KaTeX_Math"/>
+              </a:rPr>
+              <a:t>α</a:t>
+            </a:r>
+            <a:r>
+              <a:rPr lang="el-GR" altLang="ko-KR" sz="1050" dirty="0"/>
+              <a:t>)</a:t>
+            </a:r>
+            <a:r>
+              <a:rPr lang="el-GR" altLang="ko-KR" sz="1050" i="1" dirty="0">
+                <a:latin typeface="KaTeX_Math"/>
+              </a:rPr>
+              <a:t>θ</a:t>
+            </a:r>
+            <a:br>
+              <a:rPr lang="el-GR" altLang="ko-KR" sz="1050" dirty="0">
+                <a:latin typeface="KaTeX_Main"/>
+              </a:rPr>
+            </a:br>
+            <a:endParaRPr lang="ko-KR" altLang="en-US" sz="1050" dirty="0"/>
+          </a:p>
+        </p:txBody>
+      </p:sp>
+    </p:spTree>
+    <p:extLst>
+      <p:ext uri="{BB962C8B-B14F-4D97-AF65-F5344CB8AC3E}">
+        <p14:creationId xmlns:p14="http://schemas.microsoft.com/office/powerpoint/2010/main" val="3220067515"/>
+      </p:ext>
+    </p:extLst>
+  </p:cSld>
+  <p:clrMapOvr>
+    <a:masterClrMapping/>
+  </p:clrMapOvr>
+</p:sld>
+</file>
+
+<file path=ppt/slides/slide12.xml><?xml version="1.0" encoding="utf-8"?>
+<p:sld xmlns:a="http://schemas.openxmlformats.org/drawingml/2006/main" xmlns:r="http://schemas.openxmlformats.org/officeDocument/2006/relationships" xmlns:p="http://schemas.openxmlformats.org/presentationml/2006/main">
+  <p:cSld>
+    <p:spTree>
+      <p:nvGrpSpPr>
+        <p:cNvPr id="1" name="">
+          <a:extLst>
+            <a:ext uri="{FF2B5EF4-FFF2-40B4-BE49-F238E27FC236}">
+              <a16:creationId xmlns:a16="http://schemas.microsoft.com/office/drawing/2014/main" id="{57B7B2CC-4014-CBA4-BC58-C6DB02477938}"/>
+            </a:ext>
+          </a:extLst>
+        </p:cNvPr>
+        <p:cNvGrpSpPr/>
+        <p:nvPr/>
+      </p:nvGrpSpPr>
+      <p:grpSpPr>
+        <a:xfrm>
+          <a:off x="0" y="0"/>
+          <a:ext cx="0" cy="0"/>
+          <a:chOff x="0" y="0"/>
+          <a:chExt cx="0" cy="0"/>
+        </a:xfrm>
+      </p:grpSpPr>
+      <p:sp>
+        <p:nvSpPr>
+          <p:cNvPr id="2" name="제목 1">
+            <a:extLst>
+              <a:ext uri="{FF2B5EF4-FFF2-40B4-BE49-F238E27FC236}">
+                <a16:creationId xmlns:a16="http://schemas.microsoft.com/office/drawing/2014/main" id="{B6BF771E-E0E8-12D9-1709-9BB50C5A3F47}"/>
+              </a:ext>
+            </a:extLst>
+          </p:cNvPr>
+          <p:cNvSpPr>
+            <a:spLocks noGrp="1"/>
+          </p:cNvSpPr>
+          <p:nvPr>
+            <p:ph type="title"/>
+          </p:nvPr>
+        </p:nvSpPr>
+        <p:spPr>
+          <a:xfrm>
+            <a:off x="482600" y="589788"/>
+            <a:ext cx="2638175" cy="1570481"/>
+          </a:xfrm>
+        </p:spPr>
+        <p:txBody>
+          <a:bodyPr anchor="b">
+            <a:normAutofit/>
+          </a:bodyPr>
+          <a:lstStyle/>
+          <a:p>
+            <a:r>
+              <a:rPr lang="en-US" altLang="ko-KR" dirty="0"/>
+              <a:t>Problems</a:t>
+            </a:r>
+            <a:r>
+              <a:rPr lang="ko-KR" altLang="en-US" dirty="0"/>
+              <a:t> </a:t>
+            </a:r>
+            <a:r>
+              <a:rPr lang="en-US" altLang="ko-KR" dirty="0"/>
+              <a:t>of</a:t>
+            </a:r>
+            <a:r>
+              <a:rPr lang="ko-KR" altLang="en-US" dirty="0"/>
+              <a:t> </a:t>
+            </a:r>
+            <a:r>
+              <a:rPr lang="en-US" altLang="ko-KR" dirty="0"/>
+              <a:t>conventional</a:t>
+            </a:r>
+            <a:r>
+              <a:rPr lang="ko-KR" altLang="en-US" dirty="0"/>
+              <a:t> </a:t>
+            </a:r>
+            <a:r>
+              <a:rPr lang="en-US" altLang="ko-KR" dirty="0"/>
+              <a:t>methods</a:t>
+            </a:r>
+            <a:endParaRPr lang="ko-KR" altLang="en-US" dirty="0"/>
+          </a:p>
+        </p:txBody>
+      </p:sp>
+      <p:pic>
+        <p:nvPicPr>
+          <p:cNvPr id="7" name="그림 6">
+            <a:extLst>
+              <a:ext uri="{FF2B5EF4-FFF2-40B4-BE49-F238E27FC236}">
+                <a16:creationId xmlns:a16="http://schemas.microsoft.com/office/drawing/2014/main" id="{B9C620FE-EABB-9C84-3305-27F42C96A5C7}"/>
+              </a:ext>
+            </a:extLst>
+          </p:cNvPr>
+          <p:cNvPicPr>
+            <a:picLocks noChangeAspect="1"/>
+          </p:cNvPicPr>
+          <p:nvPr/>
+        </p:nvPicPr>
+        <p:blipFill>
+          <a:blip r:embed="rId3"/>
+          <a:stretch>
+            <a:fillRect/>
+          </a:stretch>
+        </p:blipFill>
+        <p:spPr>
+          <a:xfrm>
+            <a:off x="4574630" y="609600"/>
+            <a:ext cx="3485474" cy="3971068"/>
+          </a:xfrm>
+          <a:prstGeom prst="rect">
+            <a:avLst/>
+          </a:prstGeom>
+          <a:noFill/>
+        </p:spPr>
+      </p:pic>
+      <p:sp>
+        <p:nvSpPr>
+          <p:cNvPr id="14" name="Text Placeholder 3">
+            <a:extLst>
+              <a:ext uri="{FF2B5EF4-FFF2-40B4-BE49-F238E27FC236}">
+                <a16:creationId xmlns:a16="http://schemas.microsoft.com/office/drawing/2014/main" id="{542D6741-714F-3C2D-73E3-D0D602A8F133}"/>
+              </a:ext>
+            </a:extLst>
+          </p:cNvPr>
+          <p:cNvSpPr>
+            <a:spLocks noGrp="1"/>
+          </p:cNvSpPr>
+          <p:nvPr>
+            <p:ph type="body" sz="half" idx="2"/>
+          </p:nvPr>
+        </p:nvSpPr>
+        <p:spPr>
+          <a:xfrm>
+            <a:off x="482599" y="2282288"/>
+            <a:ext cx="2638175" cy="2298379"/>
+          </a:xfrm>
+        </p:spPr>
+        <p:txBody>
+          <a:bodyPr>
+            <a:normAutofit lnSpcReduction="10000"/>
+          </a:bodyPr>
+          <a:lstStyle/>
+          <a:p>
+            <a:r>
+              <a:rPr lang="en-US" altLang="ko-KR" dirty="0"/>
+              <a:t>Figure 1(a)</a:t>
+            </a:r>
+            <a:r>
+              <a:rPr lang="ko-KR" altLang="en-US" dirty="0"/>
+              <a:t>를 확인하면</a:t>
+            </a:r>
+            <a:endParaRPr lang="en-US" altLang="ko-KR" dirty="0"/>
+          </a:p>
+          <a:p>
+            <a:r>
+              <a:rPr lang="ko-KR" altLang="en-US" dirty="0"/>
+              <a:t>기존의 방법은 </a:t>
+            </a:r>
+            <a:r>
+              <a:rPr lang="en-US" altLang="ko-KR" dirty="0"/>
+              <a:t>training flow</a:t>
+            </a:r>
+            <a:r>
+              <a:rPr lang="ko-KR" altLang="en-US" dirty="0"/>
+              <a:t>에서 </a:t>
+            </a:r>
+            <a:r>
+              <a:rPr lang="en-US" altLang="ko-KR" dirty="0"/>
+              <a:t>labeled data</a:t>
+            </a:r>
+            <a:r>
+              <a:rPr lang="ko-KR" altLang="en-US" dirty="0"/>
+              <a:t>와 </a:t>
+            </a:r>
+            <a:r>
+              <a:rPr lang="en-US" altLang="ko-KR" dirty="0"/>
+              <a:t>unlabeled data</a:t>
+            </a:r>
+            <a:r>
+              <a:rPr lang="ko-KR" altLang="en-US" dirty="0"/>
+              <a:t>가 완전히 분리되었으며</a:t>
+            </a:r>
+            <a:r>
+              <a:rPr lang="en-US" altLang="ko-KR" dirty="0"/>
+              <a:t>,</a:t>
+            </a:r>
+          </a:p>
+          <a:p>
+            <a:r>
+              <a:rPr lang="ko-KR" altLang="en-US" dirty="0"/>
+              <a:t>그 결과로</a:t>
+            </a:r>
+            <a:r>
+              <a:rPr lang="en-US" altLang="ko-KR" dirty="0"/>
+              <a:t> Figure </a:t>
+            </a:r>
+            <a:r>
+              <a:rPr lang="en-US" altLang="ko-KR" dirty="0">
+                <a:solidFill>
+                  <a:srgbClr val="FF0000"/>
+                </a:solidFill>
+              </a:rPr>
+              <a:t>1</a:t>
+            </a:r>
+            <a:r>
+              <a:rPr lang="en-US" altLang="ko-KR" dirty="0"/>
+              <a:t>(c)</a:t>
+            </a:r>
+            <a:r>
+              <a:rPr lang="ko-KR" altLang="en-US" dirty="0"/>
+              <a:t>에서 </a:t>
+            </a:r>
+            <a:endParaRPr lang="en-US" altLang="ko-KR" dirty="0"/>
+          </a:p>
+          <a:p>
+            <a:r>
+              <a:rPr lang="en-US" dirty="0"/>
+              <a:t>Labeled set, Unlabeled set </a:t>
+            </a:r>
+            <a:r>
+              <a:rPr lang="ko-KR" altLang="en-US" dirty="0"/>
+              <a:t>간의 </a:t>
+            </a:r>
+            <a:r>
+              <a:rPr lang="en-US" altLang="ko-KR" dirty="0"/>
+              <a:t>Error Rate </a:t>
+            </a:r>
+            <a:r>
+              <a:rPr lang="ko-KR" altLang="en-US" dirty="0"/>
+              <a:t>비율이 심대하게 차이남을 확인할 수 있음</a:t>
+            </a:r>
+            <a:r>
+              <a:rPr lang="en-US" altLang="ko-KR" dirty="0"/>
+              <a:t>.</a:t>
+            </a:r>
+          </a:p>
+          <a:p>
+            <a:endParaRPr lang="en-US" altLang="ko-KR" dirty="0"/>
+          </a:p>
+          <a:p>
+            <a:endParaRPr lang="en-US" dirty="0"/>
+          </a:p>
+        </p:txBody>
+      </p:sp>
+      <p:sp>
+        <p:nvSpPr>
+          <p:cNvPr id="5" name="날짜 개체 틀 4">
+            <a:extLst>
+              <a:ext uri="{FF2B5EF4-FFF2-40B4-BE49-F238E27FC236}">
+                <a16:creationId xmlns:a16="http://schemas.microsoft.com/office/drawing/2014/main" id="{1763C00D-25AF-71C4-CCD1-89E467E29B8F}"/>
+              </a:ext>
+            </a:extLst>
+          </p:cNvPr>
+          <p:cNvSpPr>
+            <a:spLocks noGrp="1"/>
+          </p:cNvSpPr>
+          <p:nvPr>
+            <p:ph type="dt" sz="half" idx="10"/>
+          </p:nvPr>
+        </p:nvSpPr>
+        <p:spPr>
+          <a:xfrm>
+            <a:off x="482598" y="4834890"/>
+            <a:ext cx="2638176" cy="273844"/>
+          </a:xfrm>
+        </p:spPr>
+        <p:txBody>
+          <a:bodyPr anchor="ctr">
+            <a:normAutofit fontScale="92500" lnSpcReduction="10000"/>
+          </a:bodyPr>
+          <a:lstStyle/>
+          <a:p>
+            <a:pPr>
+              <a:spcAft>
+                <a:spcPts val="450"/>
+              </a:spcAft>
+            </a:pPr>
+            <a:fld id="{30F3E38E-E967-45FA-AE92-034CE4A74EA9}" type="datetime1">
+              <a:rPr lang="ko-KR" altLang="en-US" smtClean="0"/>
+              <a:pPr>
+                <a:spcAft>
+                  <a:spcPts val="450"/>
+                </a:spcAft>
+              </a:pPr>
+              <a:t>2024-11-12</a:t>
+            </a:fld>
+            <a:endParaRPr lang="en-US"/>
+          </a:p>
+        </p:txBody>
+      </p:sp>
+    </p:spTree>
+    <p:extLst>
+      <p:ext uri="{BB962C8B-B14F-4D97-AF65-F5344CB8AC3E}">
+        <p14:creationId xmlns:p14="http://schemas.microsoft.com/office/powerpoint/2010/main" val="2222253571"/>
+      </p:ext>
+    </p:extLst>
+  </p:cSld>
+  <p:clrMapOvr>
+    <a:masterClrMapping/>
+  </p:clrMapOvr>
+</p:sld>
+</file>
+
+<file path=ppt/slides/slide13.xml><?xml version="1.0" encoding="utf-8"?>
+<p:sld xmlns:a="http://schemas.openxmlformats.org/drawingml/2006/main" xmlns:r="http://schemas.openxmlformats.org/officeDocument/2006/relationships" xmlns:p="http://schemas.openxmlformats.org/presentationml/2006/main">
+  <p:cSld>
+    <p:spTree>
+      <p:nvGrpSpPr>
+        <p:cNvPr id="1" name="">
+          <a:extLst>
+            <a:ext uri="{FF2B5EF4-FFF2-40B4-BE49-F238E27FC236}">
+              <a16:creationId xmlns:a16="http://schemas.microsoft.com/office/drawing/2014/main" id="{9D7455C3-B01F-51B0-5B33-A4929B0AA9A6}"/>
+            </a:ext>
+          </a:extLst>
+        </p:cNvPr>
+        <p:cNvGrpSpPr/>
+        <p:nvPr/>
+      </p:nvGrpSpPr>
+      <p:grpSpPr>
+        <a:xfrm>
+          <a:off x="0" y="0"/>
+          <a:ext cx="0" cy="0"/>
+          <a:chOff x="0" y="0"/>
+          <a:chExt cx="0" cy="0"/>
+        </a:xfrm>
+      </p:grpSpPr>
+      <p:sp>
+        <p:nvSpPr>
+          <p:cNvPr id="2" name="제목 1">
+            <a:extLst>
+              <a:ext uri="{FF2B5EF4-FFF2-40B4-BE49-F238E27FC236}">
+                <a16:creationId xmlns:a16="http://schemas.microsoft.com/office/drawing/2014/main" id="{BB1BE702-ED1F-B229-6BCD-0BFAD7E93530}"/>
+              </a:ext>
+            </a:extLst>
+          </p:cNvPr>
+          <p:cNvSpPr>
+            <a:spLocks noGrp="1"/>
+          </p:cNvSpPr>
+          <p:nvPr>
+            <p:ph type="title"/>
+          </p:nvPr>
+        </p:nvSpPr>
+        <p:spPr>
+          <a:xfrm>
+            <a:off x="482600" y="589788"/>
+            <a:ext cx="2638175" cy="1570481"/>
+          </a:xfrm>
+        </p:spPr>
+        <p:txBody>
+          <a:bodyPr anchor="b">
+            <a:normAutofit/>
+          </a:bodyPr>
+          <a:lstStyle/>
+          <a:p>
+            <a:r>
+              <a:rPr lang="en-US" altLang="ko-KR" dirty="0"/>
+              <a:t>How to solve the problems</a:t>
+            </a:r>
+            <a:endParaRPr lang="ko-KR" altLang="en-US" dirty="0"/>
+          </a:p>
+        </p:txBody>
+      </p:sp>
+      <p:pic>
+        <p:nvPicPr>
+          <p:cNvPr id="7" name="그림 6">
+            <a:extLst>
+              <a:ext uri="{FF2B5EF4-FFF2-40B4-BE49-F238E27FC236}">
+                <a16:creationId xmlns:a16="http://schemas.microsoft.com/office/drawing/2014/main" id="{8C49E5A4-47CF-7A52-C01F-0730701B3284}"/>
+              </a:ext>
+            </a:extLst>
+          </p:cNvPr>
+          <p:cNvPicPr>
+            <a:picLocks noChangeAspect="1"/>
+          </p:cNvPicPr>
+          <p:nvPr/>
+        </p:nvPicPr>
+        <p:blipFill>
+          <a:blip r:embed="rId3"/>
+          <a:stretch>
+            <a:fillRect/>
+          </a:stretch>
+        </p:blipFill>
+        <p:spPr>
+          <a:xfrm>
+            <a:off x="4094238" y="1161216"/>
+            <a:ext cx="4446258" cy="2867836"/>
+          </a:xfrm>
+          <a:prstGeom prst="rect">
+            <a:avLst/>
+          </a:prstGeom>
+          <a:noFill/>
+        </p:spPr>
+      </p:pic>
+      <p:sp>
+        <p:nvSpPr>
+          <p:cNvPr id="12" name="Text Placeholder 3">
+            <a:extLst>
+              <a:ext uri="{FF2B5EF4-FFF2-40B4-BE49-F238E27FC236}">
+                <a16:creationId xmlns:a16="http://schemas.microsoft.com/office/drawing/2014/main" id="{2A3676CC-E132-3BD2-2523-64729B4084C7}"/>
+              </a:ext>
+            </a:extLst>
+          </p:cNvPr>
+          <p:cNvSpPr>
+            <a:spLocks noGrp="1"/>
+          </p:cNvSpPr>
+          <p:nvPr>
+            <p:ph type="body" sz="half" idx="2"/>
+          </p:nvPr>
+        </p:nvSpPr>
+        <p:spPr>
+          <a:xfrm>
+            <a:off x="482599" y="2282288"/>
+            <a:ext cx="2638175" cy="2298379"/>
+          </a:xfrm>
+        </p:spPr>
+        <p:txBody>
+          <a:bodyPr/>
+          <a:lstStyle/>
+          <a:p>
+            <a:r>
+              <a:rPr lang="en-US" altLang="ko-KR" dirty="0"/>
+              <a:t>The labeled data is far less than the unlabeled data, </a:t>
+            </a:r>
+            <a:r>
+              <a:rPr lang="en-US" altLang="ko-KR" b="1" dirty="0"/>
+              <a:t>by reborning labeled features from unlabeled data, we introduce diversity into the labeled flow, creating a more challenging learning environment.</a:t>
+            </a:r>
+            <a:endParaRPr lang="en-US" b="1" dirty="0"/>
+          </a:p>
+        </p:txBody>
+      </p:sp>
+      <p:sp>
+        <p:nvSpPr>
+          <p:cNvPr id="5" name="날짜 개체 틀 4">
+            <a:extLst>
+              <a:ext uri="{FF2B5EF4-FFF2-40B4-BE49-F238E27FC236}">
+                <a16:creationId xmlns:a16="http://schemas.microsoft.com/office/drawing/2014/main" id="{F4DCD552-9628-BE20-0740-13387B0E79E7}"/>
+              </a:ext>
+            </a:extLst>
+          </p:cNvPr>
+          <p:cNvSpPr>
+            <a:spLocks noGrp="1"/>
+          </p:cNvSpPr>
+          <p:nvPr>
+            <p:ph type="dt" sz="half" idx="10"/>
+          </p:nvPr>
+        </p:nvSpPr>
+        <p:spPr>
+          <a:xfrm>
+            <a:off x="482598" y="4834890"/>
+            <a:ext cx="2638176" cy="273844"/>
+          </a:xfrm>
+        </p:spPr>
+        <p:txBody>
+          <a:bodyPr anchor="ctr">
+            <a:normAutofit fontScale="92500" lnSpcReduction="10000"/>
+          </a:bodyPr>
+          <a:lstStyle/>
+          <a:p>
+            <a:pPr>
+              <a:spcAft>
+                <a:spcPts val="450"/>
+              </a:spcAft>
+            </a:pPr>
+            <a:fld id="{30F3E38E-E967-45FA-AE92-034CE4A74EA9}" type="datetime1">
+              <a:rPr lang="ko-KR" altLang="en-US" smtClean="0"/>
+              <a:pPr>
+                <a:spcAft>
+                  <a:spcPts val="450"/>
+                </a:spcAft>
+              </a:pPr>
+              <a:t>2024-11-12</a:t>
+            </a:fld>
+            <a:endParaRPr lang="en-US"/>
+          </a:p>
+        </p:txBody>
+      </p:sp>
+    </p:spTree>
+    <p:extLst>
+      <p:ext uri="{BB962C8B-B14F-4D97-AF65-F5344CB8AC3E}">
+        <p14:creationId xmlns:p14="http://schemas.microsoft.com/office/powerpoint/2010/main" val="3067971497"/>
+      </p:ext>
+    </p:extLst>
+  </p:cSld>
+  <p:clrMapOvr>
+    <a:masterClrMapping/>
+  </p:clrMapOvr>
+</p:sld>
+</file>
+
+<file path=ppt/slides/slide14.xml><?xml version="1.0" encoding="utf-8"?>
+<p:sld xmlns:a="http://schemas.openxmlformats.org/drawingml/2006/main" xmlns:r="http://schemas.openxmlformats.org/officeDocument/2006/relationships" xmlns:p="http://schemas.openxmlformats.org/presentationml/2006/main">
+  <p:cSld>
+    <p:spTree>
+      <p:nvGrpSpPr>
+        <p:cNvPr id="1" name="">
+          <a:extLst>
+            <a:ext uri="{FF2B5EF4-FFF2-40B4-BE49-F238E27FC236}">
+              <a16:creationId xmlns:a16="http://schemas.microsoft.com/office/drawing/2014/main" id="{48DF5D45-09A5-C071-105E-11694B71D2B7}"/>
+            </a:ext>
+          </a:extLst>
+        </p:cNvPr>
+        <p:cNvGrpSpPr/>
+        <p:nvPr/>
+      </p:nvGrpSpPr>
+      <p:grpSpPr>
+        <a:xfrm>
+          <a:off x="0" y="0"/>
+          <a:ext cx="0" cy="0"/>
+          <a:chOff x="0" y="0"/>
+          <a:chExt cx="0" cy="0"/>
+        </a:xfrm>
+      </p:grpSpPr>
+      <p:sp>
+        <p:nvSpPr>
+          <p:cNvPr id="2" name="제목 1">
+            <a:extLst>
+              <a:ext uri="{FF2B5EF4-FFF2-40B4-BE49-F238E27FC236}">
+                <a16:creationId xmlns:a16="http://schemas.microsoft.com/office/drawing/2014/main" id="{18C32A83-C16A-DFE5-59D7-8E60CCCBD054}"/>
+              </a:ext>
+            </a:extLst>
+          </p:cNvPr>
+          <p:cNvSpPr>
+            <a:spLocks noGrp="1"/>
+          </p:cNvSpPr>
+          <p:nvPr>
+            <p:ph type="title"/>
+          </p:nvPr>
+        </p:nvSpPr>
+        <p:spPr>
+          <a:xfrm>
+            <a:off x="822960" y="214953"/>
+            <a:ext cx="7543800" cy="1088068"/>
+          </a:xfrm>
+        </p:spPr>
+        <p:txBody>
+          <a:bodyPr anchor="b">
+            <a:normAutofit/>
+          </a:bodyPr>
+          <a:lstStyle/>
+          <a:p>
+            <a:r>
+              <a:rPr lang="en-US" altLang="ko-KR" dirty="0"/>
+              <a:t>Architecture illustration</a:t>
+            </a:r>
+            <a:endParaRPr lang="ko-KR" altLang="en-US" dirty="0"/>
+          </a:p>
+        </p:txBody>
+      </p:sp>
+      <p:pic>
+        <p:nvPicPr>
+          <p:cNvPr id="7" name="내용 개체 틀 6">
+            <a:extLst>
+              <a:ext uri="{FF2B5EF4-FFF2-40B4-BE49-F238E27FC236}">
+                <a16:creationId xmlns:a16="http://schemas.microsoft.com/office/drawing/2014/main" id="{75ACD673-DC94-5838-7095-A5D9D482B50E}"/>
+              </a:ext>
+            </a:extLst>
+          </p:cNvPr>
+          <p:cNvPicPr>
+            <a:picLocks noGrp="1" noChangeAspect="1"/>
+          </p:cNvPicPr>
+          <p:nvPr>
+            <p:ph idx="1"/>
+          </p:nvPr>
+        </p:nvPicPr>
+        <p:blipFill>
+          <a:blip r:embed="rId2"/>
+          <a:stretch>
+            <a:fillRect/>
+          </a:stretch>
+        </p:blipFill>
+        <p:spPr>
+          <a:xfrm>
+            <a:off x="2184032" y="1581151"/>
+            <a:ext cx="4821656" cy="2820668"/>
+          </a:xfrm>
+          <a:noFill/>
+        </p:spPr>
+      </p:pic>
+      <p:sp>
+        <p:nvSpPr>
+          <p:cNvPr id="5" name="날짜 개체 틀 4">
+            <a:extLst>
+              <a:ext uri="{FF2B5EF4-FFF2-40B4-BE49-F238E27FC236}">
+                <a16:creationId xmlns:a16="http://schemas.microsoft.com/office/drawing/2014/main" id="{D21ED6BC-A681-916D-5490-B3EAB1460BE6}"/>
+              </a:ext>
+            </a:extLst>
+          </p:cNvPr>
+          <p:cNvSpPr>
+            <a:spLocks noGrp="1"/>
+          </p:cNvSpPr>
+          <p:nvPr>
+            <p:ph type="dt" sz="half" idx="10"/>
+          </p:nvPr>
+        </p:nvSpPr>
+        <p:spPr>
+          <a:xfrm>
+            <a:off x="6163819" y="4835129"/>
+            <a:ext cx="1938638" cy="273844"/>
+          </a:xfrm>
+        </p:spPr>
+        <p:txBody>
+          <a:bodyPr anchor="ctr">
+            <a:normAutofit fontScale="92500" lnSpcReduction="10000"/>
+          </a:bodyPr>
+          <a:lstStyle/>
+          <a:p>
+            <a:pPr>
+              <a:spcAft>
+                <a:spcPts val="450"/>
+              </a:spcAft>
+            </a:pPr>
+            <a:fld id="{30F3E38E-E967-45FA-AE92-034CE4A74EA9}" type="datetime1">
+              <a:rPr lang="ko-KR" altLang="en-US" smtClean="0"/>
+              <a:pPr>
+                <a:spcAft>
+                  <a:spcPts val="450"/>
+                </a:spcAft>
+              </a:pPr>
+              <a:t>2024-11-12</a:t>
+            </a:fld>
+            <a:endParaRPr lang="en-US"/>
+          </a:p>
+        </p:txBody>
+      </p:sp>
+    </p:spTree>
+    <p:extLst>
+      <p:ext uri="{BB962C8B-B14F-4D97-AF65-F5344CB8AC3E}">
+        <p14:creationId xmlns:p14="http://schemas.microsoft.com/office/powerpoint/2010/main" val="3751313795"/>
+      </p:ext>
+    </p:extLst>
+  </p:cSld>
+  <p:clrMapOvr>
+    <a:masterClrMapping/>
+  </p:clrMapOvr>
+</p:sld>
+</file>
+
+<file path=ppt/slides/slide15.xml><?xml version="1.0" encoding="utf-8"?>
+<p:sld xmlns:a="http://schemas.openxmlformats.org/drawingml/2006/main" xmlns:r="http://schemas.openxmlformats.org/officeDocument/2006/relationships" xmlns:p="http://schemas.openxmlformats.org/presentationml/2006/main">
+  <p:cSld>
+    <p:spTree>
+      <p:nvGrpSpPr>
+        <p:cNvPr id="1" name="">
+          <a:extLst>
+            <a:ext uri="{FF2B5EF4-FFF2-40B4-BE49-F238E27FC236}">
+              <a16:creationId xmlns:a16="http://schemas.microsoft.com/office/drawing/2014/main" id="{B0234329-77F0-D292-C768-A70F4D022091}"/>
+            </a:ext>
+          </a:extLst>
+        </p:cNvPr>
+        <p:cNvGrpSpPr/>
+        <p:nvPr/>
+      </p:nvGrpSpPr>
+      <p:grpSpPr>
+        <a:xfrm>
+          <a:off x="0" y="0"/>
+          <a:ext cx="0" cy="0"/>
+          <a:chOff x="0" y="0"/>
+          <a:chExt cx="0" cy="0"/>
+        </a:xfrm>
+      </p:grpSpPr>
+      <p:sp>
+        <p:nvSpPr>
+          <p:cNvPr id="2" name="제목 1">
+            <a:extLst>
+              <a:ext uri="{FF2B5EF4-FFF2-40B4-BE49-F238E27FC236}">
+                <a16:creationId xmlns:a16="http://schemas.microsoft.com/office/drawing/2014/main" id="{7BF29B3E-8774-E49B-C392-5EEC36FBBCFB}"/>
+              </a:ext>
+            </a:extLst>
+          </p:cNvPr>
+          <p:cNvSpPr>
+            <a:spLocks noGrp="1"/>
+          </p:cNvSpPr>
+          <p:nvPr>
+            <p:ph type="title"/>
+          </p:nvPr>
+        </p:nvSpPr>
+        <p:spPr/>
+        <p:txBody>
+          <a:bodyPr/>
+          <a:lstStyle/>
+          <a:p>
+            <a:r>
+              <a:rPr lang="en-US" altLang="ko-KR" dirty="0"/>
+              <a:t>Channel-wise Cross-attention</a:t>
+            </a:r>
+            <a:endParaRPr lang="ko-KR" altLang="en-US" dirty="0"/>
+          </a:p>
+        </p:txBody>
+      </p:sp>
+      <p:sp>
+        <p:nvSpPr>
+          <p:cNvPr id="4" name="텍스트 개체 틀 3">
+            <a:extLst>
+              <a:ext uri="{FF2B5EF4-FFF2-40B4-BE49-F238E27FC236}">
+                <a16:creationId xmlns:a16="http://schemas.microsoft.com/office/drawing/2014/main" id="{19434539-B009-4BA6-51AC-4EA5BDF19401}"/>
+              </a:ext>
+            </a:extLst>
+          </p:cNvPr>
+          <p:cNvSpPr>
+            <a:spLocks noGrp="1"/>
+          </p:cNvSpPr>
+          <p:nvPr>
+            <p:ph type="body" sz="half" idx="2"/>
+          </p:nvPr>
+        </p:nvSpPr>
+        <p:spPr/>
+        <p:txBody>
+          <a:bodyPr/>
+          <a:lstStyle/>
+          <a:p>
+            <a:r>
+              <a:rPr lang="en-US" altLang="ko-KR" dirty="0"/>
+              <a:t>h</a:t>
+            </a:r>
+            <a:r>
+              <a:rPr lang="en-US" altLang="ko-KR" baseline="30000" dirty="0"/>
+              <a:t>l</a:t>
+            </a:r>
+            <a:r>
+              <a:rPr lang="ko-KR" altLang="en-US" dirty="0"/>
+              <a:t>과 </a:t>
+            </a:r>
+            <a:r>
+              <a:rPr lang="en-US" altLang="ko-KR" dirty="0"/>
+              <a:t>h</a:t>
+            </a:r>
+            <a:r>
+              <a:rPr lang="en-US" altLang="ko-KR" baseline="30000" dirty="0"/>
+              <a:t>u</a:t>
+            </a:r>
+            <a:r>
+              <a:rPr lang="ko-KR" altLang="en-US" dirty="0"/>
+              <a:t>는 각각 </a:t>
+            </a:r>
+            <a:r>
+              <a:rPr lang="en-US" altLang="ko-KR" dirty="0"/>
+              <a:t>encoder</a:t>
+            </a:r>
+            <a:r>
+              <a:rPr lang="ko-KR" altLang="en-US" dirty="0"/>
+              <a:t>를 통과한 </a:t>
+            </a:r>
+            <a:r>
+              <a:rPr lang="en-US" altLang="ko-KR" dirty="0"/>
+              <a:t>labeled, unlabeled data</a:t>
+            </a:r>
+            <a:r>
+              <a:rPr lang="ko-KR" altLang="en-US" dirty="0"/>
+              <a:t>의 </a:t>
+            </a:r>
+            <a:r>
+              <a:rPr lang="en-US" altLang="ko-KR" dirty="0"/>
+              <a:t>latent vector</a:t>
+            </a:r>
+            <a:r>
+              <a:rPr lang="ko-KR" altLang="en-US" dirty="0"/>
+              <a:t>이며</a:t>
+            </a:r>
+            <a:r>
+              <a:rPr lang="en-US" altLang="ko-KR" dirty="0"/>
+              <a:t>,</a:t>
+            </a:r>
+          </a:p>
+          <a:p>
+            <a:r>
+              <a:rPr lang="ko-KR" altLang="en-US" dirty="0"/>
+              <a:t>각 두 벡터에 대하여 </a:t>
+            </a:r>
+            <a:r>
+              <a:rPr lang="en-US" altLang="ko-KR" dirty="0"/>
+              <a:t>Channel-wise cross attention</a:t>
+            </a:r>
+            <a:r>
+              <a:rPr lang="ko-KR" altLang="en-US" dirty="0"/>
+              <a:t>을 수행하여 새로운 </a:t>
+            </a:r>
+            <a:r>
+              <a:rPr lang="en-US" altLang="ko-KR" dirty="0"/>
+              <a:t>h</a:t>
+            </a:r>
+            <a:r>
+              <a:rPr lang="en-US" altLang="ko-KR" baseline="30000" dirty="0"/>
+              <a:t>l</a:t>
+            </a:r>
+            <a:r>
+              <a:rPr lang="ko-KR" altLang="en-US" dirty="0"/>
+              <a:t>과 </a:t>
+            </a:r>
+            <a:r>
+              <a:rPr lang="en-US" altLang="ko-KR" dirty="0"/>
+              <a:t>h</a:t>
+            </a:r>
+            <a:r>
+              <a:rPr lang="en-US" altLang="ko-KR" baseline="30000" dirty="0"/>
+              <a:t>u</a:t>
+            </a:r>
+            <a:r>
+              <a:rPr lang="ko-KR" altLang="en-US" dirty="0"/>
+              <a:t>를 재구성함</a:t>
+            </a:r>
+            <a:r>
+              <a:rPr lang="en-US" altLang="ko-KR" dirty="0"/>
+              <a:t>.</a:t>
+            </a:r>
+            <a:endParaRPr lang="ko-KR" altLang="en-US" dirty="0"/>
+          </a:p>
+        </p:txBody>
+      </p:sp>
+      <p:sp>
+        <p:nvSpPr>
+          <p:cNvPr id="5" name="날짜 개체 틀 4">
+            <a:extLst>
+              <a:ext uri="{FF2B5EF4-FFF2-40B4-BE49-F238E27FC236}">
+                <a16:creationId xmlns:a16="http://schemas.microsoft.com/office/drawing/2014/main" id="{8A93E81D-319C-8E0A-A969-61C0FF32B061}"/>
+              </a:ext>
+            </a:extLst>
+          </p:cNvPr>
+          <p:cNvSpPr>
+            <a:spLocks noGrp="1"/>
+          </p:cNvSpPr>
+          <p:nvPr>
+            <p:ph type="dt" sz="half" idx="10"/>
+          </p:nvPr>
+        </p:nvSpPr>
+        <p:spPr/>
+        <p:txBody>
+          <a:bodyPr/>
+          <a:lstStyle/>
+          <a:p>
+            <a:fld id="{30F3E38E-E967-45FA-AE92-034CE4A74EA9}" type="datetime1">
+              <a:rPr lang="ko-KR" altLang="en-US" smtClean="0"/>
+              <a:t>2024-11-12</a:t>
+            </a:fld>
+            <a:endParaRPr lang="en-US" dirty="0"/>
+          </a:p>
+        </p:txBody>
+      </p:sp>
+      <p:pic>
+        <p:nvPicPr>
+          <p:cNvPr id="7" name="그림 6">
+            <a:extLst>
+              <a:ext uri="{FF2B5EF4-FFF2-40B4-BE49-F238E27FC236}">
+                <a16:creationId xmlns:a16="http://schemas.microsoft.com/office/drawing/2014/main" id="{A374C5DA-C77B-62EB-5878-3B868CBF5B8E}"/>
+              </a:ext>
+            </a:extLst>
+          </p:cNvPr>
+          <p:cNvPicPr>
+            <a:picLocks noChangeAspect="1"/>
+          </p:cNvPicPr>
+          <p:nvPr/>
+        </p:nvPicPr>
+        <p:blipFill>
+          <a:blip r:embed="rId3"/>
+          <a:stretch>
+            <a:fillRect/>
+          </a:stretch>
+        </p:blipFill>
+        <p:spPr>
+          <a:xfrm>
+            <a:off x="4079155" y="336804"/>
+            <a:ext cx="4674887" cy="2286787"/>
+          </a:xfrm>
+          <a:prstGeom prst="rect">
+            <a:avLst/>
+          </a:prstGeom>
+        </p:spPr>
+      </p:pic>
+      <p:pic>
+        <p:nvPicPr>
+          <p:cNvPr id="14" name="그림 13">
+            <a:extLst>
+              <a:ext uri="{FF2B5EF4-FFF2-40B4-BE49-F238E27FC236}">
+                <a16:creationId xmlns:a16="http://schemas.microsoft.com/office/drawing/2014/main" id="{CB4A933A-D16D-08AA-F4D8-472AC0E61119}"/>
+              </a:ext>
+            </a:extLst>
+          </p:cNvPr>
+          <p:cNvPicPr>
+            <a:picLocks noChangeAspect="1"/>
+          </p:cNvPicPr>
+          <p:nvPr/>
+        </p:nvPicPr>
+        <p:blipFill>
+          <a:blip r:embed="rId4"/>
+          <a:stretch>
+            <a:fillRect/>
+          </a:stretch>
+        </p:blipFill>
+        <p:spPr>
+          <a:xfrm>
+            <a:off x="4079155" y="3713166"/>
+            <a:ext cx="4251125" cy="550145"/>
+          </a:xfrm>
+          <a:prstGeom prst="rect">
+            <a:avLst/>
+          </a:prstGeom>
+        </p:spPr>
+      </p:pic>
+      <p:pic>
+        <p:nvPicPr>
+          <p:cNvPr id="16" name="그림 15">
+            <a:extLst>
+              <a:ext uri="{FF2B5EF4-FFF2-40B4-BE49-F238E27FC236}">
+                <a16:creationId xmlns:a16="http://schemas.microsoft.com/office/drawing/2014/main" id="{A5341C7E-61FB-1462-7F92-0AF517E61D11}"/>
+              </a:ext>
+            </a:extLst>
+          </p:cNvPr>
+          <p:cNvPicPr>
+            <a:picLocks noChangeAspect="1"/>
+          </p:cNvPicPr>
+          <p:nvPr/>
+        </p:nvPicPr>
+        <p:blipFill>
+          <a:blip r:embed="rId5"/>
+          <a:stretch>
+            <a:fillRect/>
+          </a:stretch>
+        </p:blipFill>
+        <p:spPr>
+          <a:xfrm>
+            <a:off x="4082895" y="4263310"/>
+            <a:ext cx="4358296" cy="571580"/>
+          </a:xfrm>
+          <a:prstGeom prst="rect">
+            <a:avLst/>
+          </a:prstGeom>
+        </p:spPr>
+      </p:pic>
+      <p:pic>
+        <p:nvPicPr>
+          <p:cNvPr id="22" name="그림 21">
+            <a:extLst>
+              <a:ext uri="{FF2B5EF4-FFF2-40B4-BE49-F238E27FC236}">
+                <a16:creationId xmlns:a16="http://schemas.microsoft.com/office/drawing/2014/main" id="{596EEED5-618C-3C0B-D392-B62ED2E10380}"/>
+              </a:ext>
+            </a:extLst>
+          </p:cNvPr>
+          <p:cNvPicPr>
+            <a:picLocks noChangeAspect="1"/>
+          </p:cNvPicPr>
+          <p:nvPr/>
+        </p:nvPicPr>
+        <p:blipFill>
+          <a:blip r:embed="rId6"/>
+          <a:stretch>
+            <a:fillRect/>
+          </a:stretch>
+        </p:blipFill>
+        <p:spPr>
+          <a:xfrm>
+            <a:off x="3654210" y="2677177"/>
+            <a:ext cx="4786981" cy="928817"/>
+          </a:xfrm>
+          <a:prstGeom prst="rect">
+            <a:avLst/>
+          </a:prstGeom>
+        </p:spPr>
+      </p:pic>
+    </p:spTree>
+    <p:extLst>
+      <p:ext uri="{BB962C8B-B14F-4D97-AF65-F5344CB8AC3E}">
+        <p14:creationId xmlns:p14="http://schemas.microsoft.com/office/powerpoint/2010/main" val="177429399"/>
+      </p:ext>
+    </p:extLst>
+  </p:cSld>
+  <p:clrMapOvr>
+    <a:masterClrMapping/>
+  </p:clrMapOvr>
+</p:sld>
+</file>
+
+<file path=ppt/slides/slide16.xml><?xml version="1.0" encoding="utf-8"?>
+<p:sld xmlns:a="http://schemas.openxmlformats.org/drawingml/2006/main" xmlns:r="http://schemas.openxmlformats.org/officeDocument/2006/relationships" xmlns:p="http://schemas.openxmlformats.org/presentationml/2006/main">
+  <p:cSld>
+    <p:spTree>
+      <p:nvGrpSpPr>
+        <p:cNvPr id="1" name="">
+          <a:extLst>
+            <a:ext uri="{FF2B5EF4-FFF2-40B4-BE49-F238E27FC236}">
+              <a16:creationId xmlns:a16="http://schemas.microsoft.com/office/drawing/2014/main" id="{B6ADD209-090B-4E2C-875A-A7521BBF3AA6}"/>
+            </a:ext>
+          </a:extLst>
+        </p:cNvPr>
+        <p:cNvGrpSpPr/>
+        <p:nvPr/>
+      </p:nvGrpSpPr>
+      <p:grpSpPr>
+        <a:xfrm>
+          <a:off x="0" y="0"/>
+          <a:ext cx="0" cy="0"/>
+          <a:chOff x="0" y="0"/>
+          <a:chExt cx="0" cy="0"/>
+        </a:xfrm>
+      </p:grpSpPr>
+      <p:sp>
+        <p:nvSpPr>
+          <p:cNvPr id="2" name="제목 1">
+            <a:extLst>
+              <a:ext uri="{FF2B5EF4-FFF2-40B4-BE49-F238E27FC236}">
+                <a16:creationId xmlns:a16="http://schemas.microsoft.com/office/drawing/2014/main" id="{C584D9DD-F8A5-8205-6FF2-2EFF9DA7FAEF}"/>
+              </a:ext>
+            </a:extLst>
+          </p:cNvPr>
+          <p:cNvSpPr>
+            <a:spLocks noGrp="1"/>
+          </p:cNvSpPr>
+          <p:nvPr>
+            <p:ph type="title"/>
+          </p:nvPr>
+        </p:nvSpPr>
+        <p:spPr>
+          <a:xfrm>
+            <a:off x="482600" y="589788"/>
+            <a:ext cx="2638175" cy="1570481"/>
+          </a:xfrm>
+        </p:spPr>
+        <p:txBody>
+          <a:bodyPr anchor="b">
+            <a:normAutofit/>
+          </a:bodyPr>
+          <a:lstStyle/>
+          <a:p>
+            <a:r>
+              <a:rPr lang="en-US" altLang="ko-KR" sz="2100" b="1" dirty="0"/>
+              <a:t>Semantic Memory </a:t>
+            </a:r>
+            <a:r>
+              <a:rPr lang="en-US" altLang="ko-KR" sz="2100" dirty="0"/>
+              <a:t>for Enlarging the Feature Space of </a:t>
+            </a:r>
+            <a:r>
+              <a:rPr lang="en-US" altLang="ko-KR" sz="2100" dirty="0" err="1"/>
+              <a:t>AllSpark</a:t>
+            </a:r>
+            <a:endParaRPr lang="ko-KR" altLang="en-US" sz="2100" dirty="0"/>
+          </a:p>
+        </p:txBody>
+      </p:sp>
+      <p:pic>
+        <p:nvPicPr>
+          <p:cNvPr id="6" name="내용 개체 틀 6">
+            <a:extLst>
+              <a:ext uri="{FF2B5EF4-FFF2-40B4-BE49-F238E27FC236}">
+                <a16:creationId xmlns:a16="http://schemas.microsoft.com/office/drawing/2014/main" id="{FB9125F6-D221-7CEA-8F99-A9CC27898650}"/>
+              </a:ext>
+            </a:extLst>
+          </p:cNvPr>
+          <p:cNvPicPr>
+            <a:picLocks noChangeAspect="1"/>
+          </p:cNvPicPr>
+          <p:nvPr/>
+        </p:nvPicPr>
+        <p:blipFill>
+          <a:blip r:embed="rId2"/>
+          <a:stretch>
+            <a:fillRect/>
+          </a:stretch>
+        </p:blipFill>
+        <p:spPr>
+          <a:xfrm>
+            <a:off x="4094238" y="1294603"/>
+            <a:ext cx="4446258" cy="2601060"/>
+          </a:xfrm>
+          <a:prstGeom prst="rect">
+            <a:avLst/>
+          </a:prstGeom>
+          <a:noFill/>
+        </p:spPr>
+      </p:pic>
+      <p:sp>
+        <p:nvSpPr>
+          <p:cNvPr id="11" name="Text Placeholder 3">
+            <a:extLst>
+              <a:ext uri="{FF2B5EF4-FFF2-40B4-BE49-F238E27FC236}">
+                <a16:creationId xmlns:a16="http://schemas.microsoft.com/office/drawing/2014/main" id="{D5AF1BC1-3F38-EC72-6DEB-197A63688862}"/>
+              </a:ext>
+            </a:extLst>
+          </p:cNvPr>
+          <p:cNvSpPr>
+            <a:spLocks noGrp="1"/>
+          </p:cNvSpPr>
+          <p:nvPr>
+            <p:ph type="body" sz="half" idx="2"/>
+          </p:nvPr>
+        </p:nvSpPr>
+        <p:spPr>
+          <a:xfrm>
+            <a:off x="482599" y="2282288"/>
+            <a:ext cx="2638175" cy="2298379"/>
+          </a:xfrm>
+        </p:spPr>
+        <p:txBody>
+          <a:bodyPr>
+            <a:normAutofit/>
+          </a:bodyPr>
+          <a:lstStyle/>
+          <a:p>
+            <a:r>
+              <a:rPr lang="en-US" sz="750" dirty="0"/>
+              <a:t>Mini-batch </a:t>
+            </a:r>
+            <a:r>
+              <a:rPr lang="ko-KR" altLang="en-US" sz="750" dirty="0"/>
+              <a:t>속의 </a:t>
+            </a:r>
+            <a:r>
+              <a:rPr lang="en-US" altLang="ko-KR" sz="750" dirty="0"/>
+              <a:t>unlabeled feature</a:t>
+            </a:r>
+            <a:r>
+              <a:rPr lang="ko-KR" altLang="en-US" sz="750" dirty="0"/>
+              <a:t>를 바로 사용하는 것은 </a:t>
+            </a:r>
+            <a:r>
+              <a:rPr lang="en-US" altLang="ko-KR" sz="750" dirty="0"/>
+              <a:t>labeled</a:t>
+            </a:r>
+            <a:r>
+              <a:rPr lang="ko-KR" altLang="en-US" sz="750" dirty="0"/>
+              <a:t> </a:t>
+            </a:r>
+            <a:r>
+              <a:rPr lang="en-US" altLang="ko-KR" sz="750" dirty="0"/>
+              <a:t>image</a:t>
+            </a:r>
+            <a:r>
+              <a:rPr lang="ko-KR" altLang="en-US" sz="750" dirty="0"/>
+              <a:t>를 재구성하기에는 부족하기에</a:t>
+            </a:r>
+            <a:r>
+              <a:rPr lang="en-US" altLang="ko-KR" sz="750" dirty="0"/>
+              <a:t>, </a:t>
+            </a:r>
+            <a:r>
+              <a:rPr lang="en-US" altLang="ko-KR" sz="750" b="1" dirty="0"/>
+              <a:t>Semantic Memory</a:t>
+            </a:r>
+            <a:r>
+              <a:rPr lang="ko-KR" altLang="en-US" sz="750" dirty="0"/>
+              <a:t>를 이용</a:t>
+            </a:r>
+            <a:r>
+              <a:rPr lang="en-US" altLang="ko-KR" sz="750" dirty="0"/>
+              <a:t>.</a:t>
+            </a:r>
+          </a:p>
+          <a:p>
+            <a:r>
+              <a:rPr lang="ko-KR" altLang="en-US" sz="750" dirty="0"/>
+              <a:t>이는 </a:t>
+            </a:r>
+            <a:r>
+              <a:rPr lang="en-US" altLang="ko-KR" sz="750" dirty="0"/>
+              <a:t>unlabeled feature</a:t>
+            </a:r>
+            <a:r>
+              <a:rPr lang="ko-KR" altLang="en-US" sz="750" dirty="0"/>
+              <a:t> </a:t>
+            </a:r>
+            <a:r>
+              <a:rPr lang="en-US" altLang="ko-KR" sz="750" dirty="0"/>
+              <a:t>space</a:t>
+            </a:r>
+            <a:r>
+              <a:rPr lang="ko-KR" altLang="en-US" sz="750" dirty="0"/>
+              <a:t>를 늘려주며</a:t>
+            </a:r>
+            <a:r>
+              <a:rPr lang="en-US" altLang="ko-KR" sz="750" dirty="0"/>
+              <a:t>, FIFO queue</a:t>
+            </a:r>
+            <a:r>
+              <a:rPr lang="ko-KR" altLang="en-US" sz="750" dirty="0"/>
+              <a:t>의 형태를 지님</a:t>
+            </a:r>
+            <a:r>
+              <a:rPr lang="en-US" altLang="ko-KR" sz="750" dirty="0"/>
+              <a:t>.</a:t>
+            </a:r>
+          </a:p>
+          <a:p>
+            <a:r>
+              <a:rPr lang="en-US" sz="750" dirty="0"/>
+              <a:t>S-Mem</a:t>
+            </a:r>
+            <a:r>
+              <a:rPr lang="ko-KR" altLang="en-US" sz="750" dirty="0"/>
+              <a:t>은 </a:t>
+            </a:r>
+            <a:r>
+              <a:rPr lang="en-US" altLang="ko-KR" sz="750" dirty="0" err="1"/>
+              <a:t>R</a:t>
+            </a:r>
+            <a:r>
+              <a:rPr lang="en-US" altLang="ko-KR" sz="750" baseline="30000" dirty="0" err="1"/>
+              <a:t>KxCxd</a:t>
+            </a:r>
+            <a:r>
+              <a:rPr lang="ko-KR" altLang="en-US" sz="750" dirty="0"/>
+              <a:t>의 형태를 띄며</a:t>
+            </a:r>
+            <a:r>
+              <a:rPr lang="en-US" altLang="ko-KR" sz="750" dirty="0"/>
+              <a:t>, K</a:t>
+            </a:r>
+            <a:r>
+              <a:rPr lang="ko-KR" altLang="en-US" sz="750" dirty="0"/>
+              <a:t>는 클래스 수</a:t>
+            </a:r>
+            <a:r>
+              <a:rPr lang="en-US" altLang="ko-KR" sz="750" dirty="0"/>
+              <a:t>, C</a:t>
+            </a:r>
+            <a:r>
+              <a:rPr lang="ko-KR" altLang="en-US" sz="750" dirty="0"/>
+              <a:t>는 채널 수</a:t>
+            </a:r>
+            <a:r>
+              <a:rPr lang="en-US" altLang="ko-KR" sz="750" dirty="0"/>
+              <a:t>, d</a:t>
+            </a:r>
+            <a:r>
+              <a:rPr lang="ko-KR" altLang="en-US" sz="750" dirty="0"/>
+              <a:t>는 </a:t>
+            </a:r>
+            <a:r>
+              <a:rPr lang="en-US" altLang="ko-KR" sz="750" dirty="0"/>
+              <a:t>patch</a:t>
+            </a:r>
+            <a:r>
+              <a:rPr lang="ko-KR" altLang="en-US" sz="750" dirty="0"/>
+              <a:t>수를 의미함</a:t>
+            </a:r>
+            <a:r>
+              <a:rPr lang="en-US" altLang="ko-KR" sz="750" dirty="0"/>
+              <a:t>.</a:t>
+            </a:r>
+          </a:p>
+          <a:p>
+            <a:r>
+              <a:rPr lang="en-US" sz="750" dirty="0"/>
+              <a:t>Training process </a:t>
+            </a:r>
+            <a:r>
+              <a:rPr lang="ko-KR" altLang="en-US" sz="750" dirty="0"/>
+              <a:t>중</a:t>
+            </a:r>
+            <a:r>
+              <a:rPr lang="en-US" altLang="ko-KR" sz="750" dirty="0"/>
+              <a:t>, Semantic Memory</a:t>
+            </a:r>
+            <a:r>
+              <a:rPr lang="ko-KR" altLang="en-US" sz="750" dirty="0"/>
+              <a:t>의 값들은 </a:t>
+            </a:r>
+            <a:r>
+              <a:rPr lang="en-US" altLang="ko-KR" sz="750" dirty="0"/>
+              <a:t>         </a:t>
+            </a:r>
+            <a:r>
+              <a:rPr lang="ko-KR" altLang="en-US" sz="750" dirty="0"/>
+              <a:t>이</a:t>
+            </a:r>
+            <a:r>
+              <a:rPr lang="ko-KR" altLang="en-US" sz="750" dirty="0">
+                <a:solidFill>
+                  <a:srgbClr val="E8E8E6"/>
+                </a:solidFill>
+                <a:latin typeface="FK Grotesk Variable"/>
+              </a:rPr>
+              <a:t>후 </a:t>
+            </a:r>
+            <a:r>
+              <a:rPr lang="en-US" altLang="ko-KR" sz="750" dirty="0">
+                <a:solidFill>
+                  <a:srgbClr val="E8E8E6"/>
+                </a:solidFill>
+                <a:latin typeface="FK Grotesk Variable"/>
+              </a:rPr>
+              <a:t>channel-wise cross-attention</a:t>
+            </a:r>
+            <a:r>
+              <a:rPr lang="ko-KR" altLang="en-US" sz="750" dirty="0">
+                <a:solidFill>
+                  <a:srgbClr val="E8E8E6"/>
+                </a:solidFill>
+                <a:latin typeface="FK Grotesk Variable"/>
+              </a:rPr>
+              <a:t>에서 </a:t>
+            </a:r>
+            <a:r>
+              <a:rPr lang="en-US" altLang="ko-KR" sz="750" dirty="0">
+                <a:solidFill>
+                  <a:srgbClr val="E8E8E6"/>
+                </a:solidFill>
+                <a:latin typeface="FK Grotesk Variable"/>
+              </a:rPr>
+              <a:t>key</a:t>
+            </a:r>
+            <a:r>
+              <a:rPr lang="ko-KR" altLang="en-US" sz="750" dirty="0">
+                <a:solidFill>
+                  <a:srgbClr val="E8E8E6"/>
+                </a:solidFill>
+                <a:latin typeface="FK Grotesk Variable"/>
+              </a:rPr>
+              <a:t>와 </a:t>
+            </a:r>
+            <a:r>
+              <a:rPr lang="en-US" altLang="ko-KR" sz="750" dirty="0">
+                <a:solidFill>
+                  <a:srgbClr val="E8E8E6"/>
+                </a:solidFill>
+                <a:latin typeface="FK Grotesk Variable"/>
+              </a:rPr>
+              <a:t>value</a:t>
+            </a:r>
+            <a:r>
+              <a:rPr lang="ko-KR" altLang="en-US" sz="750" dirty="0">
+                <a:solidFill>
+                  <a:srgbClr val="E8E8E6"/>
+                </a:solidFill>
+                <a:latin typeface="FK Grotesk Variable"/>
+              </a:rPr>
+              <a:t>로 사용됨</a:t>
+            </a:r>
+            <a:r>
+              <a:rPr lang="en-US" altLang="ko-KR" sz="750" dirty="0">
+                <a:solidFill>
+                  <a:srgbClr val="E8E8E6"/>
+                </a:solidFill>
+                <a:latin typeface="FK Grotesk Variable"/>
+              </a:rPr>
+              <a:t>. </a:t>
+            </a:r>
+            <a:endParaRPr lang="en-US" sz="750" dirty="0"/>
+          </a:p>
+        </p:txBody>
+      </p:sp>
+      <p:sp>
+        <p:nvSpPr>
+          <p:cNvPr id="5" name="날짜 개체 틀 4">
+            <a:extLst>
+              <a:ext uri="{FF2B5EF4-FFF2-40B4-BE49-F238E27FC236}">
+                <a16:creationId xmlns:a16="http://schemas.microsoft.com/office/drawing/2014/main" id="{1962FA83-FF3F-0E1E-D368-8EE2F3A4B3CB}"/>
+              </a:ext>
+            </a:extLst>
+          </p:cNvPr>
+          <p:cNvSpPr>
+            <a:spLocks noGrp="1"/>
+          </p:cNvSpPr>
+          <p:nvPr>
+            <p:ph type="dt" sz="half" idx="10"/>
+          </p:nvPr>
+        </p:nvSpPr>
+        <p:spPr>
+          <a:xfrm>
+            <a:off x="482598" y="4834890"/>
+            <a:ext cx="2638176" cy="273844"/>
+          </a:xfrm>
+        </p:spPr>
+        <p:txBody>
+          <a:bodyPr anchor="ctr">
+            <a:normAutofit fontScale="92500" lnSpcReduction="10000"/>
+          </a:bodyPr>
+          <a:lstStyle/>
+          <a:p>
+            <a:pPr>
+              <a:spcAft>
+                <a:spcPts val="450"/>
+              </a:spcAft>
+            </a:pPr>
+            <a:fld id="{30F3E38E-E967-45FA-AE92-034CE4A74EA9}" type="datetime1">
+              <a:rPr lang="ko-KR" altLang="en-US" smtClean="0"/>
+              <a:pPr>
+                <a:spcAft>
+                  <a:spcPts val="450"/>
+                </a:spcAft>
+              </a:pPr>
+              <a:t>2024-11-12</a:t>
+            </a:fld>
+            <a:endParaRPr lang="en-US"/>
+          </a:p>
+        </p:txBody>
+      </p:sp>
+    </p:spTree>
+    <p:extLst>
+      <p:ext uri="{BB962C8B-B14F-4D97-AF65-F5344CB8AC3E}">
+        <p14:creationId xmlns:p14="http://schemas.microsoft.com/office/powerpoint/2010/main" val="3417050477"/>
+      </p:ext>
+    </p:extLst>
+  </p:cSld>
+  <p:clrMapOvr>
+    <a:masterClrMapping/>
+  </p:clrMapOvr>
+</p:sld>
+</file>
+
+<file path=ppt/slides/slide17.xml><?xml version="1.0" encoding="utf-8"?>
+<p:sld xmlns:a="http://schemas.openxmlformats.org/drawingml/2006/main" xmlns:r="http://schemas.openxmlformats.org/officeDocument/2006/relationships" xmlns:p="http://schemas.openxmlformats.org/presentationml/2006/main">
+  <p:cSld>
+    <p:spTree>
+      <p:nvGrpSpPr>
+        <p:cNvPr id="1" name="">
+          <a:extLst>
+            <a:ext uri="{FF2B5EF4-FFF2-40B4-BE49-F238E27FC236}">
+              <a16:creationId xmlns:a16="http://schemas.microsoft.com/office/drawing/2014/main" id="{C484ED3A-5826-CE66-C62A-A8E52C1E57F4}"/>
+            </a:ext>
+          </a:extLst>
+        </p:cNvPr>
+        <p:cNvGrpSpPr/>
+        <p:nvPr/>
+      </p:nvGrpSpPr>
+      <p:grpSpPr>
+        <a:xfrm>
+          <a:off x="0" y="0"/>
+          <a:ext cx="0" cy="0"/>
+          <a:chOff x="0" y="0"/>
+          <a:chExt cx="0" cy="0"/>
+        </a:xfrm>
+      </p:grpSpPr>
+      <p:sp>
+        <p:nvSpPr>
+          <p:cNvPr id="2" name="제목 1">
+            <a:extLst>
+              <a:ext uri="{FF2B5EF4-FFF2-40B4-BE49-F238E27FC236}">
+                <a16:creationId xmlns:a16="http://schemas.microsoft.com/office/drawing/2014/main" id="{4DBFBE31-10B4-39EE-4B61-C2AB8683A96E}"/>
+              </a:ext>
+            </a:extLst>
+          </p:cNvPr>
+          <p:cNvSpPr>
+            <a:spLocks noGrp="1"/>
+          </p:cNvSpPr>
+          <p:nvPr>
+            <p:ph type="title"/>
+          </p:nvPr>
+        </p:nvSpPr>
+        <p:spPr>
+          <a:xfrm>
+            <a:off x="482600" y="589788"/>
+            <a:ext cx="2638175" cy="1570481"/>
+          </a:xfrm>
+        </p:spPr>
+        <p:txBody>
+          <a:bodyPr anchor="b">
+            <a:normAutofit/>
+          </a:bodyPr>
+          <a:lstStyle/>
+          <a:p>
+            <a:r>
+              <a:rPr lang="en-US" altLang="ko-KR" dirty="0"/>
+              <a:t>Channel-wise Semantic Grouping</a:t>
+            </a:r>
+            <a:endParaRPr lang="ko-KR" altLang="en-US" dirty="0"/>
+          </a:p>
+        </p:txBody>
+      </p:sp>
+      <p:pic>
+        <p:nvPicPr>
+          <p:cNvPr id="9" name="그림 8">
+            <a:extLst>
+              <a:ext uri="{FF2B5EF4-FFF2-40B4-BE49-F238E27FC236}">
+                <a16:creationId xmlns:a16="http://schemas.microsoft.com/office/drawing/2014/main" id="{D051C7F2-DC70-E8EC-328E-F67ADBCBB4CA}"/>
+              </a:ext>
+            </a:extLst>
+          </p:cNvPr>
+          <p:cNvPicPr>
+            <a:picLocks noChangeAspect="1"/>
+          </p:cNvPicPr>
+          <p:nvPr/>
+        </p:nvPicPr>
+        <p:blipFill>
+          <a:blip r:embed="rId2"/>
+          <a:stretch>
+            <a:fillRect/>
+          </a:stretch>
+        </p:blipFill>
+        <p:spPr>
+          <a:xfrm>
+            <a:off x="5220360" y="609600"/>
+            <a:ext cx="2194015" cy="3971068"/>
+          </a:xfrm>
+          <a:prstGeom prst="rect">
+            <a:avLst/>
+          </a:prstGeom>
+          <a:noFill/>
+        </p:spPr>
+      </p:pic>
+      <p:sp>
+        <p:nvSpPr>
+          <p:cNvPr id="28" name="Text Placeholder 3">
+            <a:extLst>
+              <a:ext uri="{FF2B5EF4-FFF2-40B4-BE49-F238E27FC236}">
+                <a16:creationId xmlns:a16="http://schemas.microsoft.com/office/drawing/2014/main" id="{81BC4FAD-1114-E660-3658-E9BB43E4AD77}"/>
+              </a:ext>
+            </a:extLst>
+          </p:cNvPr>
+          <p:cNvSpPr>
+            <a:spLocks noGrp="1"/>
+          </p:cNvSpPr>
+          <p:nvPr>
+            <p:ph type="body" sz="half" idx="2"/>
+          </p:nvPr>
+        </p:nvSpPr>
+        <p:spPr>
+          <a:xfrm>
+            <a:off x="482599" y="2282288"/>
+            <a:ext cx="2638175" cy="2298379"/>
+          </a:xfrm>
+        </p:spPr>
+        <p:txBody>
+          <a:bodyPr/>
+          <a:lstStyle/>
+          <a:p>
+            <a:r>
+              <a:rPr lang="en-US" sz="750" dirty="0"/>
+              <a:t>S-Mem</a:t>
+            </a:r>
+            <a:r>
+              <a:rPr lang="ko-KR" altLang="en-US" sz="750" dirty="0"/>
+              <a:t>에 </a:t>
+            </a:r>
+            <a:r>
+              <a:rPr lang="en-US" altLang="ko-KR" sz="750" dirty="0"/>
+              <a:t>class </a:t>
+            </a:r>
+            <a:r>
+              <a:rPr lang="ko-KR" altLang="en-US" sz="750" dirty="0"/>
+              <a:t>별로 균등한 개수의 </a:t>
+            </a:r>
+            <a:r>
+              <a:rPr lang="en-US" altLang="ko-KR" sz="750" dirty="0"/>
+              <a:t>unlabeled feature</a:t>
+            </a:r>
+            <a:r>
+              <a:rPr lang="ko-KR" altLang="en-US" sz="750" dirty="0"/>
+              <a:t>를 저장하기 위한 방법론</a:t>
+            </a:r>
+            <a:r>
+              <a:rPr lang="en-US" altLang="ko-KR" sz="750" dirty="0"/>
+              <a:t>.</a:t>
+            </a:r>
+          </a:p>
+          <a:p>
+            <a:r>
+              <a:rPr lang="ko-KR" altLang="en-US" sz="750" dirty="0"/>
+              <a:t>각 </a:t>
+            </a:r>
+            <a:r>
+              <a:rPr lang="en-US" altLang="ko-KR" sz="750" dirty="0"/>
+              <a:t>unlabeled feature</a:t>
+            </a:r>
+            <a:r>
+              <a:rPr lang="ko-KR" altLang="en-US" sz="750" dirty="0"/>
+              <a:t>에 대하여</a:t>
+            </a:r>
+            <a:r>
+              <a:rPr lang="en-US" altLang="ko-KR" sz="750" dirty="0"/>
+              <a:t>, probability map</a:t>
+            </a:r>
+            <a:r>
+              <a:rPr lang="ko-KR" altLang="en-US" sz="750" dirty="0"/>
+              <a:t>과 </a:t>
+            </a:r>
+            <a:r>
+              <a:rPr lang="en-US" altLang="ko-KR" sz="750" dirty="0"/>
+              <a:t>class </a:t>
+            </a:r>
+            <a:r>
+              <a:rPr lang="ko-KR" altLang="en-US" sz="750" dirty="0"/>
+              <a:t>간의 유사도를 구함</a:t>
+            </a:r>
+            <a:r>
+              <a:rPr lang="en-US" altLang="ko-KR" sz="750" dirty="0"/>
+              <a:t>.</a:t>
+            </a:r>
+          </a:p>
+          <a:p>
+            <a:r>
+              <a:rPr lang="ko-KR" altLang="en-US" sz="750" dirty="0"/>
+              <a:t>해당 유사도를 기반으로</a:t>
+            </a:r>
+            <a:r>
+              <a:rPr lang="en-US" altLang="ko-KR" sz="750" dirty="0"/>
+              <a:t>, </a:t>
+            </a:r>
+            <a:r>
+              <a:rPr lang="ko-KR" altLang="en-US" sz="750" dirty="0"/>
+              <a:t>각 채널이 속할 클래스를 결정 및 저장함</a:t>
+            </a:r>
+            <a:r>
+              <a:rPr lang="en-US" altLang="ko-KR" sz="750" dirty="0"/>
+              <a:t>. </a:t>
+            </a:r>
+            <a:r>
+              <a:rPr lang="ko-KR" altLang="en-US" sz="750" dirty="0"/>
+              <a:t>오른 쪽 그림의 경우 </a:t>
+            </a:r>
+            <a:r>
+              <a:rPr lang="en-US" altLang="ko-KR" sz="750" dirty="0"/>
+              <a:t>h0</a:t>
+            </a:r>
+            <a:r>
+              <a:rPr lang="ko-KR" altLang="en-US" sz="750" dirty="0"/>
+              <a:t>은 </a:t>
+            </a:r>
+            <a:r>
+              <a:rPr lang="en-US" altLang="ko-KR" sz="750" dirty="0"/>
+              <a:t>class1</a:t>
+            </a:r>
+            <a:r>
+              <a:rPr lang="ko-KR" altLang="en-US" sz="750" dirty="0"/>
+              <a:t>으로 분류될 것임</a:t>
+            </a:r>
+            <a:r>
+              <a:rPr lang="en-US" altLang="ko-KR" sz="750" dirty="0"/>
+              <a:t>.</a:t>
+            </a:r>
+          </a:p>
+          <a:p>
+            <a:r>
+              <a:rPr lang="en-US" altLang="ko-KR" sz="750" dirty="0"/>
+              <a:t>Probability map</a:t>
+            </a:r>
+            <a:r>
+              <a:rPr lang="ko-KR" altLang="en-US" sz="750" dirty="0"/>
+              <a:t>은 모델의 </a:t>
+            </a:r>
+            <a:r>
+              <a:rPr lang="en-US" altLang="ko-KR" sz="750" dirty="0"/>
+              <a:t>soft prediction</a:t>
+            </a:r>
+            <a:r>
+              <a:rPr lang="ko-KR" altLang="en-US" sz="750" dirty="0"/>
+              <a:t>을 통해 </a:t>
+            </a:r>
+            <a:r>
+              <a:rPr lang="ko-KR" altLang="en-US" sz="750" dirty="0" err="1"/>
+              <a:t>구해짐</a:t>
+            </a:r>
+            <a:r>
+              <a:rPr lang="en-US" altLang="ko-KR" sz="750" dirty="0"/>
+              <a:t>.</a:t>
+            </a:r>
+          </a:p>
+        </p:txBody>
+      </p:sp>
+      <p:sp>
+        <p:nvSpPr>
+          <p:cNvPr id="5" name="날짜 개체 틀 4">
+            <a:extLst>
+              <a:ext uri="{FF2B5EF4-FFF2-40B4-BE49-F238E27FC236}">
+                <a16:creationId xmlns:a16="http://schemas.microsoft.com/office/drawing/2014/main" id="{6A9CB6AC-9FA3-05AB-F264-702AAE511F17}"/>
+              </a:ext>
+            </a:extLst>
+          </p:cNvPr>
+          <p:cNvSpPr>
+            <a:spLocks noGrp="1"/>
+          </p:cNvSpPr>
+          <p:nvPr>
+            <p:ph type="dt" sz="half" idx="10"/>
+          </p:nvPr>
+        </p:nvSpPr>
+        <p:spPr>
+          <a:xfrm>
+            <a:off x="482598" y="4834890"/>
+            <a:ext cx="2638176" cy="273844"/>
+          </a:xfrm>
+        </p:spPr>
+        <p:txBody>
+          <a:bodyPr anchor="ctr">
+            <a:normAutofit fontScale="92500" lnSpcReduction="10000"/>
+          </a:bodyPr>
+          <a:lstStyle/>
+          <a:p>
+            <a:pPr>
+              <a:spcAft>
+                <a:spcPts val="450"/>
+              </a:spcAft>
+            </a:pPr>
+            <a:fld id="{30F3E38E-E967-45FA-AE92-034CE4A74EA9}" type="datetime1">
+              <a:rPr lang="ko-KR" altLang="en-US" smtClean="0"/>
+              <a:pPr>
+                <a:spcAft>
+                  <a:spcPts val="450"/>
+                </a:spcAft>
+              </a:pPr>
+              <a:t>2024-11-12</a:t>
+            </a:fld>
+            <a:endParaRPr lang="en-US"/>
+          </a:p>
+        </p:txBody>
+      </p:sp>
+    </p:spTree>
+    <p:extLst>
+      <p:ext uri="{BB962C8B-B14F-4D97-AF65-F5344CB8AC3E}">
+        <p14:creationId xmlns:p14="http://schemas.microsoft.com/office/powerpoint/2010/main" val="1089539629"/>
+      </p:ext>
+    </p:extLst>
+  </p:cSld>
+  <p:clrMapOvr>
+    <a:masterClrMapping/>
+  </p:clrMapOvr>
+</p:sld>
+</file>
+
+<file path=ppt/slides/slide18.xml><?xml version="1.0" encoding="utf-8"?>
+<p:sld xmlns:a="http://schemas.openxmlformats.org/drawingml/2006/main" xmlns:r="http://schemas.openxmlformats.org/officeDocument/2006/relationships" xmlns:p="http://schemas.openxmlformats.org/presentationml/2006/main">
+  <p:cSld>
+    <p:spTree>
+      <p:nvGrpSpPr>
+        <p:cNvPr id="1" name="">
+          <a:extLst>
+            <a:ext uri="{FF2B5EF4-FFF2-40B4-BE49-F238E27FC236}">
+              <a16:creationId xmlns:a16="http://schemas.microsoft.com/office/drawing/2014/main" id="{AB2AA50C-73BC-C8E0-6453-20C74CA6612A}"/>
+            </a:ext>
+          </a:extLst>
+        </p:cNvPr>
+        <p:cNvGrpSpPr/>
+        <p:nvPr/>
+      </p:nvGrpSpPr>
+      <p:grpSpPr>
+        <a:xfrm>
+          <a:off x="0" y="0"/>
+          <a:ext cx="0" cy="0"/>
+          <a:chOff x="0" y="0"/>
+          <a:chExt cx="0" cy="0"/>
+        </a:xfrm>
+      </p:grpSpPr>
+      <p:sp>
+        <p:nvSpPr>
+          <p:cNvPr id="2" name="제목 1">
+            <a:extLst>
+              <a:ext uri="{FF2B5EF4-FFF2-40B4-BE49-F238E27FC236}">
+                <a16:creationId xmlns:a16="http://schemas.microsoft.com/office/drawing/2014/main" id="{753E8CA8-DDA5-E1B1-340E-E9F812A4C565}"/>
+              </a:ext>
+            </a:extLst>
+          </p:cNvPr>
+          <p:cNvSpPr>
+            <a:spLocks noGrp="1"/>
+          </p:cNvSpPr>
+          <p:nvPr>
+            <p:ph type="title"/>
+          </p:nvPr>
+        </p:nvSpPr>
+        <p:spPr/>
+        <p:txBody>
+          <a:bodyPr/>
+          <a:lstStyle/>
+          <a:p>
+            <a:r>
+              <a:rPr lang="en-US" altLang="ko-KR" dirty="0"/>
+              <a:t>Experimental results</a:t>
+            </a:r>
+            <a:endParaRPr lang="ko-KR" altLang="en-US" dirty="0"/>
+          </a:p>
+        </p:txBody>
+      </p:sp>
+      <p:pic>
+        <p:nvPicPr>
+          <p:cNvPr id="7" name="내용 개체 틀 6">
+            <a:extLst>
+              <a:ext uri="{FF2B5EF4-FFF2-40B4-BE49-F238E27FC236}">
+                <a16:creationId xmlns:a16="http://schemas.microsoft.com/office/drawing/2014/main" id="{E3EDC62D-9C12-9DC0-8B30-0F104A67F88F}"/>
+              </a:ext>
+            </a:extLst>
+          </p:cNvPr>
+          <p:cNvPicPr>
+            <a:picLocks noGrp="1" noChangeAspect="1"/>
+          </p:cNvPicPr>
+          <p:nvPr>
+            <p:ph sz="half" idx="1"/>
+          </p:nvPr>
+        </p:nvPicPr>
+        <p:blipFill>
+          <a:blip r:embed="rId3"/>
+          <a:stretch>
+            <a:fillRect/>
+          </a:stretch>
+        </p:blipFill>
+        <p:spPr>
+          <a:xfrm>
+            <a:off x="4886959" y="1590675"/>
+            <a:ext cx="3460304" cy="2811066"/>
+          </a:xfrm>
+        </p:spPr>
+      </p:pic>
+      <p:sp>
+        <p:nvSpPr>
+          <p:cNvPr id="5" name="날짜 개체 틀 4">
+            <a:extLst>
+              <a:ext uri="{FF2B5EF4-FFF2-40B4-BE49-F238E27FC236}">
+                <a16:creationId xmlns:a16="http://schemas.microsoft.com/office/drawing/2014/main" id="{0C685424-A074-B3FC-3E89-132FF9C769C2}"/>
+              </a:ext>
+            </a:extLst>
+          </p:cNvPr>
+          <p:cNvSpPr>
+            <a:spLocks noGrp="1"/>
+          </p:cNvSpPr>
+          <p:nvPr>
+            <p:ph type="dt" sz="half" idx="10"/>
+          </p:nvPr>
+        </p:nvSpPr>
+        <p:spPr/>
+        <p:txBody>
+          <a:bodyPr/>
+          <a:lstStyle/>
+          <a:p>
+            <a:fld id="{85468BB0-44F1-4D1F-AC45-CB226B0E2F66}" type="datetime1">
+              <a:rPr lang="ko-KR" altLang="en-US" smtClean="0"/>
+              <a:t>2024-11-12</a:t>
+            </a:fld>
+            <a:endParaRPr lang="en-US" dirty="0"/>
+          </a:p>
+        </p:txBody>
+      </p:sp>
+      <p:pic>
+        <p:nvPicPr>
+          <p:cNvPr id="12" name="Picture 4" descr="Qualitative segmentation results on PASCAL VOC 2012 validation set">
+            <a:extLst>
+              <a:ext uri="{FF2B5EF4-FFF2-40B4-BE49-F238E27FC236}">
+                <a16:creationId xmlns:a16="http://schemas.microsoft.com/office/drawing/2014/main" id="{4BB71A4A-7B5B-9816-7789-06AFF93068EE}"/>
+              </a:ext>
+            </a:extLst>
+          </p:cNvPr>
+          <p:cNvPicPr>
+            <a:picLocks noChangeAspect="1" noChangeArrowheads="1"/>
+          </p:cNvPicPr>
+          <p:nvPr/>
+        </p:nvPicPr>
+        <p:blipFill>
+          <a:blip r:embed="rId4">
+            <a:extLst>
+              <a:ext uri="{28A0092B-C50C-407E-A947-70E740481C1C}">
+                <a14:useLocalDpi xmlns:a14="http://schemas.microsoft.com/office/drawing/2010/main" val="0"/>
+              </a:ext>
+            </a:extLst>
+          </a:blip>
+          <a:stretch>
+            <a:fillRect/>
+          </a:stretch>
+        </p:blipFill>
+        <p:spPr bwMode="auto">
+          <a:xfrm>
+            <a:off x="777241" y="1752179"/>
+            <a:ext cx="3479802" cy="2488058"/>
+          </a:xfrm>
+          <a:prstGeom prst="rect">
+            <a:avLst/>
+          </a:prstGeom>
+          <a:noFill/>
+          <a:extLst>
+            <a:ext uri="{909E8E84-426E-40DD-AFC4-6F175D3DCCD1}">
+              <a14:hiddenFill xmlns:a14="http://schemas.microsoft.com/office/drawing/2010/main">
+                <a:solidFill>
+                  <a:srgbClr val="FFFFFF"/>
+                </a:solidFill>
+              </a14:hiddenFill>
+            </a:ext>
+          </a:extLst>
+        </p:spPr>
+      </p:pic>
+    </p:spTree>
+    <p:extLst>
+      <p:ext uri="{BB962C8B-B14F-4D97-AF65-F5344CB8AC3E}">
+        <p14:creationId xmlns:p14="http://schemas.microsoft.com/office/powerpoint/2010/main" val="213303009"/>
+      </p:ext>
+    </p:extLst>
+  </p:cSld>
+  <p:clrMapOvr>
+    <a:masterClrMapping/>
+  </p:clrMapOvr>
+</p:sld>
+</file>
+
+<file path=ppt/slides/slide19.xml><?xml version="1.0" encoding="utf-8"?>
+<p:sld xmlns:a="http://schemas.openxmlformats.org/drawingml/2006/main" xmlns:r="http://schemas.openxmlformats.org/officeDocument/2006/relationships" xmlns:p="http://schemas.openxmlformats.org/presentationml/2006/main">
+  <p:cSld>
+    <p:spTree>
+      <p:nvGrpSpPr>
+        <p:cNvPr id="1" name="">
+          <a:extLst>
+            <a:ext uri="{FF2B5EF4-FFF2-40B4-BE49-F238E27FC236}">
+              <a16:creationId xmlns:a16="http://schemas.microsoft.com/office/drawing/2014/main" id="{36D86007-100D-F068-8E83-1494B45D796D}"/>
+            </a:ext>
+          </a:extLst>
+        </p:cNvPr>
+        <p:cNvGrpSpPr/>
+        <p:nvPr/>
+      </p:nvGrpSpPr>
+      <p:grpSpPr>
+        <a:xfrm>
+          <a:off x="0" y="0"/>
+          <a:ext cx="0" cy="0"/>
+          <a:chOff x="0" y="0"/>
+          <a:chExt cx="0" cy="0"/>
+        </a:xfrm>
+      </p:grpSpPr>
+      <p:sp>
+        <p:nvSpPr>
+          <p:cNvPr id="2" name="제목 1">
+            <a:extLst>
+              <a:ext uri="{FF2B5EF4-FFF2-40B4-BE49-F238E27FC236}">
+                <a16:creationId xmlns:a16="http://schemas.microsoft.com/office/drawing/2014/main" id="{FFD86B86-9843-3D25-A247-370A247EF23F}"/>
+              </a:ext>
+            </a:extLst>
+          </p:cNvPr>
+          <p:cNvSpPr>
+            <a:spLocks noGrp="1"/>
+          </p:cNvSpPr>
+          <p:nvPr>
+            <p:ph type="title"/>
+          </p:nvPr>
+        </p:nvSpPr>
+        <p:spPr/>
+        <p:txBody>
+          <a:bodyPr/>
+          <a:lstStyle/>
+          <a:p>
+            <a:r>
+              <a:rPr lang="en-US" altLang="ko-KR" dirty="0"/>
+              <a:t>Experimental results</a:t>
+            </a:r>
+            <a:endParaRPr lang="ko-KR" altLang="en-US" dirty="0"/>
+          </a:p>
+        </p:txBody>
+      </p:sp>
+      <p:pic>
+        <p:nvPicPr>
+          <p:cNvPr id="9" name="내용 개체 틀 8">
+            <a:extLst>
+              <a:ext uri="{FF2B5EF4-FFF2-40B4-BE49-F238E27FC236}">
+                <a16:creationId xmlns:a16="http://schemas.microsoft.com/office/drawing/2014/main" id="{912BA166-E3FE-B684-CCF4-4BE60EE569B4}"/>
+              </a:ext>
+            </a:extLst>
+          </p:cNvPr>
+          <p:cNvPicPr>
+            <a:picLocks noGrp="1" noChangeAspect="1"/>
+          </p:cNvPicPr>
+          <p:nvPr>
+            <p:ph sz="half" idx="2"/>
+          </p:nvPr>
+        </p:nvPicPr>
+        <p:blipFill>
+          <a:blip r:embed="rId3"/>
+          <a:stretch>
+            <a:fillRect/>
+          </a:stretch>
+        </p:blipFill>
+        <p:spPr>
+          <a:xfrm>
+            <a:off x="4984066" y="1590675"/>
+            <a:ext cx="3285908" cy="2811066"/>
+          </a:xfrm>
+        </p:spPr>
+      </p:pic>
+      <p:sp>
+        <p:nvSpPr>
+          <p:cNvPr id="5" name="날짜 개체 틀 4">
+            <a:extLst>
+              <a:ext uri="{FF2B5EF4-FFF2-40B4-BE49-F238E27FC236}">
+                <a16:creationId xmlns:a16="http://schemas.microsoft.com/office/drawing/2014/main" id="{C2A84ADC-0EAF-FE48-4FEF-4A75BE0C2122}"/>
+              </a:ext>
+            </a:extLst>
+          </p:cNvPr>
+          <p:cNvSpPr>
+            <a:spLocks noGrp="1"/>
+          </p:cNvSpPr>
+          <p:nvPr>
+            <p:ph type="dt" sz="half" idx="10"/>
+          </p:nvPr>
+        </p:nvSpPr>
+        <p:spPr/>
+        <p:txBody>
+          <a:bodyPr/>
+          <a:lstStyle/>
+          <a:p>
+            <a:fld id="{85468BB0-44F1-4D1F-AC45-CB226B0E2F66}" type="datetime1">
+              <a:rPr lang="ko-KR" altLang="en-US" smtClean="0"/>
+              <a:t>2024-11-12</a:t>
+            </a:fld>
+            <a:endParaRPr lang="en-US" dirty="0"/>
+          </a:p>
+        </p:txBody>
+      </p:sp>
+      <p:pic>
+        <p:nvPicPr>
+          <p:cNvPr id="8" name="그림 7">
+            <a:extLst>
+              <a:ext uri="{FF2B5EF4-FFF2-40B4-BE49-F238E27FC236}">
+                <a16:creationId xmlns:a16="http://schemas.microsoft.com/office/drawing/2014/main" id="{3F1B19A6-54EA-AC39-5F2F-6D53A5E0748E}"/>
+              </a:ext>
+            </a:extLst>
+          </p:cNvPr>
+          <p:cNvPicPr>
+            <a:picLocks noChangeAspect="1"/>
+          </p:cNvPicPr>
+          <p:nvPr/>
+        </p:nvPicPr>
+        <p:blipFill>
+          <a:blip r:embed="rId4"/>
+          <a:stretch>
+            <a:fillRect/>
+          </a:stretch>
+        </p:blipFill>
+        <p:spPr>
+          <a:xfrm>
+            <a:off x="822960" y="1590675"/>
+            <a:ext cx="4107581" cy="2444096"/>
+          </a:xfrm>
+          <a:prstGeom prst="rect">
+            <a:avLst/>
+          </a:prstGeom>
+        </p:spPr>
+      </p:pic>
+    </p:spTree>
+    <p:extLst>
+      <p:ext uri="{BB962C8B-B14F-4D97-AF65-F5344CB8AC3E}">
+        <p14:creationId xmlns:p14="http://schemas.microsoft.com/office/powerpoint/2010/main" val="3146108117"/>
+      </p:ext>
+    </p:extLst>
+  </p:cSld>
+  <p:clrMapOvr>
+    <a:masterClrMapping/>
+  </p:clrMapOvr>
+</p:sld>
+</file>
+
 <file path=ppt/slides/slide2.xml><?xml version="1.0" encoding="utf-8"?>
 <p:sld xmlns:a="http://schemas.openxmlformats.org/drawingml/2006/main" xmlns:r="http://schemas.openxmlformats.org/officeDocument/2006/relationships" xmlns:p="http://schemas.openxmlformats.org/presentationml/2006/main">
   <p:cSld>
@@ -12297,6 +18996,546 @@
     <p:extLst>
       <p:ext uri="{BB962C8B-B14F-4D97-AF65-F5344CB8AC3E}">
         <p14:creationId xmlns:p14="http://schemas.microsoft.com/office/powerpoint/2010/main" val="2886100061"/>
+      </p:ext>
+    </p:extLst>
+  </p:cSld>
+  <p:clrMapOvr>
+    <a:masterClrMapping/>
+  </p:clrMapOvr>
+</p:sld>
+</file>
+
+<file path=ppt/slides/slide7.xml><?xml version="1.0" encoding="utf-8"?>
+<p:sld xmlns:a="http://schemas.openxmlformats.org/drawingml/2006/main" xmlns:r="http://schemas.openxmlformats.org/officeDocument/2006/relationships" xmlns:p="http://schemas.openxmlformats.org/presentationml/2006/main">
+  <p:cSld>
+    <p:spTree>
+      <p:nvGrpSpPr>
+        <p:cNvPr id="1" name="">
+          <a:extLst>
+            <a:ext uri="{FF2B5EF4-FFF2-40B4-BE49-F238E27FC236}">
+              <a16:creationId xmlns:a16="http://schemas.microsoft.com/office/drawing/2014/main" id="{ECA4F4D7-C6E1-ED57-3822-5043C74E343A}"/>
+            </a:ext>
+          </a:extLst>
+        </p:cNvPr>
+        <p:cNvGrpSpPr/>
+        <p:nvPr/>
+      </p:nvGrpSpPr>
+      <p:grpSpPr>
+        <a:xfrm>
+          <a:off x="0" y="0"/>
+          <a:ext cx="0" cy="0"/>
+          <a:chOff x="0" y="0"/>
+          <a:chExt cx="0" cy="0"/>
+        </a:xfrm>
+      </p:grpSpPr>
+      <p:sp>
+        <p:nvSpPr>
+          <p:cNvPr id="2" name="제목 1">
+            <a:extLst>
+              <a:ext uri="{FF2B5EF4-FFF2-40B4-BE49-F238E27FC236}">
+                <a16:creationId xmlns:a16="http://schemas.microsoft.com/office/drawing/2014/main" id="{87AD1006-A788-5637-D08C-25A147E8D25D}"/>
+              </a:ext>
+            </a:extLst>
+          </p:cNvPr>
+          <p:cNvSpPr>
+            <a:spLocks noGrp="1"/>
+          </p:cNvSpPr>
+          <p:nvPr>
+            <p:ph type="ctrTitle"/>
+          </p:nvPr>
+        </p:nvSpPr>
+        <p:spPr>
+          <a:xfrm>
+            <a:off x="3967316" y="479323"/>
+            <a:ext cx="4689988" cy="2764511"/>
+          </a:xfrm>
+        </p:spPr>
+        <p:txBody>
+          <a:bodyPr rtlCol="0">
+            <a:normAutofit/>
+          </a:bodyPr>
+          <a:lstStyle/>
+          <a:p>
+            <a:pPr rtl="0"/>
+            <a:r>
+              <a:rPr lang="en-US" altLang="ko-KR" sz="2700" dirty="0" err="1"/>
+              <a:t>AllSpark</a:t>
+            </a:r>
+            <a:r>
+              <a:rPr lang="en-US" altLang="ko-KR" sz="2700" dirty="0"/>
+              <a:t>: Reborn Labeled Features from Unlabeled in Transformer for Semi-Supervised Semantic Segmentation</a:t>
+            </a:r>
+            <a:endParaRPr lang="ko" altLang="en-US" sz="2700" dirty="0">
+              <a:latin typeface="Batang" panose="02030600000101010101" pitchFamily="18" charset="-127"/>
+              <a:ea typeface="Batang" panose="02030600000101010101" pitchFamily="18" charset="-127"/>
+            </a:endParaRPr>
+          </a:p>
+        </p:txBody>
+      </p:sp>
+      <p:sp>
+        <p:nvSpPr>
+          <p:cNvPr id="3" name="부제목 2">
+            <a:extLst>
+              <a:ext uri="{FF2B5EF4-FFF2-40B4-BE49-F238E27FC236}">
+                <a16:creationId xmlns:a16="http://schemas.microsoft.com/office/drawing/2014/main" id="{8F002B54-BEDA-48D8-B04E-A115954D2A25}"/>
+              </a:ext>
+            </a:extLst>
+          </p:cNvPr>
+          <p:cNvSpPr>
+            <a:spLocks noGrp="1"/>
+          </p:cNvSpPr>
+          <p:nvPr>
+            <p:ph type="subTitle" idx="1"/>
+          </p:nvPr>
+        </p:nvSpPr>
+        <p:spPr>
+          <a:xfrm>
+            <a:off x="3967315" y="3504554"/>
+            <a:ext cx="4702010" cy="766124"/>
+          </a:xfrm>
+        </p:spPr>
+        <p:txBody>
+          <a:bodyPr rtlCol="0">
+            <a:normAutofit/>
+          </a:bodyPr>
+          <a:lstStyle/>
+          <a:p>
+            <a:pPr rtl="0"/>
+            <a:endParaRPr lang="ko" altLang="en-US" sz="1800" dirty="0">
+              <a:solidFill>
+                <a:schemeClr val="tx1">
+                  <a:lumMod val="85000"/>
+                  <a:lumOff val="15000"/>
+                </a:schemeClr>
+              </a:solidFill>
+            </a:endParaRPr>
+          </a:p>
+        </p:txBody>
+      </p:sp>
+    </p:spTree>
+    <p:extLst>
+      <p:ext uri="{BB962C8B-B14F-4D97-AF65-F5344CB8AC3E}">
+        <p14:creationId xmlns:p14="http://schemas.microsoft.com/office/powerpoint/2010/main" val="2254854624"/>
+      </p:ext>
+    </p:extLst>
+  </p:cSld>
+  <p:clrMapOvr>
+    <a:masterClrMapping/>
+  </p:clrMapOvr>
+</p:sld>
+</file>
+
+<file path=ppt/slides/slide8.xml><?xml version="1.0" encoding="utf-8"?>
+<p:sld xmlns:a="http://schemas.openxmlformats.org/drawingml/2006/main" xmlns:r="http://schemas.openxmlformats.org/officeDocument/2006/relationships" xmlns:p="http://schemas.openxmlformats.org/presentationml/2006/main">
+  <p:cSld>
+    <p:spTree>
+      <p:nvGrpSpPr>
+        <p:cNvPr id="1" name="">
+          <a:extLst>
+            <a:ext uri="{FF2B5EF4-FFF2-40B4-BE49-F238E27FC236}">
+              <a16:creationId xmlns:a16="http://schemas.microsoft.com/office/drawing/2014/main" id="{A235D0ED-36B1-0DD1-43A6-91FBA4972CD5}"/>
+            </a:ext>
+          </a:extLst>
+        </p:cNvPr>
+        <p:cNvGrpSpPr/>
+        <p:nvPr/>
+      </p:nvGrpSpPr>
+      <p:grpSpPr>
+        <a:xfrm>
+          <a:off x="0" y="0"/>
+          <a:ext cx="0" cy="0"/>
+          <a:chOff x="0" y="0"/>
+          <a:chExt cx="0" cy="0"/>
+        </a:xfrm>
+      </p:grpSpPr>
+      <p:sp>
+        <p:nvSpPr>
+          <p:cNvPr id="2" name="제목 1">
+            <a:extLst>
+              <a:ext uri="{FF2B5EF4-FFF2-40B4-BE49-F238E27FC236}">
+                <a16:creationId xmlns:a16="http://schemas.microsoft.com/office/drawing/2014/main" id="{21F68FFB-42D6-409F-9C6D-B070799BAE35}"/>
+              </a:ext>
+            </a:extLst>
+          </p:cNvPr>
+          <p:cNvSpPr>
+            <a:spLocks noGrp="1"/>
+          </p:cNvSpPr>
+          <p:nvPr>
+            <p:ph type="title"/>
+          </p:nvPr>
+        </p:nvSpPr>
+        <p:spPr>
+          <a:xfrm>
+            <a:off x="482600" y="589788"/>
+            <a:ext cx="2638175" cy="1570481"/>
+          </a:xfrm>
+        </p:spPr>
+        <p:txBody>
+          <a:bodyPr anchor="b">
+            <a:normAutofit/>
+          </a:bodyPr>
+          <a:lstStyle/>
+          <a:p>
+            <a:r>
+              <a:rPr lang="en-US" altLang="ko-KR" dirty="0"/>
+              <a:t>Feature</a:t>
+            </a:r>
+            <a:r>
+              <a:rPr lang="ko-KR" altLang="en-US" dirty="0"/>
+              <a:t> </a:t>
+            </a:r>
+            <a:r>
+              <a:rPr lang="en-US" altLang="ko-KR" dirty="0"/>
+              <a:t>design</a:t>
+            </a:r>
+            <a:endParaRPr lang="ko-KR" altLang="en-US" dirty="0"/>
+          </a:p>
+        </p:txBody>
+      </p:sp>
+      <p:pic>
+        <p:nvPicPr>
+          <p:cNvPr id="7" name="내용 개체 틀 6">
+            <a:extLst>
+              <a:ext uri="{FF2B5EF4-FFF2-40B4-BE49-F238E27FC236}">
+                <a16:creationId xmlns:a16="http://schemas.microsoft.com/office/drawing/2014/main" id="{F8AA3A73-3905-26F3-A0CD-E3BD27FBB796}"/>
+              </a:ext>
+            </a:extLst>
+          </p:cNvPr>
+          <p:cNvPicPr>
+            <a:picLocks noGrp="1" noChangeAspect="1"/>
+          </p:cNvPicPr>
+          <p:nvPr>
+            <p:ph idx="1"/>
+          </p:nvPr>
+        </p:nvPicPr>
+        <p:blipFill>
+          <a:blip r:embed="rId3"/>
+          <a:stretch>
+            <a:fillRect/>
+          </a:stretch>
+        </p:blipFill>
+        <p:spPr>
+          <a:xfrm>
+            <a:off x="4094238" y="1144541"/>
+            <a:ext cx="4446258" cy="2901183"/>
+          </a:xfrm>
+          <a:noFill/>
+        </p:spPr>
+      </p:pic>
+      <p:sp>
+        <p:nvSpPr>
+          <p:cNvPr id="4" name="텍스트 개체 틀 3">
+            <a:extLst>
+              <a:ext uri="{FF2B5EF4-FFF2-40B4-BE49-F238E27FC236}">
+                <a16:creationId xmlns:a16="http://schemas.microsoft.com/office/drawing/2014/main" id="{A86CD4CB-6C88-6FF0-B5BC-5EC1C41E93ED}"/>
+              </a:ext>
+            </a:extLst>
+          </p:cNvPr>
+          <p:cNvSpPr>
+            <a:spLocks noGrp="1"/>
+          </p:cNvSpPr>
+          <p:nvPr>
+            <p:ph type="body" sz="half" idx="2"/>
+          </p:nvPr>
+        </p:nvSpPr>
+        <p:spPr>
+          <a:xfrm>
+            <a:off x="482599" y="2282288"/>
+            <a:ext cx="2638175" cy="2298379"/>
+          </a:xfrm>
+        </p:spPr>
+        <p:txBody>
+          <a:bodyPr>
+            <a:normAutofit/>
+          </a:bodyPr>
+          <a:lstStyle/>
+          <a:p>
+            <a:r>
+              <a:rPr lang="en-US" altLang="ko-KR" dirty="0"/>
+              <a:t>Discriminatory power, Dimensionality</a:t>
+            </a:r>
+          </a:p>
+          <a:p>
+            <a:endParaRPr lang="en-US" altLang="ko-KR" dirty="0"/>
+          </a:p>
+          <a:p>
+            <a:r>
+              <a:rPr lang="en-US" altLang="ko-KR" dirty="0"/>
+              <a:t>In image?</a:t>
+            </a:r>
+          </a:p>
+          <a:p>
+            <a:r>
+              <a:rPr lang="en-US" altLang="ko-KR" dirty="0"/>
+              <a:t>C,H,W</a:t>
+            </a:r>
+          </a:p>
+          <a:p>
+            <a:endParaRPr lang="en-US" altLang="ko-KR" dirty="0"/>
+          </a:p>
+          <a:p>
+            <a:endParaRPr lang="ko-KR" altLang="en-US" dirty="0"/>
+          </a:p>
+        </p:txBody>
+      </p:sp>
+      <p:sp>
+        <p:nvSpPr>
+          <p:cNvPr id="5" name="날짜 개체 틀 4">
+            <a:extLst>
+              <a:ext uri="{FF2B5EF4-FFF2-40B4-BE49-F238E27FC236}">
+                <a16:creationId xmlns:a16="http://schemas.microsoft.com/office/drawing/2014/main" id="{33959C3E-CE4E-BB64-8291-A711F66D94A6}"/>
+              </a:ext>
+            </a:extLst>
+          </p:cNvPr>
+          <p:cNvSpPr>
+            <a:spLocks noGrp="1"/>
+          </p:cNvSpPr>
+          <p:nvPr>
+            <p:ph type="dt" sz="half" idx="10"/>
+          </p:nvPr>
+        </p:nvSpPr>
+        <p:spPr>
+          <a:xfrm>
+            <a:off x="482598" y="4834890"/>
+            <a:ext cx="2638176" cy="273844"/>
+          </a:xfrm>
+        </p:spPr>
+        <p:txBody>
+          <a:bodyPr anchor="ctr">
+            <a:normAutofit fontScale="92500" lnSpcReduction="10000"/>
+          </a:bodyPr>
+          <a:lstStyle/>
+          <a:p>
+            <a:pPr>
+              <a:spcAft>
+                <a:spcPts val="450"/>
+              </a:spcAft>
+            </a:pPr>
+            <a:fld id="{30F3E38E-E967-45FA-AE92-034CE4A74EA9}" type="datetime1">
+              <a:rPr lang="ko-KR" altLang="en-US" smtClean="0"/>
+              <a:pPr>
+                <a:spcAft>
+                  <a:spcPts val="450"/>
+                </a:spcAft>
+              </a:pPr>
+              <a:t>2024-11-12</a:t>
+            </a:fld>
+            <a:endParaRPr lang="en-US"/>
+          </a:p>
+        </p:txBody>
+      </p:sp>
+    </p:spTree>
+    <p:extLst>
+      <p:ext uri="{BB962C8B-B14F-4D97-AF65-F5344CB8AC3E}">
+        <p14:creationId xmlns:p14="http://schemas.microsoft.com/office/powerpoint/2010/main" val="2340136892"/>
+      </p:ext>
+    </p:extLst>
+  </p:cSld>
+  <p:clrMapOvr>
+    <a:masterClrMapping/>
+  </p:clrMapOvr>
+</p:sld>
+</file>
+
+<file path=ppt/slides/slide9.xml><?xml version="1.0" encoding="utf-8"?>
+<p:sld xmlns:a="http://schemas.openxmlformats.org/drawingml/2006/main" xmlns:r="http://schemas.openxmlformats.org/officeDocument/2006/relationships" xmlns:p="http://schemas.openxmlformats.org/presentationml/2006/main">
+  <p:cSld>
+    <p:spTree>
+      <p:nvGrpSpPr>
+        <p:cNvPr id="1" name="">
+          <a:extLst>
+            <a:ext uri="{FF2B5EF4-FFF2-40B4-BE49-F238E27FC236}">
+              <a16:creationId xmlns:a16="http://schemas.microsoft.com/office/drawing/2014/main" id="{11497A64-2D2F-BC07-63A3-4B1A49253BEF}"/>
+            </a:ext>
+          </a:extLst>
+        </p:cNvPr>
+        <p:cNvGrpSpPr/>
+        <p:nvPr/>
+      </p:nvGrpSpPr>
+      <p:grpSpPr>
+        <a:xfrm>
+          <a:off x="0" y="0"/>
+          <a:ext cx="0" cy="0"/>
+          <a:chOff x="0" y="0"/>
+          <a:chExt cx="0" cy="0"/>
+        </a:xfrm>
+      </p:grpSpPr>
+      <p:sp>
+        <p:nvSpPr>
+          <p:cNvPr id="2" name="제목 1">
+            <a:extLst>
+              <a:ext uri="{FF2B5EF4-FFF2-40B4-BE49-F238E27FC236}">
+                <a16:creationId xmlns:a16="http://schemas.microsoft.com/office/drawing/2014/main" id="{52D60C8F-5B1C-8427-BE57-DA072225D850}"/>
+              </a:ext>
+            </a:extLst>
+          </p:cNvPr>
+          <p:cNvSpPr>
+            <a:spLocks noGrp="1"/>
+          </p:cNvSpPr>
+          <p:nvPr>
+            <p:ph type="title"/>
+          </p:nvPr>
+        </p:nvSpPr>
+        <p:spPr>
+          <a:xfrm>
+            <a:off x="822960" y="214953"/>
+            <a:ext cx="7543800" cy="1088068"/>
+          </a:xfrm>
+        </p:spPr>
+        <p:txBody>
+          <a:bodyPr anchor="b">
+            <a:normAutofit/>
+          </a:bodyPr>
+          <a:lstStyle/>
+          <a:p>
+            <a:r>
+              <a:rPr lang="en-US" altLang="ko-KR" dirty="0"/>
+              <a:t>Semi-Supervised learning for Semantic Segmentation(SSSS)</a:t>
+            </a:r>
+            <a:endParaRPr lang="ko-KR" altLang="en-US" dirty="0"/>
+          </a:p>
+        </p:txBody>
+      </p:sp>
+      <p:sp>
+        <p:nvSpPr>
+          <p:cNvPr id="4" name="텍스트 개체 틀 3">
+            <a:extLst>
+              <a:ext uri="{FF2B5EF4-FFF2-40B4-BE49-F238E27FC236}">
+                <a16:creationId xmlns:a16="http://schemas.microsoft.com/office/drawing/2014/main" id="{8DADE52C-EE90-6C2A-445E-31B0A6436F27}"/>
+              </a:ext>
+            </a:extLst>
+          </p:cNvPr>
+          <p:cNvSpPr>
+            <a:spLocks noGrp="1"/>
+          </p:cNvSpPr>
+          <p:nvPr>
+            <p:ph sz="half" idx="1"/>
+          </p:nvPr>
+        </p:nvSpPr>
+        <p:spPr>
+          <a:xfrm>
+            <a:off x="822960" y="1590675"/>
+            <a:ext cx="3479802" cy="2811145"/>
+          </a:xfrm>
+        </p:spPr>
+        <p:txBody>
+          <a:bodyPr>
+            <a:normAutofit lnSpcReduction="10000"/>
+          </a:bodyPr>
+          <a:lstStyle/>
+          <a:p>
+            <a:r>
+              <a:rPr lang="en-US" altLang="ko-KR" dirty="0"/>
+              <a:t>Models that are trained </a:t>
+            </a:r>
+            <a:r>
+              <a:rPr lang="en-US" altLang="ko-KR" b="1" dirty="0"/>
+              <a:t>with a small number of labeled examples and a large number of unlabeled examples</a:t>
+            </a:r>
+            <a:r>
+              <a:rPr lang="en-US" altLang="ko-KR" dirty="0"/>
+              <a:t> and whose aim is to learn to segment an image (i.e. assign a class to every pixel).</a:t>
+            </a:r>
+            <a:endParaRPr lang="ko-KR" altLang="en-US" dirty="0"/>
+          </a:p>
+        </p:txBody>
+      </p:sp>
+      <p:pic>
+        <p:nvPicPr>
+          <p:cNvPr id="6" name="Picture 4" descr="Qualitative segmentation results on PASCAL VOC 2012 validation set">
+            <a:extLst>
+              <a:ext uri="{FF2B5EF4-FFF2-40B4-BE49-F238E27FC236}">
+                <a16:creationId xmlns:a16="http://schemas.microsoft.com/office/drawing/2014/main" id="{C7240BED-B40F-0ECD-6C14-5E1420299FFF}"/>
+              </a:ext>
+            </a:extLst>
+          </p:cNvPr>
+          <p:cNvPicPr>
+            <a:picLocks noChangeAspect="1" noChangeArrowheads="1"/>
+          </p:cNvPicPr>
+          <p:nvPr/>
+        </p:nvPicPr>
+        <p:blipFill>
+          <a:blip r:embed="rId3">
+            <a:extLst>
+              <a:ext uri="{28A0092B-C50C-407E-A947-70E740481C1C}">
+                <a14:useLocalDpi xmlns:a14="http://schemas.microsoft.com/office/drawing/2010/main" val="0"/>
+              </a:ext>
+            </a:extLst>
+          </a:blip>
+          <a:stretch>
+            <a:fillRect/>
+          </a:stretch>
+        </p:blipFill>
+        <p:spPr bwMode="auto">
+          <a:xfrm>
+            <a:off x="4886958" y="1752219"/>
+            <a:ext cx="3479802" cy="2488058"/>
+          </a:xfrm>
+          <a:prstGeom prst="rect">
+            <a:avLst/>
+          </a:prstGeom>
+          <a:noFill/>
+          <a:extLst>
+            <a:ext uri="{909E8E84-426E-40DD-AFC4-6F175D3DCCD1}">
+              <a14:hiddenFill xmlns:a14="http://schemas.microsoft.com/office/drawing/2010/main">
+                <a:solidFill>
+                  <a:srgbClr val="FFFFFF"/>
+                </a:solidFill>
+              </a14:hiddenFill>
+            </a:ext>
+          </a:extLst>
+        </p:spPr>
+      </p:pic>
+      <p:sp>
+        <p:nvSpPr>
+          <p:cNvPr id="5" name="날짜 개체 틀 4">
+            <a:extLst>
+              <a:ext uri="{FF2B5EF4-FFF2-40B4-BE49-F238E27FC236}">
+                <a16:creationId xmlns:a16="http://schemas.microsoft.com/office/drawing/2014/main" id="{8B7204DE-F699-D56A-2EF0-7D953F5EE84D}"/>
+              </a:ext>
+            </a:extLst>
+          </p:cNvPr>
+          <p:cNvSpPr>
+            <a:spLocks noGrp="1"/>
+          </p:cNvSpPr>
+          <p:nvPr>
+            <p:ph type="dt" sz="half" idx="10"/>
+          </p:nvPr>
+        </p:nvSpPr>
+        <p:spPr>
+          <a:xfrm>
+            <a:off x="6163819" y="4835129"/>
+            <a:ext cx="1938638" cy="273844"/>
+          </a:xfrm>
+        </p:spPr>
+        <p:txBody>
+          <a:bodyPr anchor="ctr">
+            <a:normAutofit fontScale="92500" lnSpcReduction="10000"/>
+          </a:bodyPr>
+          <a:lstStyle/>
+          <a:p>
+            <a:pPr>
+              <a:spcAft>
+                <a:spcPts val="450"/>
+              </a:spcAft>
+            </a:pPr>
+            <a:fld id="{30F3E38E-E967-45FA-AE92-034CE4A74EA9}" type="datetime1">
+              <a:rPr lang="ko-KR" altLang="en-US" smtClean="0"/>
+              <a:pPr>
+                <a:spcAft>
+                  <a:spcPts val="450"/>
+                </a:spcAft>
+              </a:pPr>
+              <a:t>2024-11-12</a:t>
+            </a:fld>
+            <a:endParaRPr lang="en-US"/>
+          </a:p>
+        </p:txBody>
+      </p:sp>
+    </p:spTree>
+    <p:extLst>
+      <p:ext uri="{BB962C8B-B14F-4D97-AF65-F5344CB8AC3E}">
+        <p14:creationId xmlns:p14="http://schemas.microsoft.com/office/powerpoint/2010/main" val="777424427"/>
       </p:ext>
     </p:extLst>
   </p:cSld>
